--- a/presentation/Presentation_edited.pptx
+++ b/presentation/Presentation_edited.pptx
@@ -327,6 +327,906 @@
 </p:presentation>
 </file>
 
+<file path=ppt/charts/chart1.xml><?xml version="1.0" encoding="utf-8"?>
+<c:chartSpace xmlns:c="http://schemas.openxmlformats.org/drawingml/2006/chart" xmlns:a="http://schemas.openxmlformats.org/drawingml/2006/main" xmlns:r="http://schemas.openxmlformats.org/officeDocument/2006/relationships" xmlns:c16r2="http://schemas.microsoft.com/office/drawing/2015/06/chart">
+  <c:date1904 val="0"/>
+  <c:lang val="en-US"/>
+  <c:roundedCorners val="0"/>
+  <mc:AlternateContent xmlns:mc="http://schemas.openxmlformats.org/markup-compatibility/2006">
+    <mc:Choice xmlns:c14="http://schemas.microsoft.com/office/drawing/2007/8/2/chart" Requires="c14">
+      <c14:style val="104"/>
+    </mc:Choice>
+    <mc:Fallback>
+      <c:style val="4"/>
+    </mc:Fallback>
+  </mc:AlternateContent>
+  <c:chart>
+    <c:title>
+      <c:tx>
+        <c:rich>
+          <a:bodyPr rot="0" spcFirstLastPara="1" vertOverflow="ellipsis" vert="horz" wrap="square" anchor="ctr" anchorCtr="1"/>
+          <a:lstStyle/>
+          <a:p>
+            <a:pPr>
+              <a:defRPr sz="2800" b="0" i="0" u="none" strike="noStrike" kern="1200" spc="0" baseline="0">
+                <a:solidFill>
+                  <a:schemeClr val="tx1">
+                    <a:lumMod val="65000"/>
+                    <a:lumOff val="35000"/>
+                  </a:schemeClr>
+                </a:solidFill>
+                <a:latin typeface="Arial" panose="020B0604020202020204" pitchFamily="34" charset="0"/>
+                <a:ea typeface="+mn-ea"/>
+                <a:cs typeface="Arial" panose="020B0604020202020204" pitchFamily="34" charset="0"/>
+              </a:defRPr>
+            </a:pPr>
+            <a:r>
+              <a:rPr lang="ru-RU" sz="2800" dirty="0">
+                <a:solidFill>
+                  <a:schemeClr val="bg1"/>
+                </a:solidFill>
+              </a:rPr>
+              <a:t>Заробiтня плата </a:t>
+            </a:r>
+            <a:r>
+              <a:rPr lang="en-US" sz="2800" dirty="0" smtClean="0">
+                <a:solidFill>
+                  <a:schemeClr val="bg1"/>
+                </a:solidFill>
+              </a:rPr>
+              <a:t>у</a:t>
+            </a:r>
+            <a:r>
+              <a:rPr lang="ru-RU" sz="2800" dirty="0" smtClean="0">
+                <a:solidFill>
+                  <a:schemeClr val="bg1"/>
+                </a:solidFill>
+              </a:rPr>
+              <a:t>краïнцiв </a:t>
+            </a:r>
+            <a:r>
+              <a:rPr lang="ru-RU" sz="2800" dirty="0">
+                <a:solidFill>
+                  <a:schemeClr val="bg1"/>
+                </a:solidFill>
+              </a:rPr>
+              <a:t>на фрiланс </a:t>
+            </a:r>
+            <a:r>
+              <a:rPr lang="ru-RU" sz="2800" dirty="0" smtClean="0">
+                <a:solidFill>
+                  <a:schemeClr val="bg1"/>
+                </a:solidFill>
+              </a:rPr>
+              <a:t>бiржах</a:t>
+            </a:r>
+            <a:r>
+              <a:rPr lang="en-US" sz="2800" dirty="0" smtClean="0">
+                <a:solidFill>
+                  <a:schemeClr val="bg1"/>
+                </a:solidFill>
+              </a:rPr>
+              <a:t>, </a:t>
+            </a:r>
+            <a:r>
+              <a:rPr lang="uk-UA" sz="2800" dirty="0" smtClean="0">
+                <a:solidFill>
+                  <a:schemeClr val="bg1"/>
+                </a:solidFill>
+              </a:rPr>
+              <a:t>млн</a:t>
+            </a:r>
+            <a:r>
+              <a:rPr lang="uk-UA" sz="2800" baseline="0" dirty="0" smtClean="0">
+                <a:solidFill>
+                  <a:schemeClr val="bg1"/>
+                </a:solidFill>
+              </a:rPr>
+              <a:t> </a:t>
+            </a:r>
+            <a:r>
+              <a:rPr lang="en-US" sz="2800" baseline="0" dirty="0" smtClean="0">
+                <a:solidFill>
+                  <a:schemeClr val="bg1"/>
+                </a:solidFill>
+              </a:rPr>
+              <a:t>$</a:t>
+            </a:r>
+            <a:endParaRPr lang="en-US" sz="2800" dirty="0">
+              <a:solidFill>
+                <a:schemeClr val="bg1"/>
+              </a:solidFill>
+            </a:endParaRPr>
+          </a:p>
+        </c:rich>
+      </c:tx>
+      <c:layout/>
+      <c:overlay val="0"/>
+      <c:spPr>
+        <a:noFill/>
+        <a:ln>
+          <a:noFill/>
+        </a:ln>
+        <a:effectLst/>
+      </c:spPr>
+      <c:txPr>
+        <a:bodyPr rot="0" spcFirstLastPara="1" vertOverflow="ellipsis" vert="horz" wrap="square" anchor="ctr" anchorCtr="1"/>
+        <a:lstStyle/>
+        <a:p>
+          <a:pPr>
+            <a:defRPr sz="2800" b="0" i="0" u="none" strike="noStrike" kern="1200" spc="0" baseline="0">
+              <a:solidFill>
+                <a:schemeClr val="tx1">
+                  <a:lumMod val="65000"/>
+                  <a:lumOff val="35000"/>
+                </a:schemeClr>
+              </a:solidFill>
+              <a:latin typeface="Arial" panose="020B0604020202020204" pitchFamily="34" charset="0"/>
+              <a:ea typeface="+mn-ea"/>
+              <a:cs typeface="Arial" panose="020B0604020202020204" pitchFamily="34" charset="0"/>
+            </a:defRPr>
+          </a:pPr>
+          <a:endParaRPr lang="en-US"/>
+        </a:p>
+      </c:txPr>
+    </c:title>
+    <c:autoTitleDeleted val="0"/>
+    <c:plotArea>
+      <c:layout/>
+      <c:lineChart>
+        <c:grouping val="standard"/>
+        <c:varyColors val="0"/>
+        <c:ser>
+          <c:idx val="0"/>
+          <c:order val="0"/>
+          <c:tx>
+            <c:strRef>
+              <c:f>Sheet1!$B$1</c:f>
+              <c:strCache>
+                <c:ptCount val="1"/>
+                <c:pt idx="0">
+                  <c:v>Column1</c:v>
+                </c:pt>
+              </c:strCache>
+            </c:strRef>
+          </c:tx>
+          <c:spPr>
+            <a:ln w="44450" cap="rnd">
+              <a:solidFill>
+                <a:schemeClr val="accent1">
+                  <a:lumMod val="50000"/>
+                </a:schemeClr>
+              </a:solidFill>
+              <a:round/>
+            </a:ln>
+            <a:effectLst/>
+          </c:spPr>
+          <c:marker>
+            <c:symbol val="circle"/>
+            <c:size val="5"/>
+            <c:spPr>
+              <a:solidFill>
+                <a:schemeClr val="accent2"/>
+              </a:solidFill>
+              <a:ln w="9525">
+                <a:solidFill>
+                  <a:schemeClr val="accent2"/>
+                </a:solidFill>
+              </a:ln>
+              <a:effectLst/>
+            </c:spPr>
+          </c:marker>
+          <c:cat>
+            <c:numRef>
+              <c:f>Sheet1!$A$2:$A$5</c:f>
+              <c:numCache>
+                <c:formatCode>General</c:formatCode>
+                <c:ptCount val="4"/>
+                <c:pt idx="0">
+                  <c:v>2013</c:v>
+                </c:pt>
+                <c:pt idx="1">
+                  <c:v>2014</c:v>
+                </c:pt>
+                <c:pt idx="2">
+                  <c:v>2015</c:v>
+                </c:pt>
+                <c:pt idx="3">
+                  <c:v>2016</c:v>
+                </c:pt>
+              </c:numCache>
+            </c:numRef>
+          </c:cat>
+          <c:val>
+            <c:numRef>
+              <c:f>Sheet1!$B$2:$B$5</c:f>
+              <c:numCache>
+                <c:formatCode>General</c:formatCode>
+                <c:ptCount val="4"/>
+                <c:pt idx="0">
+                  <c:v>19</c:v>
+                </c:pt>
+                <c:pt idx="1">
+                  <c:v>32</c:v>
+                </c:pt>
+                <c:pt idx="2">
+                  <c:v>63</c:v>
+                </c:pt>
+                <c:pt idx="3">
+                  <c:v>72</c:v>
+                </c:pt>
+              </c:numCache>
+            </c:numRef>
+          </c:val>
+          <c:smooth val="0"/>
+          <c:extLst>
+            <c:ext xmlns:c16="http://schemas.microsoft.com/office/drawing/2014/chart" uri="{C3380CC4-5D6E-409C-BE32-E72D297353CC}">
+              <c16:uniqueId val="{00000000-EEE2-47D1-B8E2-00ED0D0BF523}"/>
+            </c:ext>
+          </c:extLst>
+        </c:ser>
+        <c:dLbls>
+          <c:showLegendKey val="0"/>
+          <c:showVal val="0"/>
+          <c:showCatName val="0"/>
+          <c:showSerName val="0"/>
+          <c:showPercent val="0"/>
+          <c:showBubbleSize val="0"/>
+        </c:dLbls>
+        <c:marker val="1"/>
+        <c:smooth val="0"/>
+        <c:axId val="924707088"/>
+        <c:axId val="924707920"/>
+      </c:lineChart>
+      <c:catAx>
+        <c:axId val="924707088"/>
+        <c:scaling>
+          <c:orientation val="minMax"/>
+        </c:scaling>
+        <c:delete val="0"/>
+        <c:axPos val="b"/>
+        <c:numFmt formatCode="General" sourceLinked="1"/>
+        <c:majorTickMark val="none"/>
+        <c:minorTickMark val="none"/>
+        <c:tickLblPos val="nextTo"/>
+        <c:spPr>
+          <a:noFill/>
+          <a:ln w="9525" cap="flat" cmpd="sng" algn="ctr">
+            <a:solidFill>
+              <a:schemeClr val="tx1">
+                <a:lumMod val="15000"/>
+                <a:lumOff val="85000"/>
+              </a:schemeClr>
+            </a:solidFill>
+            <a:round/>
+          </a:ln>
+          <a:effectLst/>
+        </c:spPr>
+        <c:txPr>
+          <a:bodyPr rot="-60000000" spcFirstLastPara="1" vertOverflow="ellipsis" vert="horz" wrap="square" anchor="ctr" anchorCtr="1"/>
+          <a:lstStyle/>
+          <a:p>
+            <a:pPr>
+              <a:defRPr sz="2400" b="0" i="0" u="none" strike="noStrike" kern="1200" baseline="0">
+                <a:solidFill>
+                  <a:schemeClr val="bg1"/>
+                </a:solidFill>
+                <a:latin typeface="Arial" panose="020B0604020202020204" pitchFamily="34" charset="0"/>
+                <a:ea typeface="+mn-ea"/>
+                <a:cs typeface="Arial" panose="020B0604020202020204" pitchFamily="34" charset="0"/>
+              </a:defRPr>
+            </a:pPr>
+            <a:endParaRPr lang="en-US"/>
+          </a:p>
+        </c:txPr>
+        <c:crossAx val="924707920"/>
+        <c:crosses val="autoZero"/>
+        <c:auto val="1"/>
+        <c:lblAlgn val="ctr"/>
+        <c:lblOffset val="100"/>
+        <c:noMultiLvlLbl val="0"/>
+      </c:catAx>
+      <c:valAx>
+        <c:axId val="924707920"/>
+        <c:scaling>
+          <c:orientation val="minMax"/>
+        </c:scaling>
+        <c:delete val="0"/>
+        <c:axPos val="l"/>
+        <c:majorGridlines>
+          <c:spPr>
+            <a:ln w="12700" cap="flat" cmpd="sng" algn="ctr">
+              <a:solidFill>
+                <a:schemeClr val="tx1">
+                  <a:lumMod val="15000"/>
+                  <a:lumOff val="85000"/>
+                </a:schemeClr>
+              </a:solidFill>
+              <a:round/>
+            </a:ln>
+            <a:effectLst/>
+          </c:spPr>
+        </c:majorGridlines>
+        <c:numFmt formatCode="General" sourceLinked="1"/>
+        <c:majorTickMark val="none"/>
+        <c:minorTickMark val="none"/>
+        <c:tickLblPos val="nextTo"/>
+        <c:spPr>
+          <a:noFill/>
+          <a:ln>
+            <a:noFill/>
+          </a:ln>
+          <a:effectLst/>
+        </c:spPr>
+        <c:txPr>
+          <a:bodyPr rot="-60000000" spcFirstLastPara="1" vertOverflow="ellipsis" vert="horz" wrap="square" anchor="ctr" anchorCtr="1"/>
+          <a:lstStyle/>
+          <a:p>
+            <a:pPr>
+              <a:defRPr sz="2400" b="0" i="0" u="none" strike="noStrike" kern="1200" baseline="0">
+                <a:solidFill>
+                  <a:schemeClr val="bg1"/>
+                </a:solidFill>
+                <a:latin typeface="Arial" panose="020B0604020202020204" pitchFamily="34" charset="0"/>
+                <a:ea typeface="+mn-ea"/>
+                <a:cs typeface="Arial" panose="020B0604020202020204" pitchFamily="34" charset="0"/>
+              </a:defRPr>
+            </a:pPr>
+            <a:endParaRPr lang="en-US"/>
+          </a:p>
+        </c:txPr>
+        <c:crossAx val="924707088"/>
+        <c:crosses val="autoZero"/>
+        <c:crossBetween val="between"/>
+        <c:majorUnit val="20"/>
+      </c:valAx>
+      <c:spPr>
+        <a:noFill/>
+        <a:ln>
+          <a:noFill/>
+        </a:ln>
+        <a:effectLst/>
+      </c:spPr>
+    </c:plotArea>
+    <c:plotVisOnly val="1"/>
+    <c:dispBlanksAs val="zero"/>
+    <c:showDLblsOverMax val="0"/>
+  </c:chart>
+  <c:spPr>
+    <a:noFill/>
+    <a:ln>
+      <a:noFill/>
+    </a:ln>
+    <a:effectLst/>
+  </c:spPr>
+  <c:txPr>
+    <a:bodyPr/>
+    <a:lstStyle/>
+    <a:p>
+      <a:pPr>
+        <a:defRPr>
+          <a:latin typeface="Arial" panose="020B0604020202020204" pitchFamily="34" charset="0"/>
+          <a:cs typeface="Arial" panose="020B0604020202020204" pitchFamily="34" charset="0"/>
+        </a:defRPr>
+      </a:pPr>
+      <a:endParaRPr lang="en-US"/>
+    </a:p>
+  </c:txPr>
+  <c:externalData r:id="rId3">
+    <c:autoUpdate val="0"/>
+  </c:externalData>
+</c:chartSpace>
+</file>
+
+<file path=ppt/charts/colors1.xml><?xml version="1.0" encoding="utf-8"?>
+<cs:colorStyle xmlns:cs="http://schemas.microsoft.com/office/drawing/2012/chartStyle" xmlns:a="http://schemas.openxmlformats.org/drawingml/2006/main" meth="withinLinear" id="15">
+  <a:schemeClr val="accent2"/>
+</cs:colorStyle>
+</file>
+
+<file path=ppt/charts/style1.xml><?xml version="1.0" encoding="utf-8"?>
+<cs:chartStyle xmlns:cs="http://schemas.microsoft.com/office/drawing/2012/chartStyle" xmlns:a="http://schemas.openxmlformats.org/drawingml/2006/main" id="332">
+  <cs:axisTitle>
+    <cs:lnRef idx="0"/>
+    <cs:fillRef idx="0"/>
+    <cs:effectRef idx="0"/>
+    <cs:fontRef idx="minor">
+      <a:schemeClr val="tx1">
+        <a:lumMod val="65000"/>
+        <a:lumOff val="35000"/>
+      </a:schemeClr>
+    </cs:fontRef>
+    <cs:defRPr sz="1330" kern="1200"/>
+  </cs:axisTitle>
+  <cs:categoryAxis>
+    <cs:lnRef idx="0"/>
+    <cs:fillRef idx="0"/>
+    <cs:effectRef idx="0"/>
+    <cs:fontRef idx="minor">
+      <a:schemeClr val="tx1">
+        <a:lumMod val="65000"/>
+        <a:lumOff val="35000"/>
+      </a:schemeClr>
+    </cs:fontRef>
+    <cs:spPr>
+      <a:ln w="9525" cap="flat" cmpd="sng" algn="ctr">
+        <a:solidFill>
+          <a:schemeClr val="tx1">
+            <a:lumMod val="15000"/>
+            <a:lumOff val="85000"/>
+          </a:schemeClr>
+        </a:solidFill>
+        <a:round/>
+      </a:ln>
+    </cs:spPr>
+    <cs:defRPr sz="1197" kern="1200"/>
+  </cs:categoryAxis>
+  <cs:chartArea mods="allowNoFillOverride allowNoLineOverride">
+    <cs:lnRef idx="0"/>
+    <cs:fillRef idx="0"/>
+    <cs:effectRef idx="0"/>
+    <cs:fontRef idx="minor">
+      <a:schemeClr val="tx1"/>
+    </cs:fontRef>
+    <cs:spPr>
+      <a:solidFill>
+        <a:schemeClr val="bg1"/>
+      </a:solidFill>
+      <a:ln w="9525" cap="flat" cmpd="sng" algn="ctr">
+        <a:solidFill>
+          <a:schemeClr val="tx1">
+            <a:lumMod val="15000"/>
+            <a:lumOff val="85000"/>
+          </a:schemeClr>
+        </a:solidFill>
+        <a:round/>
+      </a:ln>
+    </cs:spPr>
+    <cs:defRPr sz="1330" kern="1200"/>
+  </cs:chartArea>
+  <cs:dataLabel>
+    <cs:lnRef idx="0"/>
+    <cs:fillRef idx="0"/>
+    <cs:effectRef idx="0"/>
+    <cs:fontRef idx="minor">
+      <a:schemeClr val="tx1">
+        <a:lumMod val="75000"/>
+        <a:lumOff val="25000"/>
+      </a:schemeClr>
+    </cs:fontRef>
+    <cs:defRPr sz="1197" kern="1200"/>
+  </cs:dataLabel>
+  <cs:dataLabelCallout>
+    <cs:lnRef idx="0"/>
+    <cs:fillRef idx="0"/>
+    <cs:effectRef idx="0"/>
+    <cs:fontRef idx="minor">
+      <a:schemeClr val="dk1">
+        <a:lumMod val="65000"/>
+        <a:lumOff val="35000"/>
+      </a:schemeClr>
+    </cs:fontRef>
+    <cs:spPr>
+      <a:solidFill>
+        <a:schemeClr val="lt1"/>
+      </a:solidFill>
+      <a:ln>
+        <a:solidFill>
+          <a:schemeClr val="dk1">
+            <a:lumMod val="25000"/>
+            <a:lumOff val="75000"/>
+          </a:schemeClr>
+        </a:solidFill>
+      </a:ln>
+    </cs:spPr>
+    <cs:defRPr sz="1197" kern="1200"/>
+    <cs:bodyPr rot="0" spcFirstLastPara="1" vertOverflow="clip" horzOverflow="clip" vert="horz" wrap="square" lIns="36576" tIns="18288" rIns="36576" bIns="18288" anchor="ctr" anchorCtr="1">
+      <a:spAutoFit/>
+    </cs:bodyPr>
+  </cs:dataLabelCallout>
+  <cs:dataPoint>
+    <cs:lnRef idx="0"/>
+    <cs:fillRef idx="1">
+      <cs:styleClr val="auto"/>
+    </cs:fillRef>
+    <cs:effectRef idx="0"/>
+    <cs:fontRef idx="minor">
+      <a:schemeClr val="tx1"/>
+    </cs:fontRef>
+  </cs:dataPoint>
+  <cs:dataPoint3D>
+    <cs:lnRef idx="0"/>
+    <cs:fillRef idx="1">
+      <cs:styleClr val="auto"/>
+    </cs:fillRef>
+    <cs:effectRef idx="0"/>
+    <cs:fontRef idx="minor">
+      <a:schemeClr val="tx1"/>
+    </cs:fontRef>
+  </cs:dataPoint3D>
+  <cs:dataPointLine>
+    <cs:lnRef idx="0">
+      <cs:styleClr val="auto"/>
+    </cs:lnRef>
+    <cs:fillRef idx="1"/>
+    <cs:effectRef idx="0"/>
+    <cs:fontRef idx="minor">
+      <a:schemeClr val="tx1"/>
+    </cs:fontRef>
+    <cs:spPr>
+      <a:ln w="28575" cap="rnd">
+        <a:solidFill>
+          <a:schemeClr val="phClr"/>
+        </a:solidFill>
+        <a:round/>
+      </a:ln>
+    </cs:spPr>
+  </cs:dataPointLine>
+  <cs:dataPointMarker>
+    <cs:lnRef idx="0">
+      <cs:styleClr val="auto"/>
+    </cs:lnRef>
+    <cs:fillRef idx="1">
+      <cs:styleClr val="auto"/>
+    </cs:fillRef>
+    <cs:effectRef idx="0"/>
+    <cs:fontRef idx="minor">
+      <a:schemeClr val="tx1"/>
+    </cs:fontRef>
+    <cs:spPr>
+      <a:ln w="9525">
+        <a:solidFill>
+          <a:schemeClr val="phClr"/>
+        </a:solidFill>
+      </a:ln>
+    </cs:spPr>
+  </cs:dataPointMarker>
+  <cs:dataPointMarkerLayout symbol="circle" size="5"/>
+  <cs:dataPointWireframe>
+    <cs:lnRef idx="0">
+      <cs:styleClr val="auto"/>
+    </cs:lnRef>
+    <cs:fillRef idx="1"/>
+    <cs:effectRef idx="0"/>
+    <cs:fontRef idx="minor">
+      <a:schemeClr val="tx1"/>
+    </cs:fontRef>
+    <cs:spPr>
+      <a:ln w="9525" cap="rnd">
+        <a:solidFill>
+          <a:schemeClr val="phClr"/>
+        </a:solidFill>
+        <a:round/>
+      </a:ln>
+    </cs:spPr>
+  </cs:dataPointWireframe>
+  <cs:dataTable>
+    <cs:lnRef idx="0"/>
+    <cs:fillRef idx="0"/>
+    <cs:effectRef idx="0"/>
+    <cs:fontRef idx="minor">
+      <a:schemeClr val="tx1">
+        <a:lumMod val="65000"/>
+        <a:lumOff val="35000"/>
+      </a:schemeClr>
+    </cs:fontRef>
+    <cs:spPr>
+      <a:noFill/>
+      <a:ln w="9525" cap="flat" cmpd="sng" algn="ctr">
+        <a:solidFill>
+          <a:schemeClr val="tx1">
+            <a:lumMod val="15000"/>
+            <a:lumOff val="85000"/>
+          </a:schemeClr>
+        </a:solidFill>
+        <a:round/>
+      </a:ln>
+    </cs:spPr>
+    <cs:defRPr sz="1197" kern="1200"/>
+  </cs:dataTable>
+  <cs:downBar>
+    <cs:lnRef idx="0"/>
+    <cs:fillRef idx="0"/>
+    <cs:effectRef idx="0"/>
+    <cs:fontRef idx="minor">
+      <a:schemeClr val="dk1"/>
+    </cs:fontRef>
+    <cs:spPr>
+      <a:solidFill>
+        <a:schemeClr val="dk1">
+          <a:lumMod val="65000"/>
+          <a:lumOff val="35000"/>
+        </a:schemeClr>
+      </a:solidFill>
+      <a:ln w="9525">
+        <a:solidFill>
+          <a:schemeClr val="tx1">
+            <a:lumMod val="65000"/>
+            <a:lumOff val="35000"/>
+          </a:schemeClr>
+        </a:solidFill>
+      </a:ln>
+    </cs:spPr>
+  </cs:downBar>
+  <cs:dropLine>
+    <cs:lnRef idx="0"/>
+    <cs:fillRef idx="0"/>
+    <cs:effectRef idx="0"/>
+    <cs:fontRef idx="minor">
+      <a:schemeClr val="tx1"/>
+    </cs:fontRef>
+    <cs:spPr>
+      <a:ln w="9525" cap="flat" cmpd="sng" algn="ctr">
+        <a:solidFill>
+          <a:schemeClr val="tx1">
+            <a:lumMod val="35000"/>
+            <a:lumOff val="65000"/>
+          </a:schemeClr>
+        </a:solidFill>
+        <a:round/>
+      </a:ln>
+    </cs:spPr>
+  </cs:dropLine>
+  <cs:errorBar>
+    <cs:lnRef idx="0"/>
+    <cs:fillRef idx="0"/>
+    <cs:effectRef idx="0"/>
+    <cs:fontRef idx="minor">
+      <a:schemeClr val="tx1"/>
+    </cs:fontRef>
+    <cs:spPr>
+      <a:ln w="9525" cap="flat" cmpd="sng" algn="ctr">
+        <a:solidFill>
+          <a:schemeClr val="tx1">
+            <a:lumMod val="65000"/>
+            <a:lumOff val="35000"/>
+          </a:schemeClr>
+        </a:solidFill>
+        <a:round/>
+      </a:ln>
+    </cs:spPr>
+  </cs:errorBar>
+  <cs:floor>
+    <cs:lnRef idx="0"/>
+    <cs:fillRef idx="0"/>
+    <cs:effectRef idx="0"/>
+    <cs:fontRef idx="minor">
+      <a:schemeClr val="tx1"/>
+    </cs:fontRef>
+    <cs:spPr>
+      <a:noFill/>
+      <a:ln>
+        <a:noFill/>
+      </a:ln>
+    </cs:spPr>
+  </cs:floor>
+  <cs:gridlineMajor>
+    <cs:lnRef idx="0"/>
+    <cs:fillRef idx="0"/>
+    <cs:effectRef idx="0"/>
+    <cs:fontRef idx="minor">
+      <a:schemeClr val="tx1"/>
+    </cs:fontRef>
+    <cs:spPr>
+      <a:ln w="9525" cap="flat" cmpd="sng" algn="ctr">
+        <a:solidFill>
+          <a:schemeClr val="tx1">
+            <a:lumMod val="15000"/>
+            <a:lumOff val="85000"/>
+          </a:schemeClr>
+        </a:solidFill>
+        <a:round/>
+      </a:ln>
+    </cs:spPr>
+  </cs:gridlineMajor>
+  <cs:gridlineMinor>
+    <cs:lnRef idx="0"/>
+    <cs:fillRef idx="0"/>
+    <cs:effectRef idx="0"/>
+    <cs:fontRef idx="minor">
+      <a:schemeClr val="tx1"/>
+    </cs:fontRef>
+    <cs:spPr>
+      <a:ln w="9525" cap="flat" cmpd="sng" algn="ctr">
+        <a:solidFill>
+          <a:schemeClr val="tx1">
+            <a:lumMod val="5000"/>
+            <a:lumOff val="95000"/>
+          </a:schemeClr>
+        </a:solidFill>
+        <a:round/>
+      </a:ln>
+    </cs:spPr>
+  </cs:gridlineMinor>
+  <cs:hiLoLine>
+    <cs:lnRef idx="0"/>
+    <cs:fillRef idx="0"/>
+    <cs:effectRef idx="0"/>
+    <cs:fontRef idx="minor">
+      <a:schemeClr val="tx1"/>
+    </cs:fontRef>
+    <cs:spPr>
+      <a:ln w="9525" cap="flat" cmpd="sng" algn="ctr">
+        <a:solidFill>
+          <a:schemeClr val="tx1">
+            <a:lumMod val="75000"/>
+            <a:lumOff val="25000"/>
+          </a:schemeClr>
+        </a:solidFill>
+        <a:round/>
+      </a:ln>
+    </cs:spPr>
+  </cs:hiLoLine>
+  <cs:leaderLine>
+    <cs:lnRef idx="0"/>
+    <cs:fillRef idx="0"/>
+    <cs:effectRef idx="0"/>
+    <cs:fontRef idx="minor">
+      <a:schemeClr val="tx1"/>
+    </cs:fontRef>
+    <cs:spPr>
+      <a:ln w="9525" cap="flat" cmpd="sng" algn="ctr">
+        <a:solidFill>
+          <a:schemeClr val="tx1">
+            <a:lumMod val="35000"/>
+            <a:lumOff val="65000"/>
+          </a:schemeClr>
+        </a:solidFill>
+        <a:round/>
+      </a:ln>
+    </cs:spPr>
+  </cs:leaderLine>
+  <cs:legend>
+    <cs:lnRef idx="0"/>
+    <cs:fillRef idx="0"/>
+    <cs:effectRef idx="0"/>
+    <cs:fontRef idx="minor">
+      <a:schemeClr val="tx1">
+        <a:lumMod val="65000"/>
+        <a:lumOff val="35000"/>
+      </a:schemeClr>
+    </cs:fontRef>
+    <cs:defRPr sz="1197" kern="1200"/>
+  </cs:legend>
+  <cs:plotArea mods="allowNoFillOverride allowNoLineOverride">
+    <cs:lnRef idx="0"/>
+    <cs:fillRef idx="0"/>
+    <cs:effectRef idx="0"/>
+    <cs:fontRef idx="minor">
+      <a:schemeClr val="tx1"/>
+    </cs:fontRef>
+  </cs:plotArea>
+  <cs:plotArea3D mods="allowNoFillOverride allowNoLineOverride">
+    <cs:lnRef idx="0"/>
+    <cs:fillRef idx="0"/>
+    <cs:effectRef idx="0"/>
+    <cs:fontRef idx="minor">
+      <a:schemeClr val="tx1"/>
+    </cs:fontRef>
+  </cs:plotArea3D>
+  <cs:seriesAxis>
+    <cs:lnRef idx="0"/>
+    <cs:fillRef idx="0"/>
+    <cs:effectRef idx="0"/>
+    <cs:fontRef idx="minor">
+      <a:schemeClr val="tx1">
+        <a:lumMod val="65000"/>
+        <a:lumOff val="35000"/>
+      </a:schemeClr>
+    </cs:fontRef>
+    <cs:defRPr sz="1197" kern="1200"/>
+  </cs:seriesAxis>
+  <cs:seriesLine>
+    <cs:lnRef idx="0"/>
+    <cs:fillRef idx="0"/>
+    <cs:effectRef idx="0"/>
+    <cs:fontRef idx="minor">
+      <a:schemeClr val="tx1"/>
+    </cs:fontRef>
+    <cs:spPr>
+      <a:ln w="9525" cap="flat" cmpd="sng" algn="ctr">
+        <a:solidFill>
+          <a:schemeClr val="tx1">
+            <a:lumMod val="35000"/>
+            <a:lumOff val="65000"/>
+          </a:schemeClr>
+        </a:solidFill>
+        <a:round/>
+      </a:ln>
+    </cs:spPr>
+  </cs:seriesLine>
+  <cs:title>
+    <cs:lnRef idx="0"/>
+    <cs:fillRef idx="0"/>
+    <cs:effectRef idx="0"/>
+    <cs:fontRef idx="minor">
+      <a:schemeClr val="tx1">
+        <a:lumMod val="65000"/>
+        <a:lumOff val="35000"/>
+      </a:schemeClr>
+    </cs:fontRef>
+    <cs:defRPr sz="1862" b="0" kern="1200" spc="0" baseline="0"/>
+  </cs:title>
+  <cs:trendline>
+    <cs:lnRef idx="0">
+      <cs:styleClr val="auto"/>
+    </cs:lnRef>
+    <cs:fillRef idx="0"/>
+    <cs:effectRef idx="0"/>
+    <cs:fontRef idx="minor">
+      <a:schemeClr val="tx1"/>
+    </cs:fontRef>
+    <cs:spPr>
+      <a:ln w="19050" cap="rnd">
+        <a:solidFill>
+          <a:schemeClr val="phClr"/>
+        </a:solidFill>
+        <a:prstDash val="sysDot"/>
+      </a:ln>
+    </cs:spPr>
+  </cs:trendline>
+  <cs:trendlineLabel>
+    <cs:lnRef idx="0"/>
+    <cs:fillRef idx="0"/>
+    <cs:effectRef idx="0"/>
+    <cs:fontRef idx="minor">
+      <a:schemeClr val="tx1">
+        <a:lumMod val="65000"/>
+        <a:lumOff val="35000"/>
+      </a:schemeClr>
+    </cs:fontRef>
+    <cs:defRPr sz="1197" kern="1200"/>
+  </cs:trendlineLabel>
+  <cs:upBar>
+    <cs:lnRef idx="0"/>
+    <cs:fillRef idx="0"/>
+    <cs:effectRef idx="0"/>
+    <cs:fontRef idx="minor">
+      <a:schemeClr val="dk1"/>
+    </cs:fontRef>
+    <cs:spPr>
+      <a:solidFill>
+        <a:schemeClr val="lt1"/>
+      </a:solidFill>
+      <a:ln w="9525">
+        <a:solidFill>
+          <a:schemeClr val="tx1">
+            <a:lumMod val="15000"/>
+            <a:lumOff val="85000"/>
+          </a:schemeClr>
+        </a:solidFill>
+      </a:ln>
+    </cs:spPr>
+  </cs:upBar>
+  <cs:valueAxis>
+    <cs:lnRef idx="0"/>
+    <cs:fillRef idx="0"/>
+    <cs:effectRef idx="0"/>
+    <cs:fontRef idx="minor">
+      <a:schemeClr val="tx1">
+        <a:lumMod val="65000"/>
+        <a:lumOff val="35000"/>
+      </a:schemeClr>
+    </cs:fontRef>
+    <cs:defRPr sz="1197" kern="1200"/>
+  </cs:valueAxis>
+  <cs:wall>
+    <cs:lnRef idx="0"/>
+    <cs:fillRef idx="0"/>
+    <cs:effectRef idx="0"/>
+    <cs:fontRef idx="minor">
+      <a:schemeClr val="tx1"/>
+    </cs:fontRef>
+    <cs:spPr>
+      <a:noFill/>
+      <a:ln>
+        <a:noFill/>
+      </a:ln>
+    </cs:spPr>
+  </cs:wall>
+</cs:chartStyle>
+</file>
+
 <file path=ppt/notesMasters/notesMaster1.xml><?xml version="1.0" encoding="utf-8"?>
 <p:notesMaster xmlns:a="http://schemas.openxmlformats.org/drawingml/2006/main" xmlns:r="http://schemas.openxmlformats.org/officeDocument/2006/relationships" xmlns:p="http://schemas.openxmlformats.org/presentationml/2006/main">
   <p:cSld>
@@ -510,8 +1410,130 @@
 </p:notesMaster>
 </file>
 
+<file path=ppt/notesSlides/notesSlide1.xml><?xml version="1.0" encoding="utf-8"?>
+<p:notes xmlns:a="http://schemas.openxmlformats.org/drawingml/2006/main" xmlns:r="http://schemas.openxmlformats.org/officeDocument/2006/relationships" xmlns:p="http://schemas.openxmlformats.org/presentationml/2006/main">
+  <p:cSld>
+    <p:spTree>
+      <p:nvGrpSpPr>
+        <p:cNvPr id="1" name=""/>
+        <p:cNvGrpSpPr/>
+        <p:nvPr/>
+      </p:nvGrpSpPr>
+      <p:grpSpPr>
+        <a:xfrm>
+          <a:off x="0" y="0"/>
+          <a:ext cx="0" cy="0"/>
+          <a:chOff x="0" y="0"/>
+          <a:chExt cx="0" cy="0"/>
+        </a:xfrm>
+      </p:grpSpPr>
+      <p:sp>
+        <p:nvSpPr>
+          <p:cNvPr id="2" name="Slide Image Placeholder 1"/>
+          <p:cNvSpPr>
+            <a:spLocks noGrp="1" noRot="1" noChangeAspect="1"/>
+          </p:cNvSpPr>
+          <p:nvPr>
+            <p:ph type="sldImg"/>
+          </p:nvPr>
+        </p:nvSpPr>
+        <p:spPr/>
+      </p:sp>
+      <p:sp>
+        <p:nvSpPr>
+          <p:cNvPr id="3" name="Notes Placeholder 2"/>
+          <p:cNvSpPr>
+            <a:spLocks noGrp="1"/>
+          </p:cNvSpPr>
+          <p:nvPr>
+            <p:ph type="body" idx="1"/>
+          </p:nvPr>
+        </p:nvSpPr>
+        <p:spPr/>
+        <p:txBody>
+          <a:bodyPr/>
+          <a:lstStyle/>
+          <a:p>
+            <a:endParaRPr lang="en-US" dirty="0"/>
+          </a:p>
+        </p:txBody>
+      </p:sp>
+    </p:spTree>
+    <p:extLst>
+      <p:ext uri="{BB962C8B-B14F-4D97-AF65-F5344CB8AC3E}">
+        <p14:creationId xmlns:p14="http://schemas.microsoft.com/office/powerpoint/2010/main" val="3741560276"/>
+      </p:ext>
+    </p:extLst>
+  </p:cSld>
+  <p:clrMapOvr>
+    <a:masterClrMapping/>
+  </p:clrMapOvr>
+</p:notes>
+</file>
+
+<file path=ppt/notesSlides/notesSlide2.xml><?xml version="1.0" encoding="utf-8"?>
+<p:notes xmlns:a="http://schemas.openxmlformats.org/drawingml/2006/main" xmlns:r="http://schemas.openxmlformats.org/officeDocument/2006/relationships" xmlns:p="http://schemas.openxmlformats.org/presentationml/2006/main">
+  <p:cSld>
+    <p:spTree>
+      <p:nvGrpSpPr>
+        <p:cNvPr id="1" name=""/>
+        <p:cNvGrpSpPr/>
+        <p:nvPr/>
+      </p:nvGrpSpPr>
+      <p:grpSpPr>
+        <a:xfrm>
+          <a:off x="0" y="0"/>
+          <a:ext cx="0" cy="0"/>
+          <a:chOff x="0" y="0"/>
+          <a:chExt cx="0" cy="0"/>
+        </a:xfrm>
+      </p:grpSpPr>
+      <p:sp>
+        <p:nvSpPr>
+          <p:cNvPr id="2" name="Slide Image Placeholder 1"/>
+          <p:cNvSpPr>
+            <a:spLocks noGrp="1" noRot="1" noChangeAspect="1"/>
+          </p:cNvSpPr>
+          <p:nvPr>
+            <p:ph type="sldImg"/>
+          </p:nvPr>
+        </p:nvSpPr>
+        <p:spPr/>
+      </p:sp>
+      <p:sp>
+        <p:nvSpPr>
+          <p:cNvPr id="3" name="Notes Placeholder 2"/>
+          <p:cNvSpPr>
+            <a:spLocks noGrp="1"/>
+          </p:cNvSpPr>
+          <p:nvPr>
+            <p:ph type="body" idx="1"/>
+          </p:nvPr>
+        </p:nvSpPr>
+        <p:spPr/>
+        <p:txBody>
+          <a:bodyPr/>
+          <a:lstStyle/>
+          <a:p>
+            <a:endParaRPr lang="en-US" dirty="0"/>
+          </a:p>
+        </p:txBody>
+      </p:sp>
+    </p:spTree>
+    <p:extLst>
+      <p:ext uri="{BB962C8B-B14F-4D97-AF65-F5344CB8AC3E}">
+        <p14:creationId xmlns:p14="http://schemas.microsoft.com/office/powerpoint/2010/main" val="2406959805"/>
+      </p:ext>
+    </p:extLst>
+  </p:cSld>
+  <p:clrMapOvr>
+    <a:masterClrMapping/>
+  </p:clrMapOvr>
+</p:notes>
+</file>
+
 <file path=ppt/slideLayouts/slideLayout1.xml><?xml version="1.0" encoding="utf-8"?>
-<p:sldLayout xmlns:a="http://schemas.openxmlformats.org/drawingml/2006/main" xmlns:r="http://schemas.openxmlformats.org/officeDocument/2006/relationships" xmlns:p="http://schemas.openxmlformats.org/presentationml/2006/main" type="title">
+<p:sldLayout xmlns:a="http://schemas.openxmlformats.org/drawingml/2006/main" xmlns:r="http://schemas.openxmlformats.org/officeDocument/2006/relationships" xmlns:p="http://schemas.openxmlformats.org/presentationml/2006/main" showMasterSp="0" type="title">
   <p:cSld name="Заголовок і підзаголовок">
     <p:spTree>
       <p:nvGrpSpPr>
@@ -544,9 +1566,20 @@
         </p:spPr>
         <p:txBody>
           <a:bodyPr/>
-          <a:lstStyle/>
-          <a:p>
-            <a:r>
+          <a:lstStyle>
+            <a:lvl1pPr>
+              <a:defRPr>
+                <a:solidFill>
+                  <a:schemeClr val="accent1">
+                    <a:lumMod val="50000"/>
+                  </a:schemeClr>
+                </a:solidFill>
+              </a:defRPr>
+            </a:lvl1pPr>
+          </a:lstStyle>
+          <a:p>
+            <a:r>
+              <a:rPr dirty="0"/>
               <a:t>Текст заголовка</a:t>
             </a:r>
           </a:p>
@@ -633,6 +1666,13 @@
     <a:masterClrMapping/>
   </p:clrMapOvr>
   <p:transition spd="med"/>
+  <p:timing>
+    <p:tnLst>
+      <p:par>
+        <p:cTn id="1" dur="indefinite" restart="never" nodeType="tmRoot"/>
+      </p:par>
+    </p:tnLst>
+  </p:timing>
 </p:sldLayout>
 </file>
 
@@ -1054,11 +2094,18 @@
               <a:spcBef>
                 <a:spcPts val="2800"/>
               </a:spcBef>
-              <a:defRPr sz="6000"/>
+              <a:defRPr sz="6000">
+                <a:solidFill>
+                  <a:schemeClr val="accent1">
+                    <a:lumMod val="50000"/>
+                  </a:schemeClr>
+                </a:solidFill>
+              </a:defRPr>
             </a:lvl1pPr>
           </a:lstStyle>
           <a:p>
             <a:r>
+              <a:rPr dirty="0"/>
               <a:t>Текст заголовка</a:t>
             </a:r>
           </a:p>
@@ -1367,9 +2414,20 @@
         </p:spPr>
         <p:txBody>
           <a:bodyPr/>
-          <a:lstStyle/>
-          <a:p>
-            <a:r>
+          <a:lstStyle>
+            <a:lvl1pPr>
+              <a:defRPr>
+                <a:solidFill>
+                  <a:schemeClr val="accent1">
+                    <a:lumMod val="50000"/>
+                  </a:schemeClr>
+                </a:solidFill>
+              </a:defRPr>
+            </a:lvl1pPr>
+          </a:lstStyle>
+          <a:p>
+            <a:r>
+              <a:rPr dirty="0"/>
               <a:t>Текст заголовка</a:t>
             </a:r>
           </a:p>
@@ -1475,9 +2533,20 @@
         </p:spPr>
         <p:txBody>
           <a:bodyPr/>
-          <a:lstStyle/>
-          <a:p>
-            <a:r>
+          <a:lstStyle>
+            <a:lvl1pPr>
+              <a:defRPr>
+                <a:solidFill>
+                  <a:schemeClr val="accent1">
+                    <a:lumMod val="50000"/>
+                  </a:schemeClr>
+                </a:solidFill>
+              </a:defRPr>
+            </a:lvl1pPr>
+          </a:lstStyle>
+          <a:p>
+            <a:r>
+              <a:rPr dirty="0"/>
               <a:t>Текст заголовка</a:t>
             </a:r>
           </a:p>
@@ -1667,9 +2736,20 @@
         </p:spPr>
         <p:txBody>
           <a:bodyPr/>
-          <a:lstStyle/>
-          <a:p>
-            <a:r>
+          <a:lstStyle>
+            <a:lvl1pPr>
+              <a:defRPr>
+                <a:solidFill>
+                  <a:schemeClr val="accent1">
+                    <a:lumMod val="50000"/>
+                  </a:schemeClr>
+                </a:solidFill>
+              </a:defRPr>
+            </a:lvl1pPr>
+          </a:lstStyle>
+          <a:p>
+            <a:r>
+              <a:rPr dirty="0"/>
               <a:t>Текст заголовка</a:t>
             </a:r>
           </a:p>
@@ -1947,11 +3027,18 @@
               <a:spcBef>
                 <a:spcPts val="2800"/>
               </a:spcBef>
-              <a:defRPr sz="6000"/>
+              <a:defRPr sz="6000">
+                <a:solidFill>
+                  <a:schemeClr val="accent1">
+                    <a:lumMod val="50000"/>
+                  </a:schemeClr>
+                </a:solidFill>
+              </a:defRPr>
             </a:lvl1pPr>
           </a:lstStyle>
           <a:p>
             <a:r>
+              <a:rPr dirty="0"/>
               <a:t>Текст заголовка</a:t>
             </a:r>
           </a:p>
@@ -2236,11 +3323,18 @@
               <a:spcBef>
                 <a:spcPts val="2800"/>
               </a:spcBef>
-              <a:defRPr sz="6000"/>
+              <a:defRPr sz="6000">
+                <a:solidFill>
+                  <a:schemeClr val="accent1">
+                    <a:lumMod val="50000"/>
+                  </a:schemeClr>
+                </a:solidFill>
+              </a:defRPr>
             </a:lvl1pPr>
           </a:lstStyle>
           <a:p>
             <a:r>
+              <a:rPr dirty="0"/>
               <a:t>Текст заголовка</a:t>
             </a:r>
           </a:p>
@@ -2937,7 +4031,7 @@
     <p:bg>
       <p:bgPr>
         <a:solidFill>
-          <a:srgbClr val="222222"/>
+          <a:srgbClr val="FFFFFF"/>
         </a:solidFill>
         <a:effectLst/>
       </p:bgPr>
@@ -2981,7 +4075,10 @@
           <a:bodyPr lIns="45718" tIns="45718" rIns="45718" bIns="45718"/>
           <a:lstStyle/>
           <a:p>
-            <a:endParaRPr/>
+            <a:endParaRPr>
+              <a:latin typeface="Arial" panose="020B0604020202020204" pitchFamily="34" charset="0"/>
+              <a:cs typeface="Arial" panose="020B0604020202020204" pitchFamily="34" charset="0"/>
+            </a:endParaRPr>
           </a:p>
         </p:txBody>
       </p:sp>
@@ -3008,7 +4105,7 @@
           </a:ln>
           <a:extLst>
             <a:ext uri="{C572A759-6A51-4108-AA02-DFA0A04FC94B}">
-              <ma14:wrappingTextBoxFlag xmlns:ma14="http://schemas.microsoft.com/office/mac/drawingml/2011/main" xmlns="" val="1"/>
+              <ma14:wrappingTextBoxFlag xmlns="" xmlns:ma14="http://schemas.microsoft.com/office/mac/drawingml/2011/main" val="1"/>
             </a:ext>
           </a:extLst>
         </p:spPr>
@@ -3047,7 +4144,7 @@
           </a:ln>
           <a:extLst>
             <a:ext uri="{C572A759-6A51-4108-AA02-DFA0A04FC94B}">
-              <ma14:wrappingTextBoxFlag xmlns:ma14="http://schemas.microsoft.com/office/mac/drawingml/2011/main" xmlns="" val="1"/>
+              <ma14:wrappingTextBoxFlag xmlns="" xmlns:ma14="http://schemas.microsoft.com/office/mac/drawingml/2011/main" val="1"/>
             </a:ext>
           </a:extLst>
         </p:spPr>
@@ -3099,8 +4196,8 @@
         </p:nvSpPr>
         <p:spPr>
           <a:xfrm>
-            <a:off x="12194441" y="431800"/>
-            <a:ext cx="406897" cy="457200"/>
+            <a:off x="12122040" y="431800"/>
+            <a:ext cx="479298" cy="398058"/>
           </a:xfrm>
           <a:prstGeom prst="rect">
             <a:avLst/>
@@ -3125,18 +4222,20 @@
                 <a:solidFill>
                   <a:srgbClr val="838787"/>
                 </a:solidFill>
-                <a:latin typeface="DIN Alternate"/>
-                <a:ea typeface="DIN Alternate"/>
-                <a:cs typeface="DIN Alternate"/>
+                <a:latin typeface="Arial" panose="020B0604020202020204" pitchFamily="34" charset="0"/>
+                <a:ea typeface="Arial" panose="020B0604020202020204" pitchFamily="34" charset="0"/>
+                <a:cs typeface="Arial" panose="020B0604020202020204" pitchFamily="34" charset="0"/>
                 <a:sym typeface="DIN Alternate"/>
               </a:defRPr>
             </a:lvl1pPr>
           </a:lstStyle>
           <a:p>
             <a:fld id="{86CB4B4D-7CA3-9044-876B-883B54F8677D}" type="slidenum">
+              <a:rPr lang="en-US" smtClean="0"/>
+              <a:pPr/>
               <a:t>‹#›</a:t>
             </a:fld>
-            <a:endParaRPr/>
+            <a:endParaRPr lang="en-US"/>
           </a:p>
         </p:txBody>
       </p:sp>
@@ -3159,6 +4258,13 @@
     <p:sldLayoutId id="2147483661" r:id="rId13"/>
   </p:sldLayoutIdLst>
   <p:transition spd="med"/>
+  <p:timing>
+    <p:tnLst>
+      <p:par>
+        <p:cTn id="1" dur="indefinite" restart="never" nodeType="tmRoot"/>
+      </p:par>
+    </p:tnLst>
+  </p:timing>
   <p:txStyles>
     <p:titleStyle>
       <a:lvl1pPr marL="0" marR="0" indent="0" algn="l" defTabSz="584200" rtl="0" latinLnBrk="0">
@@ -3184,9 +4290,9 @@
             <a:schemeClr val="accent1"/>
           </a:solidFill>
           <a:uFillTx/>
-          <a:latin typeface="DIN Condensed"/>
-          <a:ea typeface="DIN Condensed"/>
-          <a:cs typeface="DIN Condensed"/>
+          <a:latin typeface="Arial" panose="020B0604020202020204" pitchFamily="34" charset="0"/>
+          <a:ea typeface="Arial" panose="020B0604020202020204" pitchFamily="34" charset="0"/>
+          <a:cs typeface="Arial" panose="020B0604020202020204" pitchFamily="34" charset="0"/>
           <a:sym typeface="DIN Condensed"/>
         </a:defRPr>
       </a:lvl1pPr>
@@ -3447,9 +4553,9 @@
             <a:srgbClr val="A6AAA9"/>
           </a:solidFill>
           <a:uFillTx/>
-          <a:latin typeface="DIN Alternate"/>
-          <a:ea typeface="DIN Alternate"/>
-          <a:cs typeface="DIN Alternate"/>
+          <a:latin typeface="Arial" panose="020B0604020202020204" pitchFamily="34" charset="0"/>
+          <a:ea typeface="Arial" panose="020B0604020202020204" pitchFamily="34" charset="0"/>
+          <a:cs typeface="Arial" panose="020B0604020202020204" pitchFamily="34" charset="0"/>
           <a:sym typeface="DIN Alternate"/>
         </a:defRPr>
       </a:lvl1pPr>
@@ -3476,9 +4582,9 @@
             <a:srgbClr val="A6AAA9"/>
           </a:solidFill>
           <a:uFillTx/>
-          <a:latin typeface="DIN Alternate"/>
-          <a:ea typeface="DIN Alternate"/>
-          <a:cs typeface="DIN Alternate"/>
+          <a:latin typeface="Arial" panose="020B0604020202020204" pitchFamily="34" charset="0"/>
+          <a:ea typeface="Arial" panose="020B0604020202020204" pitchFamily="34" charset="0"/>
+          <a:cs typeface="Arial" panose="020B0604020202020204" pitchFamily="34" charset="0"/>
           <a:sym typeface="DIN Alternate"/>
         </a:defRPr>
       </a:lvl2pPr>
@@ -3505,9 +4611,9 @@
             <a:srgbClr val="A6AAA9"/>
           </a:solidFill>
           <a:uFillTx/>
-          <a:latin typeface="DIN Alternate"/>
-          <a:ea typeface="DIN Alternate"/>
-          <a:cs typeface="DIN Alternate"/>
+          <a:latin typeface="Arial" panose="020B0604020202020204" pitchFamily="34" charset="0"/>
+          <a:ea typeface="Arial" panose="020B0604020202020204" pitchFamily="34" charset="0"/>
+          <a:cs typeface="Arial" panose="020B0604020202020204" pitchFamily="34" charset="0"/>
           <a:sym typeface="DIN Alternate"/>
         </a:defRPr>
       </a:lvl3pPr>
@@ -3534,9 +4640,9 @@
             <a:srgbClr val="A6AAA9"/>
           </a:solidFill>
           <a:uFillTx/>
-          <a:latin typeface="DIN Alternate"/>
-          <a:ea typeface="DIN Alternate"/>
-          <a:cs typeface="DIN Alternate"/>
+          <a:latin typeface="Arial" panose="020B0604020202020204" pitchFamily="34" charset="0"/>
+          <a:ea typeface="Arial" panose="020B0604020202020204" pitchFamily="34" charset="0"/>
+          <a:cs typeface="Arial" panose="020B0604020202020204" pitchFamily="34" charset="0"/>
           <a:sym typeface="DIN Alternate"/>
         </a:defRPr>
       </a:lvl4pPr>
@@ -3563,9 +4669,9 @@
             <a:srgbClr val="A6AAA9"/>
           </a:solidFill>
           <a:uFillTx/>
-          <a:latin typeface="DIN Alternate"/>
-          <a:ea typeface="DIN Alternate"/>
-          <a:cs typeface="DIN Alternate"/>
+          <a:latin typeface="Arial" panose="020B0604020202020204" pitchFamily="34" charset="0"/>
+          <a:ea typeface="Arial" panose="020B0604020202020204" pitchFamily="34" charset="0"/>
+          <a:cs typeface="Arial" panose="020B0604020202020204" pitchFamily="34" charset="0"/>
           <a:sym typeface="DIN Alternate"/>
         </a:defRPr>
       </a:lvl5pPr>
@@ -3989,6 +5095,10 @@
           </p:nvPr>
         </p:nvSpPr>
         <p:spPr>
+          <a:xfrm>
+            <a:off x="406400" y="5583055"/>
+            <a:ext cx="12192000" cy="2705100"/>
+          </a:xfrm>
           <a:prstGeom prst="rect">
             <a:avLst/>
           </a:prstGeom>
@@ -4010,44 +5120,8 @@
           </a:lstStyle>
           <a:p>
             <a:r>
+              <a:rPr dirty="0"/>
               <a:t>summer camp</a:t>
-            </a:r>
-          </a:p>
-        </p:txBody>
-      </p:sp>
-      <p:sp>
-        <p:nvSpPr>
-          <p:cNvPr id="142" name="Shape 142"/>
-          <p:cNvSpPr>
-            <a:spLocks noGrp="1"/>
-          </p:cNvSpPr>
-          <p:nvPr>
-            <p:ph type="subTitle" sz="quarter" idx="1"/>
-          </p:nvPr>
-        </p:nvSpPr>
-        <p:spPr>
-          <a:prstGeom prst="rect">
-            <a:avLst/>
-          </a:prstGeom>
-        </p:spPr>
-        <p:txBody>
-          <a:bodyPr/>
-          <a:lstStyle>
-            <a:lvl1pPr>
-              <a:defRPr>
-                <a:solidFill>
-                  <a:srgbClr val="222222"/>
-                </a:solidFill>
-                <a:latin typeface="Arial"/>
-                <a:ea typeface="Arial"/>
-                <a:cs typeface="Arial"/>
-                <a:sym typeface="Arial"/>
-              </a:defRPr>
-            </a:lvl1pPr>
-          </a:lstStyle>
-          <a:p>
-            <a:r>
-              <a:t>KPI Sikorsky challenge</a:t>
             </a:r>
           </a:p>
         </p:txBody>
@@ -4060,8 +5134,8 @@
         </p:nvSpPr>
         <p:spPr>
           <a:xfrm>
-            <a:off x="7491231" y="597957"/>
-            <a:ext cx="5079653" cy="1730165"/>
+            <a:off x="8453122" y="948744"/>
+            <a:ext cx="4079643" cy="933589"/>
           </a:xfrm>
           <a:prstGeom prst="rect">
             <a:avLst/>
@@ -4071,7 +5145,7 @@
           </a:ln>
           <a:extLst>
             <a:ext uri="{C572A759-6A51-4108-AA02-DFA0A04FC94B}">
-              <ma14:wrappingTextBoxFlag xmlns:ma14="http://schemas.microsoft.com/office/mac/drawingml/2011/main" xmlns="" val="1"/>
+              <ma14:wrappingTextBoxFlag xmlns="" xmlns:ma14="http://schemas.microsoft.com/office/mac/drawingml/2011/main" val="1"/>
             </a:ext>
           </a:extLst>
         </p:spPr>
@@ -4093,11 +5167,39 @@
               </a:defRPr>
             </a:pPr>
             <a:r>
-              <a:t>Проект №51</a:t>
-            </a:r>
-          </a:p>
-          <a:p>
-            <a:pPr>
+              <a:rPr dirty="0"/>
+              <a:t>Проект №</a:t>
+            </a:r>
+            <a:r>
+              <a:rPr dirty="0" smtClean="0"/>
+              <a:t>51</a:t>
+            </a:r>
+            <a:endParaRPr dirty="0"/>
+          </a:p>
+        </p:txBody>
+      </p:sp>
+      <p:sp>
+        <p:nvSpPr>
+          <p:cNvPr id="3" name="Rectangle 2"/>
+          <p:cNvSpPr/>
+          <p:nvPr/>
+        </p:nvSpPr>
+        <p:spPr>
+          <a:xfrm>
+            <a:off x="7327862" y="7360212"/>
+            <a:ext cx="5189241" cy="923330"/>
+          </a:xfrm>
+          <a:prstGeom prst="rect">
+            <a:avLst/>
+          </a:prstGeom>
+        </p:spPr>
+        <p:txBody>
+          <a:bodyPr wrap="none">
+            <a:spAutoFit/>
+          </a:bodyPr>
+          <a:lstStyle/>
+          <a:p>
+            <a:pPr algn="ctr">
               <a:spcBef>
                 <a:spcPts val="600"/>
               </a:spcBef>
@@ -4109,8 +5211,10 @@
               </a:defRPr>
             </a:pPr>
             <a:r>
+              <a:rPr lang="uk-UA" dirty="0"/>
               <a:t>Дубас Михайло</a:t>
             </a:r>
+            <a:endParaRPr lang="uk-UA" dirty="0"/>
           </a:p>
         </p:txBody>
       </p:sp>
@@ -4120,6 +5224,13 @@
     <a:masterClrMapping/>
   </p:clrMapOvr>
   <p:transition spd="med"/>
+  <p:timing>
+    <p:tnLst>
+      <p:par>
+        <p:cTn id="1" dur="indefinite" restart="never" nodeType="tmRoot"/>
+      </p:par>
+    </p:tnLst>
+  </p:timing>
 </p:sld>
 </file>
 
@@ -4150,14 +5261,14 @@
       </p:grpSpPr>
       <p:sp>
         <p:nvSpPr>
-          <p:cNvPr id="185" name="Shape 185"/>
+          <p:cNvPr id="9" name="Shape 211"/>
           <p:cNvSpPr/>
           <p:nvPr/>
         </p:nvSpPr>
         <p:spPr>
           <a:xfrm>
-            <a:off x="378831" y="63881"/>
-            <a:ext cx="11176008" cy="952973"/>
+            <a:off x="406400" y="253999"/>
+            <a:ext cx="11176009" cy="829712"/>
           </a:xfrm>
           <a:prstGeom prst="rect">
             <a:avLst/>
@@ -4183,7 +5294,7 @@
               <a:spcBef>
                 <a:spcPts val="0"/>
               </a:spcBef>
-              <a:defRPr sz="6000" b="1" cap="all" spc="300">
+              <a:defRPr sz="5100" b="1" cap="all" spc="255">
                 <a:solidFill>
                   <a:srgbClr val="155472"/>
                 </a:solidFill>
@@ -4203,14 +5314,62 @@
       </p:sp>
       <p:sp>
         <p:nvSpPr>
-          <p:cNvPr id="186" name="Shape 186"/>
+          <p:cNvPr id="10" name="Shape 212"/>
           <p:cNvSpPr/>
           <p:nvPr/>
         </p:nvSpPr>
         <p:spPr>
           <a:xfrm>
-            <a:off x="378830" y="1395630"/>
-            <a:ext cx="10613901" cy="718145"/>
+            <a:off x="416930" y="1375586"/>
+            <a:ext cx="8845278" cy="718145"/>
+          </a:xfrm>
+          <a:prstGeom prst="rect">
+            <a:avLst/>
+          </a:prstGeom>
+          <a:ln w="12700">
+            <a:miter lim="400000"/>
+          </a:ln>
+          <a:extLst>
+            <a:ext uri="{C572A759-6A51-4108-AA02-DFA0A04FC94B}">
+              <ma14:wrappingTextBoxFlag xmlns:ma14="http://schemas.microsoft.com/office/mac/drawingml/2011/main" xmlns="" val="1"/>
+            </a:ext>
+          </a:extLst>
+        </p:spPr>
+        <p:txBody>
+          <a:bodyPr lIns="50800" tIns="50800" rIns="50800" bIns="50800" anchor="ctr">
+            <a:spAutoFit/>
+          </a:bodyPr>
+          <a:lstStyle>
+            <a:lvl1pPr>
+              <a:spcBef>
+                <a:spcPts val="600"/>
+              </a:spcBef>
+              <a:defRPr sz="5000">
+                <a:latin typeface="Arial"/>
+                <a:ea typeface="Arial"/>
+                <a:cs typeface="Arial"/>
+                <a:sym typeface="Arial"/>
+              </a:defRPr>
+            </a:lvl1pPr>
+          </a:lstStyle>
+          <a:p>
+            <a:r>
+              <a:rPr sz="4000" dirty="0"/>
+              <a:t>Розробка MVP (6 місяців):</a:t>
+            </a:r>
+          </a:p>
+        </p:txBody>
+      </p:sp>
+      <p:sp>
+        <p:nvSpPr>
+          <p:cNvPr id="11" name="Shape 213"/>
+          <p:cNvSpPr/>
+          <p:nvPr/>
+        </p:nvSpPr>
+        <p:spPr>
+          <a:xfrm>
+            <a:off x="416930" y="4517727"/>
+            <a:ext cx="10613902" cy="718145"/>
           </a:xfrm>
           <a:prstGeom prst="rect">
             <a:avLst/>
@@ -4234,7 +5393,7 @@
               <a:spcBef>
                 <a:spcPts val="600"/>
               </a:spcBef>
-              <a:defRPr sz="4000">
+              <a:defRPr sz="5000">
                 <a:latin typeface="Arial"/>
                 <a:ea typeface="Arial"/>
                 <a:cs typeface="Arial"/>
@@ -4242,27 +5401,584 @@
               </a:defRPr>
             </a:pPr>
             <a:r>
-              <a:rPr dirty="0"/>
-              <a:t>Розробка MVP (6 місяців</a:t>
-            </a:r>
-            <a:r>
-              <a:rPr dirty="0" smtClean="0"/>
-              <a:t>):</a:t>
-            </a:r>
-            <a:endParaRPr dirty="0"/>
+              <a:rPr sz="4000" dirty="0"/>
+              <a:t>Вихід на ринок (6 місяців):</a:t>
+            </a:r>
           </a:p>
         </p:txBody>
       </p:sp>
+      <p:graphicFrame>
+        <p:nvGraphicFramePr>
+          <p:cNvPr id="12" name="Table 214"/>
+          <p:cNvGraphicFramePr/>
+          <p:nvPr>
+            <p:extLst>
+              <p:ext uri="{D42A27DB-BD31-4B8C-83A1-F6EECF244321}">
+                <p14:modId xmlns:p14="http://schemas.microsoft.com/office/powerpoint/2010/main" val="3971620760"/>
+              </p:ext>
+            </p:extLst>
+          </p:nvPr>
+        </p:nvGraphicFramePr>
+        <p:xfrm>
+          <a:off x="442330" y="5411130"/>
+          <a:ext cx="11729824" cy="2817687"/>
+        </p:xfrm>
+        <a:graphic>
+          <a:graphicData uri="http://schemas.openxmlformats.org/drawingml/2006/table">
+            <a:tbl>
+              <a:tblPr>
+                <a:tableStyleId>{4C3C2611-4C71-4FC5-86AE-919BDF0F9419}</a:tableStyleId>
+              </a:tblPr>
+              <a:tblGrid>
+                <a:gridCol w="8662584">
+                  <a:extLst>
+                    <a:ext uri="{9D8B030D-6E8A-4147-A177-3AD203B41FA5}">
+                      <a16:colId xmlns:a16="http://schemas.microsoft.com/office/drawing/2014/main" val="20000"/>
+                    </a:ext>
+                  </a:extLst>
+                </a:gridCol>
+                <a:gridCol w="3067240">
+                  <a:extLst>
+                    <a:ext uri="{9D8B030D-6E8A-4147-A177-3AD203B41FA5}">
+                      <a16:colId xmlns:a16="http://schemas.microsoft.com/office/drawing/2014/main" val="20001"/>
+                    </a:ext>
+                  </a:extLst>
+                </a:gridCol>
+              </a:tblGrid>
+              <a:tr h="664974">
+                <a:tc>
+                  <a:txBody>
+                    <a:bodyPr/>
+                    <a:lstStyle/>
+                    <a:p>
+                      <a:pPr algn="l">
+                        <a:lnSpc>
+                          <a:spcPct val="120000"/>
+                        </a:lnSpc>
+                        <a:defRPr sz="1800">
+                          <a:solidFill>
+                            <a:srgbClr val="000000"/>
+                          </a:solidFill>
+                        </a:defRPr>
+                      </a:pPr>
+                      <a:r>
+                        <a:rPr sz="3600" dirty="0">
+                          <a:solidFill>
+                            <a:srgbClr val="222222"/>
+                          </a:solidFill>
+                          <a:latin typeface="Arial"/>
+                          <a:ea typeface="Arial"/>
+                          <a:cs typeface="Arial"/>
+                          <a:sym typeface="Arial"/>
+                        </a:rPr>
+                        <a:t>тестування </a:t>
+                      </a:r>
+                    </a:p>
+                  </a:txBody>
+                  <a:tcPr marL="45720" marR="45720" anchor="ctr" horzOverflow="overflow">
+                    <a:lnL w="12700">
+                      <a:miter lim="400000"/>
+                    </a:lnL>
+                    <a:lnR w="12700">
+                      <a:miter lim="400000"/>
+                    </a:lnR>
+                    <a:lnT w="12700">
+                      <a:miter lim="400000"/>
+                    </a:lnT>
+                  </a:tcPr>
+                </a:tc>
+                <a:tc>
+                  <a:txBody>
+                    <a:bodyPr/>
+                    <a:lstStyle/>
+                    <a:p>
+                      <a:pPr>
+                        <a:lnSpc>
+                          <a:spcPct val="120000"/>
+                        </a:lnSpc>
+                        <a:defRPr sz="1800">
+                          <a:solidFill>
+                            <a:srgbClr val="000000"/>
+                          </a:solidFill>
+                        </a:defRPr>
+                      </a:pPr>
+                      <a:r>
+                        <a:rPr sz="3600" dirty="0">
+                          <a:solidFill>
+                            <a:srgbClr val="222222"/>
+                          </a:solidFill>
+                          <a:latin typeface="Arial"/>
+                          <a:ea typeface="Arial"/>
+                          <a:cs typeface="Arial"/>
+                          <a:sym typeface="Arial"/>
+                        </a:rPr>
+                        <a:t>$</a:t>
+                      </a:r>
+                      <a:r>
+                        <a:rPr sz="3600" dirty="0" smtClean="0">
+                          <a:solidFill>
+                            <a:srgbClr val="222222"/>
+                          </a:solidFill>
+                          <a:latin typeface="Arial"/>
+                          <a:ea typeface="Arial"/>
+                          <a:cs typeface="Arial"/>
+                          <a:sym typeface="Arial"/>
+                        </a:rPr>
+                        <a:t>4,</a:t>
+                      </a:r>
+                      <a:r>
+                        <a:rPr lang="uk-UA" sz="3600" dirty="0" smtClean="0">
+                          <a:solidFill>
+                            <a:srgbClr val="222222"/>
+                          </a:solidFill>
+                          <a:latin typeface="Arial"/>
+                          <a:ea typeface="Arial"/>
+                          <a:cs typeface="Arial"/>
+                          <a:sym typeface="Arial"/>
+                        </a:rPr>
+                        <a:t>0</a:t>
+                      </a:r>
+                      <a:r>
+                        <a:rPr sz="3600" dirty="0" smtClean="0">
+                          <a:solidFill>
+                            <a:srgbClr val="222222"/>
+                          </a:solidFill>
+                          <a:latin typeface="Arial"/>
+                          <a:ea typeface="Arial"/>
+                          <a:cs typeface="Arial"/>
+                          <a:sym typeface="Arial"/>
+                        </a:rPr>
+                        <a:t>00</a:t>
+                      </a:r>
+                      <a:endParaRPr sz="3600" dirty="0">
+                        <a:solidFill>
+                          <a:srgbClr val="222222"/>
+                        </a:solidFill>
+                        <a:latin typeface="Arial"/>
+                        <a:ea typeface="Arial"/>
+                        <a:cs typeface="Arial"/>
+                        <a:sym typeface="Arial"/>
+                      </a:endParaRPr>
+                    </a:p>
+                  </a:txBody>
+                  <a:tcPr marL="45720" marR="45720" anchor="ctr" horzOverflow="overflow">
+                    <a:lnL w="12700">
+                      <a:miter lim="400000"/>
+                    </a:lnL>
+                    <a:lnR w="12700">
+                      <a:miter lim="400000"/>
+                    </a:lnR>
+                    <a:lnT w="12700">
+                      <a:miter lim="400000"/>
+                    </a:lnT>
+                  </a:tcPr>
+                </a:tc>
+                <a:extLst>
+                  <a:ext uri="{0D108BD9-81ED-4DB2-BD59-A6C34878D82A}">
+                    <a16:rowId xmlns:a16="http://schemas.microsoft.com/office/drawing/2014/main" val="10000"/>
+                  </a:ext>
+                </a:extLst>
+              </a:tr>
+              <a:tr h="667163">
+                <a:tc>
+                  <a:txBody>
+                    <a:bodyPr/>
+                    <a:lstStyle/>
+                    <a:p>
+                      <a:pPr algn="l">
+                        <a:lnSpc>
+                          <a:spcPct val="120000"/>
+                        </a:lnSpc>
+                        <a:defRPr sz="1800">
+                          <a:solidFill>
+                            <a:srgbClr val="000000"/>
+                          </a:solidFill>
+                        </a:defRPr>
+                      </a:pPr>
+                      <a:r>
+                        <a:rPr sz="3600" dirty="0">
+                          <a:solidFill>
+                            <a:srgbClr val="222222"/>
+                          </a:solidFill>
+                          <a:latin typeface="Arial"/>
+                          <a:ea typeface="Arial"/>
+                          <a:cs typeface="Arial"/>
+                          <a:sym typeface="Arial"/>
+                        </a:rPr>
+                        <a:t>маркетингова компанія</a:t>
+                      </a:r>
+                    </a:p>
+                  </a:txBody>
+                  <a:tcPr marL="45720" marR="45720" anchor="ctr" horzOverflow="overflow">
+                    <a:lnL w="12700">
+                      <a:miter lim="400000"/>
+                    </a:lnL>
+                    <a:lnR w="12700">
+                      <a:miter lim="400000"/>
+                    </a:lnR>
+                  </a:tcPr>
+                </a:tc>
+                <a:tc>
+                  <a:txBody>
+                    <a:bodyPr/>
+                    <a:lstStyle/>
+                    <a:p>
+                      <a:pPr>
+                        <a:lnSpc>
+                          <a:spcPct val="120000"/>
+                        </a:lnSpc>
+                        <a:defRPr sz="1800">
+                          <a:solidFill>
+                            <a:srgbClr val="000000"/>
+                          </a:solidFill>
+                        </a:defRPr>
+                      </a:pPr>
+                      <a:r>
+                        <a:rPr sz="3600" dirty="0">
+                          <a:solidFill>
+                            <a:srgbClr val="222222"/>
+                          </a:solidFill>
+                          <a:latin typeface="Arial"/>
+                          <a:ea typeface="Arial"/>
+                          <a:cs typeface="Arial"/>
+                          <a:sym typeface="Arial"/>
+                        </a:rPr>
+                        <a:t>$</a:t>
+                      </a:r>
+                      <a:r>
+                        <a:rPr sz="3600" dirty="0" smtClean="0">
+                          <a:solidFill>
+                            <a:srgbClr val="222222"/>
+                          </a:solidFill>
+                          <a:latin typeface="Arial"/>
+                          <a:ea typeface="Arial"/>
+                          <a:cs typeface="Arial"/>
+                          <a:sym typeface="Arial"/>
+                        </a:rPr>
+                        <a:t>2</a:t>
+                      </a:r>
+                      <a:r>
+                        <a:rPr lang="uk-UA" sz="3600" dirty="0" smtClean="0">
+                          <a:solidFill>
+                            <a:srgbClr val="222222"/>
+                          </a:solidFill>
+                          <a:latin typeface="Arial"/>
+                          <a:ea typeface="Arial"/>
+                          <a:cs typeface="Arial"/>
+                          <a:sym typeface="Arial"/>
+                        </a:rPr>
+                        <a:t>0</a:t>
+                      </a:r>
+                      <a:r>
+                        <a:rPr sz="3600" dirty="0" smtClean="0">
+                          <a:solidFill>
+                            <a:srgbClr val="222222"/>
+                          </a:solidFill>
+                          <a:latin typeface="Arial"/>
+                          <a:ea typeface="Arial"/>
+                          <a:cs typeface="Arial"/>
+                          <a:sym typeface="Arial"/>
+                        </a:rPr>
+                        <a:t>,000</a:t>
+                      </a:r>
+                      <a:endParaRPr sz="3600" dirty="0">
+                        <a:solidFill>
+                          <a:srgbClr val="222222"/>
+                        </a:solidFill>
+                        <a:latin typeface="Arial"/>
+                        <a:ea typeface="Arial"/>
+                        <a:cs typeface="Arial"/>
+                        <a:sym typeface="Arial"/>
+                      </a:endParaRPr>
+                    </a:p>
+                  </a:txBody>
+                  <a:tcPr marL="45720" marR="45720" anchor="ctr" horzOverflow="overflow">
+                    <a:lnL w="12700">
+                      <a:miter lim="400000"/>
+                    </a:lnL>
+                    <a:lnR w="12700">
+                      <a:miter lim="400000"/>
+                    </a:lnR>
+                  </a:tcPr>
+                </a:tc>
+                <a:extLst>
+                  <a:ext uri="{0D108BD9-81ED-4DB2-BD59-A6C34878D82A}">
+                    <a16:rowId xmlns:a16="http://schemas.microsoft.com/office/drawing/2014/main" val="10001"/>
+                  </a:ext>
+                </a:extLst>
+              </a:tr>
+              <a:tr h="675166">
+                <a:tc>
+                  <a:txBody>
+                    <a:bodyPr/>
+                    <a:lstStyle/>
+                    <a:p>
+                      <a:pPr algn="l">
+                        <a:lnSpc>
+                          <a:spcPct val="120000"/>
+                        </a:lnSpc>
+                        <a:defRPr sz="1800">
+                          <a:solidFill>
+                            <a:srgbClr val="000000"/>
+                          </a:solidFill>
+                        </a:defRPr>
+                      </a:pPr>
+                      <a:r>
+                        <a:rPr lang="en-US" sz="3600" dirty="0" smtClean="0">
+                          <a:solidFill>
+                            <a:srgbClr val="222222"/>
+                          </a:solidFill>
+                          <a:latin typeface="Arial"/>
+                          <a:ea typeface="Arial"/>
+                          <a:cs typeface="Arial"/>
+                          <a:sym typeface="Arial"/>
+                        </a:rPr>
+                        <a:t>сервери</a:t>
+                      </a:r>
+                      <a:r>
+                        <a:rPr lang="en-US" sz="3600" baseline="0" dirty="0" smtClean="0">
+                          <a:solidFill>
+                            <a:srgbClr val="222222"/>
+                          </a:solidFill>
+                          <a:latin typeface="Arial"/>
+                          <a:ea typeface="Arial"/>
+                          <a:cs typeface="Arial"/>
+                          <a:sym typeface="Arial"/>
+                        </a:rPr>
+                        <a:t> </a:t>
+                      </a:r>
+                      <a:endParaRPr sz="3600" dirty="0">
+                        <a:solidFill>
+                          <a:srgbClr val="222222"/>
+                        </a:solidFill>
+                        <a:latin typeface="Arial"/>
+                        <a:ea typeface="Arial"/>
+                        <a:cs typeface="Arial"/>
+                        <a:sym typeface="Arial"/>
+                      </a:endParaRPr>
+                    </a:p>
+                  </a:txBody>
+                  <a:tcPr marL="45720" marR="45720" anchor="ctr" horzOverflow="overflow">
+                    <a:lnL w="12700">
+                      <a:miter lim="400000"/>
+                    </a:lnL>
+                    <a:lnR w="12700">
+                      <a:miter lim="400000"/>
+                    </a:lnR>
+                  </a:tcPr>
+                </a:tc>
+                <a:tc>
+                  <a:txBody>
+                    <a:bodyPr/>
+                    <a:lstStyle/>
+                    <a:p>
+                      <a:pPr>
+                        <a:lnSpc>
+                          <a:spcPct val="120000"/>
+                        </a:lnSpc>
+                        <a:defRPr sz="1800">
+                          <a:solidFill>
+                            <a:srgbClr val="000000"/>
+                          </a:solidFill>
+                        </a:defRPr>
+                      </a:pPr>
+                      <a:r>
+                        <a:rPr sz="3600" dirty="0" smtClean="0">
+                          <a:solidFill>
+                            <a:srgbClr val="222222"/>
+                          </a:solidFill>
+                          <a:latin typeface="Arial"/>
+                          <a:ea typeface="Arial"/>
+                          <a:cs typeface="Arial"/>
+                          <a:sym typeface="Arial"/>
+                        </a:rPr>
+                        <a:t>$</a:t>
+                      </a:r>
+                      <a:r>
+                        <a:rPr lang="en-US" sz="3600" dirty="0" smtClean="0">
+                          <a:solidFill>
+                            <a:srgbClr val="222222"/>
+                          </a:solidFill>
+                          <a:latin typeface="Arial"/>
+                          <a:ea typeface="Arial"/>
+                          <a:cs typeface="Arial"/>
+                          <a:sym typeface="Arial"/>
+                        </a:rPr>
+                        <a:t>1</a:t>
+                      </a:r>
+                      <a:r>
+                        <a:rPr sz="3600" dirty="0" smtClean="0">
+                          <a:solidFill>
+                            <a:srgbClr val="222222"/>
+                          </a:solidFill>
+                          <a:latin typeface="Arial"/>
+                          <a:ea typeface="Arial"/>
+                          <a:cs typeface="Arial"/>
+                          <a:sym typeface="Arial"/>
+                        </a:rPr>
+                        <a:t>,000</a:t>
+                      </a:r>
+                      <a:endParaRPr sz="3600" dirty="0">
+                        <a:solidFill>
+                          <a:srgbClr val="222222"/>
+                        </a:solidFill>
+                        <a:latin typeface="Arial"/>
+                        <a:ea typeface="Arial"/>
+                        <a:cs typeface="Arial"/>
+                        <a:sym typeface="Arial"/>
+                      </a:endParaRPr>
+                    </a:p>
+                  </a:txBody>
+                  <a:tcPr marL="45720" marR="45720" anchor="ctr" horzOverflow="overflow">
+                    <a:lnL w="12700">
+                      <a:miter lim="400000"/>
+                    </a:lnL>
+                    <a:lnR w="12700">
+                      <a:miter lim="400000"/>
+                    </a:lnR>
+                  </a:tcPr>
+                </a:tc>
+                <a:extLst>
+                  <a:ext uri="{0D108BD9-81ED-4DB2-BD59-A6C34878D82A}">
+                    <a16:rowId xmlns:a16="http://schemas.microsoft.com/office/drawing/2014/main" val="10002"/>
+                  </a:ext>
+                </a:extLst>
+              </a:tr>
+              <a:tr h="675166">
+                <a:tc>
+                  <a:txBody>
+                    <a:bodyPr/>
+                    <a:lstStyle/>
+                    <a:p>
+                      <a:pPr algn="l">
+                        <a:lnSpc>
+                          <a:spcPct val="120000"/>
+                        </a:lnSpc>
+                        <a:defRPr sz="1800">
+                          <a:solidFill>
+                            <a:srgbClr val="000000"/>
+                          </a:solidFill>
+                        </a:defRPr>
+                      </a:pPr>
+                      <a:r>
+                        <a:rPr lang="en-US" sz="3600" dirty="0" smtClean="0">
+                          <a:solidFill>
+                            <a:srgbClr val="222222"/>
+                          </a:solidFill>
+                          <a:latin typeface="Arial"/>
+                          <a:ea typeface="Arial"/>
+                          <a:cs typeface="Arial"/>
+                          <a:sym typeface="Arial"/>
+                        </a:rPr>
+                        <a:t>конференції,</a:t>
+                      </a:r>
+                      <a:r>
+                        <a:rPr lang="en-US" sz="3600" baseline="0" dirty="0" smtClean="0">
+                          <a:solidFill>
+                            <a:srgbClr val="222222"/>
+                          </a:solidFill>
+                          <a:latin typeface="Arial"/>
+                          <a:ea typeface="Arial"/>
+                          <a:cs typeface="Arial"/>
+                          <a:sym typeface="Arial"/>
+                        </a:rPr>
+                        <a:t> виставки</a:t>
+                      </a:r>
+                      <a:endParaRPr sz="3600" dirty="0">
+                        <a:solidFill>
+                          <a:srgbClr val="222222"/>
+                        </a:solidFill>
+                        <a:latin typeface="Arial"/>
+                        <a:ea typeface="Arial"/>
+                        <a:cs typeface="Arial"/>
+                        <a:sym typeface="Arial"/>
+                      </a:endParaRPr>
+                    </a:p>
+                  </a:txBody>
+                  <a:tcPr marL="45720" marR="45720" anchor="ctr" horzOverflow="overflow">
+                    <a:lnL w="12700">
+                      <a:miter lim="400000"/>
+                    </a:lnL>
+                    <a:lnR w="12700">
+                      <a:noFill/>
+                      <a:miter lim="400000"/>
+                    </a:lnR>
+                    <a:lnB w="12700">
+                      <a:miter lim="400000"/>
+                    </a:lnB>
+                  </a:tcPr>
+                </a:tc>
+                <a:tc>
+                  <a:txBody>
+                    <a:bodyPr/>
+                    <a:lstStyle/>
+                    <a:p>
+                      <a:pPr>
+                        <a:lnSpc>
+                          <a:spcPct val="120000"/>
+                        </a:lnSpc>
+                        <a:defRPr sz="1800">
+                          <a:solidFill>
+                            <a:srgbClr val="000000"/>
+                          </a:solidFill>
+                        </a:defRPr>
+                      </a:pPr>
+                      <a:r>
+                        <a:rPr lang="en-US" sz="3600" dirty="0" smtClean="0">
+                          <a:solidFill>
+                            <a:srgbClr val="222222"/>
+                          </a:solidFill>
+                          <a:latin typeface="Arial"/>
+                          <a:ea typeface="Arial"/>
+                          <a:cs typeface="Arial"/>
+                          <a:sym typeface="Arial"/>
+                        </a:rPr>
+                        <a:t>$11,000</a:t>
+                      </a:r>
+                      <a:endParaRPr sz="3600" dirty="0">
+                        <a:solidFill>
+                          <a:srgbClr val="222222"/>
+                        </a:solidFill>
+                        <a:latin typeface="Arial"/>
+                        <a:ea typeface="Arial"/>
+                        <a:cs typeface="Arial"/>
+                        <a:sym typeface="Arial"/>
+                      </a:endParaRPr>
+                    </a:p>
+                  </a:txBody>
+                  <a:tcPr marL="45720" marR="45720" anchor="ctr" horzOverflow="overflow">
+                    <a:lnL w="12700">
+                      <a:noFill/>
+                      <a:miter lim="400000"/>
+                    </a:lnL>
+                    <a:lnR w="12700">
+                      <a:miter lim="400000"/>
+                    </a:lnR>
+                    <a:lnB w="12700">
+                      <a:miter lim="400000"/>
+                    </a:lnB>
+                  </a:tcPr>
+                </a:tc>
+                <a:extLst>
+                  <a:ext uri="{0D108BD9-81ED-4DB2-BD59-A6C34878D82A}">
+                    <a16:rowId xmlns:a16="http://schemas.microsoft.com/office/drawing/2014/main" val="1114864441"/>
+                  </a:ext>
+                </a:extLst>
+              </a:tr>
+            </a:tbl>
+          </a:graphicData>
+        </a:graphic>
+      </p:graphicFrame>
       <p:sp>
         <p:nvSpPr>
-          <p:cNvPr id="187" name="Shape 187"/>
+          <p:cNvPr id="13" name="Shape 215"/>
           <p:cNvSpPr/>
           <p:nvPr/>
         </p:nvSpPr>
         <p:spPr>
           <a:xfrm>
-            <a:off x="378829" y="4828974"/>
-            <a:ext cx="10613901" cy="718145"/>
+            <a:off x="8675048" y="8417670"/>
+            <a:ext cx="3497109" cy="707886"/>
           </a:xfrm>
           <a:prstGeom prst="rect">
             <a:avLst/>
@@ -4277,141 +5993,121 @@
           </a:extLst>
         </p:spPr>
         <p:txBody>
-          <a:bodyPr lIns="50800" tIns="50800" rIns="50800" bIns="50800" anchor="ctr">
+          <a:bodyPr wrap="none" lIns="45719" rIns="45719">
             <a:spAutoFit/>
           </a:bodyPr>
-          <a:lstStyle/>
-          <a:p>
-            <a:pPr>
+          <a:lstStyle>
+            <a:lvl1pPr algn="r">
               <a:spcBef>
                 <a:spcPts val="600"/>
               </a:spcBef>
-              <a:defRPr sz="4000">
+              <a:defRPr sz="4600">
                 <a:latin typeface="Arial"/>
                 <a:ea typeface="Arial"/>
                 <a:cs typeface="Arial"/>
                 <a:sym typeface="Arial"/>
               </a:defRPr>
-            </a:pPr>
-            <a:r>
-              <a:rPr lang="ru-RU" dirty="0" smtClean="0"/>
-              <a:t>Вих</a:t>
-            </a:r>
-            <a:r>
-              <a:rPr lang="uk-UA" dirty="0" smtClean="0"/>
-              <a:t>ід на ринок </a:t>
-            </a:r>
-            <a:r>
-              <a:rPr dirty="0" smtClean="0"/>
-              <a:t>(6 </a:t>
-            </a:r>
-            <a:r>
-              <a:rPr dirty="0"/>
-              <a:t>місяців</a:t>
-            </a:r>
-            <a:r>
-              <a:rPr dirty="0" smtClean="0"/>
-              <a:t>):</a:t>
-            </a:r>
-            <a:endParaRPr dirty="0"/>
+            </a:lvl1pPr>
+          </a:lstStyle>
+          <a:p>
+            <a:r>
+              <a:rPr sz="4000" dirty="0"/>
+              <a:t>Сума: $</a:t>
+            </a:r>
+            <a:r>
+              <a:rPr sz="4000" dirty="0" smtClean="0"/>
+              <a:t>36,</a:t>
+            </a:r>
+            <a:r>
+              <a:rPr lang="uk-UA" sz="4000" dirty="0" smtClean="0"/>
+              <a:t>0</a:t>
+            </a:r>
+            <a:r>
+              <a:rPr sz="4000" dirty="0" smtClean="0"/>
+              <a:t>00</a:t>
+            </a:r>
+            <a:endParaRPr sz="4000" dirty="0"/>
           </a:p>
         </p:txBody>
       </p:sp>
       <p:graphicFrame>
         <p:nvGraphicFramePr>
-          <p:cNvPr id="2" name="Table 1"/>
-          <p:cNvGraphicFramePr>
-            <a:graphicFrameLocks noGrp="1"/>
-          </p:cNvGraphicFramePr>
+          <p:cNvPr id="14" name="Table 216"/>
+          <p:cNvGraphicFramePr/>
           <p:nvPr>
             <p:extLst>
               <p:ext uri="{D42A27DB-BD31-4B8C-83A1-F6EECF244321}">
-                <p14:modId xmlns:p14="http://schemas.microsoft.com/office/powerpoint/2010/main" val="3989510251"/>
+                <p14:modId xmlns:p14="http://schemas.microsoft.com/office/powerpoint/2010/main" val="372890459"/>
               </p:ext>
             </p:extLst>
           </p:nvPr>
         </p:nvGraphicFramePr>
         <p:xfrm>
-          <a:off x="378830" y="5661874"/>
-          <a:ext cx="10274298" cy="2288326"/>
+          <a:off x="442330" y="2317535"/>
+          <a:ext cx="11729824" cy="1378586"/>
         </p:xfrm>
         <a:graphic>
           <a:graphicData uri="http://schemas.openxmlformats.org/drawingml/2006/table">
             <a:tbl>
-              <a:tblPr firstRow="1" bandRow="1">
-                <a:tableStyleId>{5940675A-B579-460E-94D1-54222C63F5DA}</a:tableStyleId>
+              <a:tblPr>
+                <a:tableStyleId>{4C3C2611-4C71-4FC5-86AE-919BDF0F9419}</a:tableStyleId>
               </a:tblPr>
               <a:tblGrid>
-                <a:gridCol w="7558670">
+                <a:gridCol w="8646054">
                   <a:extLst>
                     <a:ext uri="{9D8B030D-6E8A-4147-A177-3AD203B41FA5}">
-                      <a16:colId xmlns:a16="http://schemas.microsoft.com/office/drawing/2014/main" val="2566173452"/>
+                      <a16:colId xmlns:a16="http://schemas.microsoft.com/office/drawing/2014/main" val="20000"/>
                     </a:ext>
                   </a:extLst>
                 </a:gridCol>
-                <a:gridCol w="2715628">
+                <a:gridCol w="3083770">
                   <a:extLst>
                     <a:ext uri="{9D8B030D-6E8A-4147-A177-3AD203B41FA5}">
-                      <a16:colId xmlns:a16="http://schemas.microsoft.com/office/drawing/2014/main" val="755620036"/>
+                      <a16:colId xmlns:a16="http://schemas.microsoft.com/office/drawing/2014/main" val="20001"/>
                     </a:ext>
                   </a:extLst>
                 </a:gridCol>
               </a:tblGrid>
-              <a:tr h="782154">
+              <a:tr h="667655">
                 <a:tc>
                   <a:txBody>
                     <a:bodyPr/>
                     <a:lstStyle/>
                     <a:p>
-                      <a:pPr algn="l"/>
+                      <a:pPr algn="l">
+                        <a:lnSpc>
+                          <a:spcPct val="120000"/>
+                        </a:lnSpc>
+                        <a:defRPr sz="1800">
+                          <a:solidFill>
+                            <a:srgbClr val="000000"/>
+                          </a:solidFill>
+                        </a:defRPr>
+                      </a:pPr>
                       <a:r>
-                        <a:rPr lang="uk-UA" sz="4000" dirty="0" smtClean="0">
-                          <a:latin typeface="Arial" panose="020B0604020202020204" pitchFamily="34" charset="0"/>
-                          <a:cs typeface="Arial" panose="020B0604020202020204" pitchFamily="34" charset="0"/>
+                        <a:rPr sz="3600" dirty="0">
+                          <a:solidFill>
+                            <a:srgbClr val="222222"/>
+                          </a:solidFill>
+                          <a:latin typeface="Arial"/>
+                          <a:ea typeface="Arial"/>
+                          <a:cs typeface="Arial"/>
+                          <a:sym typeface="Arial"/>
                         </a:rPr>
-                        <a:t>тестування </a:t>
+                        <a:t>дизайн</a:t>
                       </a:r>
-                      <a:endParaRPr lang="en-US" sz="4000" dirty="0">
-                        <a:latin typeface="Arial" panose="020B0604020202020204" pitchFamily="34" charset="0"/>
-                        <a:cs typeface="Arial" panose="020B0604020202020204" pitchFamily="34" charset="0"/>
-                      </a:endParaRPr>
                     </a:p>
                   </a:txBody>
-                  <a:tcPr anchor="ctr">
-                    <a:lnL w="12700" cap="flat" cmpd="sng" algn="ctr">
-                      <a:noFill/>
-                      <a:prstDash val="solid"/>
-                      <a:round/>
-                      <a:headEnd type="none" w="med" len="med"/>
-                      <a:tailEnd type="none" w="med" len="med"/>
+                  <a:tcPr marL="45720" marR="45720" anchor="ctr" horzOverflow="overflow">
+                    <a:lnL w="12700">
+                      <a:miter lim="400000"/>
                     </a:lnL>
-                    <a:lnR w="12700" cap="flat" cmpd="sng" algn="ctr">
-                      <a:noFill/>
-                      <a:prstDash val="solid"/>
-                      <a:round/>
-                      <a:headEnd type="none" w="med" len="med"/>
-                      <a:tailEnd type="none" w="med" len="med"/>
+                    <a:lnR w="12700">
+                      <a:miter lim="400000"/>
                     </a:lnR>
-                    <a:lnT w="12700" cmpd="sng">
-                      <a:noFill/>
+                    <a:lnT w="12700">
+                      <a:miter lim="400000"/>
                     </a:lnT>
-                    <a:lnB w="12700" cap="flat" cmpd="sng" algn="ctr">
-                      <a:solidFill>
-                        <a:schemeClr val="tx1"/>
-                      </a:solidFill>
-                      <a:prstDash val="solid"/>
-                      <a:round/>
-                      <a:headEnd type="none" w="med" len="med"/>
-                      <a:tailEnd type="none" w="med" len="med"/>
-                    </a:lnB>
-                    <a:lnTlToBr w="12700" cmpd="sng">
-                      <a:noFill/>
-                      <a:prstDash val="solid"/>
-                    </a:lnTlToBr>
-                    <a:lnBlToTr w="12700" cmpd="sng">
-                      <a:noFill/>
-                      <a:prstDash val="solid"/>
-                    </a:lnBlToTr>
                   </a:tcPr>
                 </a:tc>
                 <a:tc>
@@ -4419,127 +6115,80 @@
                     <a:bodyPr/>
                     <a:lstStyle/>
                     <a:p>
-                      <a:pPr algn="l"/>
+                      <a:pPr>
+                        <a:lnSpc>
+                          <a:spcPct val="120000"/>
+                        </a:lnSpc>
+                        <a:defRPr sz="3600">
+                          <a:latin typeface="Arial"/>
+                          <a:ea typeface="Arial"/>
+                          <a:cs typeface="Arial"/>
+                          <a:sym typeface="Arial"/>
+                        </a:defRPr>
+                      </a:pPr>
                       <a:r>
-                        <a:rPr lang="en-US" sz="4000" dirty="0" smtClean="0">
-                          <a:latin typeface="Arial" panose="020B0604020202020204" pitchFamily="34" charset="0"/>
-                          <a:cs typeface="Arial" panose="020B0604020202020204" pitchFamily="34" charset="0"/>
-                        </a:rPr>
-                        <a:t>$4,500</a:t>
+                        <a:t>$3,000</a:t>
                       </a:r>
-                      <a:endParaRPr lang="en-US" sz="4000" dirty="0">
-                        <a:latin typeface="Arial" panose="020B0604020202020204" pitchFamily="34" charset="0"/>
-                        <a:cs typeface="Arial" panose="020B0604020202020204" pitchFamily="34" charset="0"/>
-                      </a:endParaRPr>
                     </a:p>
                   </a:txBody>
-                  <a:tcPr anchor="ctr">
-                    <a:lnL w="12700" cap="flat" cmpd="sng" algn="ctr">
-                      <a:noFill/>
-                      <a:prstDash val="solid"/>
-                      <a:round/>
-                      <a:headEnd type="none" w="med" len="med"/>
-                      <a:tailEnd type="none" w="med" len="med"/>
+                  <a:tcPr marL="45720" marR="45720" anchor="ctr" horzOverflow="overflow">
+                    <a:lnL w="12700">
+                      <a:miter lim="400000"/>
                     </a:lnL>
-                    <a:lnR w="12700" cmpd="sng">
-                      <a:noFill/>
+                    <a:lnR w="12700">
+                      <a:miter lim="400000"/>
                     </a:lnR>
-                    <a:lnT w="12700" cmpd="sng">
-                      <a:noFill/>
+                    <a:lnT w="12700">
+                      <a:miter lim="400000"/>
                     </a:lnT>
-                    <a:lnB w="12700" cap="flat" cmpd="sng" algn="ctr">
-                      <a:solidFill>
-                        <a:schemeClr val="tx1"/>
-                      </a:solidFill>
-                      <a:prstDash val="solid"/>
-                      <a:round/>
-                      <a:headEnd type="none" w="med" len="med"/>
-                      <a:tailEnd type="none" w="med" len="med"/>
-                    </a:lnB>
-                    <a:lnTlToBr w="12700" cmpd="sng">
-                      <a:noFill/>
-                      <a:prstDash val="solid"/>
-                    </a:lnTlToBr>
-                    <a:lnBlToTr w="12700" cmpd="sng">
-                      <a:noFill/>
-                      <a:prstDash val="solid"/>
-                    </a:lnBlToTr>
                   </a:tcPr>
                 </a:tc>
                 <a:extLst>
                   <a:ext uri="{0D108BD9-81ED-4DB2-BD59-A6C34878D82A}">
-                    <a16:rowId xmlns:a16="http://schemas.microsoft.com/office/drawing/2014/main" val="2492025723"/>
+                    <a16:rowId xmlns:a16="http://schemas.microsoft.com/office/drawing/2014/main" val="10000"/>
                   </a:ext>
                 </a:extLst>
               </a:tr>
-              <a:tr h="738197">
+              <a:tr h="664510">
                 <a:tc>
                   <a:txBody>
                     <a:bodyPr/>
                     <a:lstStyle/>
                     <a:p>
-                      <a:pPr algn="l"/>
+                      <a:pPr algn="l">
+                        <a:lnSpc>
+                          <a:spcPct val="120000"/>
+                        </a:lnSpc>
+                        <a:defRPr sz="1800">
+                          <a:solidFill>
+                            <a:srgbClr val="000000"/>
+                          </a:solidFill>
+                        </a:defRPr>
+                      </a:pPr>
                       <a:r>
-                        <a:rPr lang="uk-UA" sz="4000" dirty="0" smtClean="0">
-                          <a:latin typeface="Arial" panose="020B0604020202020204" pitchFamily="34" charset="0"/>
-                          <a:cs typeface="Arial" panose="020B0604020202020204" pitchFamily="34" charset="0"/>
+                        <a:rPr sz="3600" dirty="0">
+                          <a:solidFill>
+                            <a:srgbClr val="222222"/>
+                          </a:solidFill>
+                          <a:latin typeface="Arial"/>
+                          <a:ea typeface="Arial"/>
+                          <a:cs typeface="Arial"/>
+                          <a:sym typeface="Arial"/>
                         </a:rPr>
-                        <a:t>просування</a:t>
+                        <a:t>розробка інтерфейсу</a:t>
                       </a:r>
-                      <a:r>
-                        <a:rPr lang="uk-UA" sz="4000" baseline="0" dirty="0" smtClean="0">
-                          <a:latin typeface="Arial" panose="020B0604020202020204" pitchFamily="34" charset="0"/>
-                          <a:cs typeface="Arial" panose="020B0604020202020204" pitchFamily="34" charset="0"/>
-                        </a:rPr>
-                        <a:t>(зустрічі, реклама)</a:t>
-                      </a:r>
-                      <a:endParaRPr lang="en-US" sz="4000" dirty="0">
-                        <a:latin typeface="Arial" panose="020B0604020202020204" pitchFamily="34" charset="0"/>
-                        <a:cs typeface="Arial" panose="020B0604020202020204" pitchFamily="34" charset="0"/>
-                      </a:endParaRPr>
                     </a:p>
                   </a:txBody>
-                  <a:tcPr anchor="ctr">
-                    <a:lnL w="12700" cap="flat" cmpd="sng" algn="ctr">
-                      <a:noFill/>
-                      <a:prstDash val="solid"/>
-                      <a:round/>
-                      <a:headEnd type="none" w="med" len="med"/>
-                      <a:tailEnd type="none" w="med" len="med"/>
+                  <a:tcPr marL="45720" marR="45720" anchor="ctr" horzOverflow="overflow">
+                    <a:lnL w="12700">
+                      <a:miter lim="400000"/>
                     </a:lnL>
-                    <a:lnR w="12700" cap="flat" cmpd="sng" algn="ctr">
-                      <a:noFill/>
-                      <a:prstDash val="solid"/>
-                      <a:round/>
-                      <a:headEnd type="none" w="med" len="med"/>
-                      <a:tailEnd type="none" w="med" len="med"/>
+                    <a:lnR w="12700">
+                      <a:miter lim="400000"/>
                     </a:lnR>
-                    <a:lnT w="12700" cap="flat" cmpd="sng" algn="ctr">
-                      <a:solidFill>
-                        <a:schemeClr val="tx1"/>
-                      </a:solidFill>
-                      <a:prstDash val="solid"/>
-                      <a:round/>
-                      <a:headEnd type="none" w="med" len="med"/>
-                      <a:tailEnd type="none" w="med" len="med"/>
-                    </a:lnT>
-                    <a:lnB w="12700" cap="flat" cmpd="sng" algn="ctr">
-                      <a:solidFill>
-                        <a:schemeClr val="tx1"/>
-                      </a:solidFill>
-                      <a:prstDash val="solid"/>
-                      <a:round/>
-                      <a:headEnd type="none" w="med" len="med"/>
-                      <a:tailEnd type="none" w="med" len="med"/>
+                    <a:lnB w="12700">
+                      <a:miter lim="400000"/>
                     </a:lnB>
-                    <a:lnTlToBr w="12700" cmpd="sng">
-                      <a:noFill/>
-                      <a:prstDash val="solid"/>
-                    </a:lnTlToBr>
-                    <a:lnBlToTr w="12700" cmpd="sng">
-                      <a:noFill/>
-                      <a:prstDash val="solid"/>
-                    </a:lnBlToTr>
                   </a:tcPr>
                 </a:tc>
                 <a:tc>
@@ -4547,184 +6196,55 @@
                     <a:bodyPr/>
                     <a:lstStyle/>
                     <a:p>
-                      <a:pPr algn="l"/>
+                      <a:pPr>
+                        <a:lnSpc>
+                          <a:spcPct val="120000"/>
+                        </a:lnSpc>
+                        <a:defRPr sz="3600">
+                          <a:latin typeface="Arial"/>
+                          <a:ea typeface="Arial"/>
+                          <a:cs typeface="Arial"/>
+                          <a:sym typeface="Arial"/>
+                        </a:defRPr>
+                      </a:pPr>
                       <a:r>
-                        <a:rPr lang="en-US" sz="4000" dirty="0" smtClean="0">
-                          <a:latin typeface="Arial" panose="020B0604020202020204" pitchFamily="34" charset="0"/>
-                          <a:cs typeface="Arial" panose="020B0604020202020204" pitchFamily="34" charset="0"/>
-                        </a:rPr>
-                        <a:t>$20,000</a:t>
+                        <a:rPr dirty="0" smtClean="0"/>
+                        <a:t>$</a:t>
                       </a:r>
-                      <a:endParaRPr lang="en-US" sz="4000" dirty="0">
-                        <a:latin typeface="Arial" panose="020B0604020202020204" pitchFamily="34" charset="0"/>
-                        <a:cs typeface="Arial" panose="020B0604020202020204" pitchFamily="34" charset="0"/>
-                      </a:endParaRPr>
+                      <a:r>
+                        <a:rPr lang="uk-UA" dirty="0" smtClean="0"/>
+                        <a:t>5</a:t>
+                      </a:r>
+                      <a:r>
+                        <a:rPr dirty="0" smtClean="0"/>
+                        <a:t>,</a:t>
+                      </a:r>
+                      <a:r>
+                        <a:rPr lang="uk-UA" dirty="0" smtClean="0"/>
+                        <a:t>0</a:t>
+                      </a:r>
+                      <a:r>
+                        <a:rPr dirty="0" smtClean="0"/>
+                        <a:t>00</a:t>
+                      </a:r>
+                      <a:endParaRPr dirty="0"/>
                     </a:p>
                   </a:txBody>
-                  <a:tcPr anchor="ctr">
-                    <a:lnL w="12700" cap="flat" cmpd="sng" algn="ctr">
-                      <a:noFill/>
-                      <a:prstDash val="solid"/>
-                      <a:round/>
-                      <a:headEnd type="none" w="med" len="med"/>
-                      <a:tailEnd type="none" w="med" len="med"/>
+                  <a:tcPr marL="45720" marR="45720" anchor="ctr" horzOverflow="overflow">
+                    <a:lnL w="12700">
+                      <a:miter lim="400000"/>
                     </a:lnL>
-                    <a:lnR w="12700" cmpd="sng">
-                      <a:noFill/>
+                    <a:lnR w="12700">
+                      <a:miter lim="400000"/>
                     </a:lnR>
-                    <a:lnT w="12700" cap="flat" cmpd="sng" algn="ctr">
-                      <a:solidFill>
-                        <a:schemeClr val="tx1"/>
-                      </a:solidFill>
-                      <a:prstDash val="solid"/>
-                      <a:round/>
-                      <a:headEnd type="none" w="med" len="med"/>
-                      <a:tailEnd type="none" w="med" len="med"/>
-                    </a:lnT>
-                    <a:lnB w="12700" cap="flat" cmpd="sng" algn="ctr">
-                      <a:solidFill>
-                        <a:schemeClr val="tx1"/>
-                      </a:solidFill>
-                      <a:prstDash val="solid"/>
-                      <a:round/>
-                      <a:headEnd type="none" w="med" len="med"/>
-                      <a:tailEnd type="none" w="med" len="med"/>
+                    <a:lnB w="12700">
+                      <a:miter lim="400000"/>
                     </a:lnB>
-                    <a:lnTlToBr w="12700" cmpd="sng">
-                      <a:noFill/>
-                      <a:prstDash val="solid"/>
-                    </a:lnTlToBr>
-                    <a:lnBlToTr w="12700" cmpd="sng">
-                      <a:noFill/>
-                      <a:prstDash val="solid"/>
-                    </a:lnBlToTr>
                   </a:tcPr>
                 </a:tc>
                 <a:extLst>
                   <a:ext uri="{0D108BD9-81ED-4DB2-BD59-A6C34878D82A}">
-                    <a16:rowId xmlns:a16="http://schemas.microsoft.com/office/drawing/2014/main" val="3993862457"/>
-                  </a:ext>
-                </a:extLst>
-              </a:tr>
-              <a:tr h="767975">
-                <a:tc>
-                  <a:txBody>
-                    <a:bodyPr/>
-                    <a:lstStyle/>
-                    <a:p>
-                      <a:pPr algn="l"/>
-                      <a:r>
-                        <a:rPr lang="uk-UA" sz="4000" dirty="0" smtClean="0">
-                          <a:latin typeface="Arial" panose="020B0604020202020204" pitchFamily="34" charset="0"/>
-                          <a:cs typeface="Arial" panose="020B0604020202020204" pitchFamily="34" charset="0"/>
-                        </a:rPr>
-                        <a:t>Участь</a:t>
-                      </a:r>
-                      <a:r>
-                        <a:rPr lang="uk-UA" sz="4000" baseline="0" dirty="0" smtClean="0">
-                          <a:latin typeface="Arial" panose="020B0604020202020204" pitchFamily="34" charset="0"/>
-                          <a:cs typeface="Arial" panose="020B0604020202020204" pitchFamily="34" charset="0"/>
-                        </a:rPr>
-                        <a:t> у виставках</a:t>
-                      </a:r>
-                      <a:endParaRPr lang="en-US" sz="4000" dirty="0">
-                        <a:latin typeface="Arial" panose="020B0604020202020204" pitchFamily="34" charset="0"/>
-                        <a:cs typeface="Arial" panose="020B0604020202020204" pitchFamily="34" charset="0"/>
-                      </a:endParaRPr>
-                    </a:p>
-                  </a:txBody>
-                  <a:tcPr anchor="ctr">
-                    <a:lnL w="12700" cap="flat" cmpd="sng" algn="ctr">
-                      <a:noFill/>
-                      <a:prstDash val="solid"/>
-                      <a:round/>
-                      <a:headEnd type="none" w="med" len="med"/>
-                      <a:tailEnd type="none" w="med" len="med"/>
-                    </a:lnL>
-                    <a:lnR w="12700" cap="flat" cmpd="sng" algn="ctr">
-                      <a:noFill/>
-                      <a:prstDash val="solid"/>
-                      <a:round/>
-                      <a:headEnd type="none" w="med" len="med"/>
-                      <a:tailEnd type="none" w="med" len="med"/>
-                    </a:lnR>
-                    <a:lnT w="12700" cap="flat" cmpd="sng" algn="ctr">
-                      <a:solidFill>
-                        <a:schemeClr val="tx1"/>
-                      </a:solidFill>
-                      <a:prstDash val="solid"/>
-                      <a:round/>
-                      <a:headEnd type="none" w="med" len="med"/>
-                      <a:tailEnd type="none" w="med" len="med"/>
-                    </a:lnT>
-                    <a:lnB w="12700" cmpd="sng">
-                      <a:noFill/>
-                    </a:lnB>
-                    <a:lnTlToBr w="12700" cmpd="sng">
-                      <a:noFill/>
-                      <a:prstDash val="solid"/>
-                    </a:lnTlToBr>
-                    <a:lnBlToTr w="12700" cmpd="sng">
-                      <a:noFill/>
-                      <a:prstDash val="solid"/>
-                    </a:lnBlToTr>
-                  </a:tcPr>
-                </a:tc>
-                <a:tc>
-                  <a:txBody>
-                    <a:bodyPr/>
-                    <a:lstStyle/>
-                    <a:p>
-                      <a:pPr algn="l"/>
-                      <a:r>
-                        <a:rPr lang="en-US" sz="4000" dirty="0" smtClean="0">
-                          <a:latin typeface="Arial" panose="020B0604020202020204" pitchFamily="34" charset="0"/>
-                          <a:cs typeface="Arial" panose="020B0604020202020204" pitchFamily="34" charset="0"/>
-                        </a:rPr>
-                        <a:t>$12,000</a:t>
-                      </a:r>
-                      <a:endParaRPr lang="en-US" sz="4000" dirty="0">
-                        <a:latin typeface="Arial" panose="020B0604020202020204" pitchFamily="34" charset="0"/>
-                        <a:cs typeface="Arial" panose="020B0604020202020204" pitchFamily="34" charset="0"/>
-                      </a:endParaRPr>
-                    </a:p>
-                  </a:txBody>
-                  <a:tcPr anchor="ctr">
-                    <a:lnL w="12700" cap="flat" cmpd="sng" algn="ctr">
-                      <a:noFill/>
-                      <a:prstDash val="solid"/>
-                      <a:round/>
-                      <a:headEnd type="none" w="med" len="med"/>
-                      <a:tailEnd type="none" w="med" len="med"/>
-                    </a:lnL>
-                    <a:lnR w="12700" cmpd="sng">
-                      <a:noFill/>
-                    </a:lnR>
-                    <a:lnT w="12700" cap="flat" cmpd="sng" algn="ctr">
-                      <a:solidFill>
-                        <a:schemeClr val="tx1"/>
-                      </a:solidFill>
-                      <a:prstDash val="solid"/>
-                      <a:round/>
-                      <a:headEnd type="none" w="med" len="med"/>
-                      <a:tailEnd type="none" w="med" len="med"/>
-                    </a:lnT>
-                    <a:lnB w="12700" cmpd="sng">
-                      <a:noFill/>
-                    </a:lnB>
-                    <a:lnTlToBr w="12700" cmpd="sng">
-                      <a:noFill/>
-                      <a:prstDash val="solid"/>
-                    </a:lnTlToBr>
-                    <a:lnBlToTr w="12700" cmpd="sng">
-                      <a:noFill/>
-                      <a:prstDash val="solid"/>
-                    </a:lnBlToTr>
-                  </a:tcPr>
-                </a:tc>
-                <a:extLst>
-                  <a:ext uri="{0D108BD9-81ED-4DB2-BD59-A6C34878D82A}">
-                    <a16:rowId xmlns:a16="http://schemas.microsoft.com/office/drawing/2014/main" val="1708947298"/>
+                    <a16:rowId xmlns:a16="http://schemas.microsoft.com/office/drawing/2014/main" val="10001"/>
                   </a:ext>
                 </a:extLst>
               </a:tr>
@@ -4734,392 +6254,70 @@
       </p:graphicFrame>
       <p:sp>
         <p:nvSpPr>
-          <p:cNvPr id="3" name="Rectangle 2"/>
+          <p:cNvPr id="15" name="Shape 217"/>
           <p:cNvSpPr/>
           <p:nvPr/>
         </p:nvSpPr>
         <p:spPr>
           <a:xfrm>
-            <a:off x="378830" y="8250201"/>
-            <a:ext cx="3589444" cy="707886"/>
+            <a:off x="8960382" y="3754258"/>
+            <a:ext cx="3211775" cy="707886"/>
           </a:xfrm>
           <a:prstGeom prst="rect">
             <a:avLst/>
           </a:prstGeom>
+          <a:ln w="12700">
+            <a:miter lim="400000"/>
+          </a:ln>
+          <a:extLst>
+            <a:ext uri="{C572A759-6A51-4108-AA02-DFA0A04FC94B}">
+              <ma14:wrappingTextBoxFlag xmlns:ma14="http://schemas.microsoft.com/office/mac/drawingml/2011/main" xmlns="" val="1"/>
+            </a:ext>
+          </a:extLst>
         </p:spPr>
         <p:txBody>
-          <a:bodyPr wrap="none">
+          <a:bodyPr wrap="none" lIns="45719" rIns="45719">
             <a:spAutoFit/>
           </a:bodyPr>
-          <a:lstStyle/>
-          <a:p>
-            <a:pPr>
+          <a:lstStyle>
+            <a:lvl1pPr algn="r">
               <a:spcBef>
                 <a:spcPts val="600"/>
               </a:spcBef>
-              <a:defRPr sz="4000">
+              <a:defRPr sz="4600">
                 <a:latin typeface="Arial"/>
                 <a:ea typeface="Arial"/>
                 <a:cs typeface="Arial"/>
                 <a:sym typeface="Arial"/>
               </a:defRPr>
-            </a:pPr>
-            <a:r>
-              <a:rPr lang="ru-RU" dirty="0"/>
-              <a:t>Сума: $36,500</a:t>
-            </a:r>
-          </a:p>
-        </p:txBody>
-      </p:sp>
-      <p:graphicFrame>
-        <p:nvGraphicFramePr>
-          <p:cNvPr id="7" name="Table 6"/>
-          <p:cNvGraphicFramePr>
-            <a:graphicFrameLocks noGrp="1"/>
-          </p:cNvGraphicFramePr>
-          <p:nvPr>
-            <p:extLst>
-              <p:ext uri="{D42A27DB-BD31-4B8C-83A1-F6EECF244321}">
-                <p14:modId xmlns:p14="http://schemas.microsoft.com/office/powerpoint/2010/main" val="1907481954"/>
-              </p:ext>
-            </p:extLst>
-          </p:nvPr>
-        </p:nvGraphicFramePr>
-        <p:xfrm>
-          <a:off x="378830" y="2199002"/>
-          <a:ext cx="10274298" cy="1520351"/>
-        </p:xfrm>
-        <a:graphic>
-          <a:graphicData uri="http://schemas.openxmlformats.org/drawingml/2006/table">
-            <a:tbl>
-              <a:tblPr firstRow="1" bandRow="1">
-                <a:tableStyleId>{5940675A-B579-460E-94D1-54222C63F5DA}</a:tableStyleId>
-              </a:tblPr>
-              <a:tblGrid>
-                <a:gridCol w="7609470">
-                  <a:extLst>
-                    <a:ext uri="{9D8B030D-6E8A-4147-A177-3AD203B41FA5}">
-                      <a16:colId xmlns:a16="http://schemas.microsoft.com/office/drawing/2014/main" val="2566173452"/>
-                    </a:ext>
-                  </a:extLst>
-                </a:gridCol>
-                <a:gridCol w="2664828">
-                  <a:extLst>
-                    <a:ext uri="{9D8B030D-6E8A-4147-A177-3AD203B41FA5}">
-                      <a16:colId xmlns:a16="http://schemas.microsoft.com/office/drawing/2014/main" val="755620036"/>
-                    </a:ext>
-                  </a:extLst>
-                </a:gridCol>
-              </a:tblGrid>
-              <a:tr h="782154">
-                <a:tc>
-                  <a:txBody>
-                    <a:bodyPr/>
-                    <a:lstStyle/>
-                    <a:p>
-                      <a:pPr algn="l"/>
-                      <a:r>
-                        <a:rPr lang="uk-UA" sz="4000" dirty="0" smtClean="0">
-                          <a:latin typeface="Arial" panose="020B0604020202020204" pitchFamily="34" charset="0"/>
-                          <a:cs typeface="Arial" panose="020B0604020202020204" pitchFamily="34" charset="0"/>
-                        </a:rPr>
-                        <a:t>дизайн</a:t>
-                      </a:r>
-                      <a:endParaRPr lang="en-US" sz="4000" dirty="0">
-                        <a:latin typeface="Arial" panose="020B0604020202020204" pitchFamily="34" charset="0"/>
-                        <a:cs typeface="Arial" panose="020B0604020202020204" pitchFamily="34" charset="0"/>
-                      </a:endParaRPr>
-                    </a:p>
-                  </a:txBody>
-                  <a:tcPr anchor="ctr">
-                    <a:lnL w="12700" cmpd="sng">
-                      <a:noFill/>
-                    </a:lnL>
-                    <a:lnR w="12700" cap="flat" cmpd="sng" algn="ctr">
-                      <a:noFill/>
-                      <a:prstDash val="solid"/>
-                      <a:round/>
-                      <a:headEnd type="none" w="med" len="med"/>
-                      <a:tailEnd type="none" w="med" len="med"/>
-                    </a:lnR>
-                    <a:lnT w="12700" cmpd="sng">
-                      <a:noFill/>
-                    </a:lnT>
-                    <a:lnB w="12700" cap="flat" cmpd="sng" algn="ctr">
-                      <a:solidFill>
-                        <a:schemeClr val="tx1"/>
-                      </a:solidFill>
-                      <a:prstDash val="solid"/>
-                      <a:round/>
-                      <a:headEnd type="none" w="med" len="med"/>
-                      <a:tailEnd type="none" w="med" len="med"/>
-                    </a:lnB>
-                    <a:lnTlToBr w="12700" cmpd="sng">
-                      <a:noFill/>
-                      <a:prstDash val="solid"/>
-                    </a:lnTlToBr>
-                    <a:lnBlToTr w="12700" cmpd="sng">
-                      <a:noFill/>
-                      <a:prstDash val="solid"/>
-                    </a:lnBlToTr>
-                  </a:tcPr>
-                </a:tc>
-                <a:tc>
-                  <a:txBody>
-                    <a:bodyPr/>
-                    <a:lstStyle/>
-                    <a:p>
-                      <a:pPr algn="l"/>
-                      <a:r>
-                        <a:rPr lang="en-US" sz="4000" dirty="0" smtClean="0">
-                          <a:latin typeface="Arial" panose="020B0604020202020204" pitchFamily="34" charset="0"/>
-                          <a:cs typeface="Arial" panose="020B0604020202020204" pitchFamily="34" charset="0"/>
-                        </a:rPr>
-                        <a:t>$</a:t>
-                      </a:r>
-                      <a:r>
-                        <a:rPr lang="uk-UA" sz="4000" dirty="0" smtClean="0">
-                          <a:latin typeface="Arial" panose="020B0604020202020204" pitchFamily="34" charset="0"/>
-                          <a:cs typeface="Arial" panose="020B0604020202020204" pitchFamily="34" charset="0"/>
-                        </a:rPr>
-                        <a:t>3</a:t>
-                      </a:r>
-                      <a:r>
-                        <a:rPr lang="en-US" sz="4000" dirty="0" smtClean="0">
-                          <a:latin typeface="Arial" panose="020B0604020202020204" pitchFamily="34" charset="0"/>
-                          <a:cs typeface="Arial" panose="020B0604020202020204" pitchFamily="34" charset="0"/>
-                        </a:rPr>
-                        <a:t>,</a:t>
-                      </a:r>
-                      <a:r>
-                        <a:rPr lang="uk-UA" sz="4000" dirty="0" smtClean="0">
-                          <a:latin typeface="Arial" panose="020B0604020202020204" pitchFamily="34" charset="0"/>
-                          <a:cs typeface="Arial" panose="020B0604020202020204" pitchFamily="34" charset="0"/>
-                        </a:rPr>
-                        <a:t>0</a:t>
-                      </a:r>
-                      <a:r>
-                        <a:rPr lang="en-US" sz="4000" dirty="0" smtClean="0">
-                          <a:latin typeface="Arial" panose="020B0604020202020204" pitchFamily="34" charset="0"/>
-                          <a:cs typeface="Arial" panose="020B0604020202020204" pitchFamily="34" charset="0"/>
-                        </a:rPr>
-                        <a:t>00</a:t>
-                      </a:r>
-                      <a:endParaRPr lang="en-US" sz="4000" dirty="0">
-                        <a:latin typeface="Arial" panose="020B0604020202020204" pitchFamily="34" charset="0"/>
-                        <a:cs typeface="Arial" panose="020B0604020202020204" pitchFamily="34" charset="0"/>
-                      </a:endParaRPr>
-                    </a:p>
-                  </a:txBody>
-                  <a:tcPr anchor="ctr">
-                    <a:lnL w="12700" cap="flat" cmpd="sng" algn="ctr">
-                      <a:noFill/>
-                      <a:prstDash val="solid"/>
-                      <a:round/>
-                      <a:headEnd type="none" w="med" len="med"/>
-                      <a:tailEnd type="none" w="med" len="med"/>
-                    </a:lnL>
-                    <a:lnR w="12700" cmpd="sng">
-                      <a:noFill/>
-                    </a:lnR>
-                    <a:lnT w="12700" cmpd="sng">
-                      <a:noFill/>
-                    </a:lnT>
-                    <a:lnB w="12700" cap="flat" cmpd="sng" algn="ctr">
-                      <a:solidFill>
-                        <a:schemeClr val="tx1"/>
-                      </a:solidFill>
-                      <a:prstDash val="solid"/>
-                      <a:round/>
-                      <a:headEnd type="none" w="med" len="med"/>
-                      <a:tailEnd type="none" w="med" len="med"/>
-                    </a:lnB>
-                    <a:lnTlToBr w="12700" cmpd="sng">
-                      <a:noFill/>
-                      <a:prstDash val="solid"/>
-                    </a:lnTlToBr>
-                    <a:lnBlToTr w="12700" cmpd="sng">
-                      <a:noFill/>
-                      <a:prstDash val="solid"/>
-                    </a:lnBlToTr>
-                  </a:tcPr>
-                </a:tc>
-                <a:extLst>
-                  <a:ext uri="{0D108BD9-81ED-4DB2-BD59-A6C34878D82A}">
-                    <a16:rowId xmlns:a16="http://schemas.microsoft.com/office/drawing/2014/main" val="2492025723"/>
-                  </a:ext>
-                </a:extLst>
-              </a:tr>
-              <a:tr h="738197">
-                <a:tc>
-                  <a:txBody>
-                    <a:bodyPr/>
-                    <a:lstStyle/>
-                    <a:p>
-                      <a:pPr algn="l"/>
-                      <a:r>
-                        <a:rPr lang="uk-UA" sz="4000" dirty="0" smtClean="0">
-                          <a:latin typeface="Arial" panose="020B0604020202020204" pitchFamily="34" charset="0"/>
-                          <a:cs typeface="Arial" panose="020B0604020202020204" pitchFamily="34" charset="0"/>
-                        </a:rPr>
-                        <a:t>розробка інтерфейсу</a:t>
-                      </a:r>
-                      <a:endParaRPr lang="en-US" sz="4000" dirty="0">
-                        <a:latin typeface="Arial" panose="020B0604020202020204" pitchFamily="34" charset="0"/>
-                        <a:cs typeface="Arial" panose="020B0604020202020204" pitchFamily="34" charset="0"/>
-                      </a:endParaRPr>
-                    </a:p>
-                  </a:txBody>
-                  <a:tcPr anchor="ctr">
-                    <a:lnL w="12700" cap="flat" cmpd="sng" algn="ctr">
-                      <a:noFill/>
-                      <a:prstDash val="solid"/>
-                      <a:round/>
-                      <a:headEnd type="none" w="med" len="med"/>
-                      <a:tailEnd type="none" w="med" len="med"/>
-                    </a:lnL>
-                    <a:lnR w="12700" cap="flat" cmpd="sng" algn="ctr">
-                      <a:noFill/>
-                      <a:prstDash val="solid"/>
-                      <a:round/>
-                      <a:headEnd type="none" w="med" len="med"/>
-                      <a:tailEnd type="none" w="med" len="med"/>
-                    </a:lnR>
-                    <a:lnT w="12700" cap="flat" cmpd="sng" algn="ctr">
-                      <a:solidFill>
-                        <a:schemeClr val="tx1"/>
-                      </a:solidFill>
-                      <a:prstDash val="solid"/>
-                      <a:round/>
-                      <a:headEnd type="none" w="med" len="med"/>
-                      <a:tailEnd type="none" w="med" len="med"/>
-                    </a:lnT>
-                    <a:lnB w="12700" cap="flat" cmpd="sng" algn="ctr">
-                      <a:noFill/>
-                      <a:prstDash val="solid"/>
-                      <a:round/>
-                      <a:headEnd type="none" w="med" len="med"/>
-                      <a:tailEnd type="none" w="med" len="med"/>
-                    </a:lnB>
-                    <a:lnTlToBr w="12700" cmpd="sng">
-                      <a:noFill/>
-                      <a:prstDash val="solid"/>
-                    </a:lnTlToBr>
-                    <a:lnBlToTr w="12700" cmpd="sng">
-                      <a:noFill/>
-                      <a:prstDash val="solid"/>
-                    </a:lnBlToTr>
-                  </a:tcPr>
-                </a:tc>
-                <a:tc>
-                  <a:txBody>
-                    <a:bodyPr/>
-                    <a:lstStyle/>
-                    <a:p>
-                      <a:pPr algn="l"/>
-                      <a:r>
-                        <a:rPr lang="en-US" sz="4000" dirty="0" smtClean="0">
-                          <a:latin typeface="Arial" panose="020B0604020202020204" pitchFamily="34" charset="0"/>
-                          <a:cs typeface="Arial" panose="020B0604020202020204" pitchFamily="34" charset="0"/>
-                        </a:rPr>
-                        <a:t>$</a:t>
-                      </a:r>
-                      <a:r>
-                        <a:rPr lang="uk-UA" sz="4000" dirty="0" smtClean="0">
-                          <a:latin typeface="Arial" panose="020B0604020202020204" pitchFamily="34" charset="0"/>
-                          <a:cs typeface="Arial" panose="020B0604020202020204" pitchFamily="34" charset="0"/>
-                        </a:rPr>
-                        <a:t>4,500</a:t>
-                      </a:r>
-                      <a:endParaRPr lang="en-US" sz="4000" dirty="0">
-                        <a:latin typeface="Arial" panose="020B0604020202020204" pitchFamily="34" charset="0"/>
-                        <a:cs typeface="Arial" panose="020B0604020202020204" pitchFamily="34" charset="0"/>
-                      </a:endParaRPr>
-                    </a:p>
-                  </a:txBody>
-                  <a:tcPr anchor="ctr">
-                    <a:lnL w="12700" cap="flat" cmpd="sng" algn="ctr">
-                      <a:noFill/>
-                      <a:prstDash val="solid"/>
-                      <a:round/>
-                      <a:headEnd type="none" w="med" len="med"/>
-                      <a:tailEnd type="none" w="med" len="med"/>
-                    </a:lnL>
-                    <a:lnR w="12700" cmpd="sng">
-                      <a:noFill/>
-                    </a:lnR>
-                    <a:lnT w="12700" cap="flat" cmpd="sng" algn="ctr">
-                      <a:solidFill>
-                        <a:schemeClr val="tx1"/>
-                      </a:solidFill>
-                      <a:prstDash val="solid"/>
-                      <a:round/>
-                      <a:headEnd type="none" w="med" len="med"/>
-                      <a:tailEnd type="none" w="med" len="med"/>
-                    </a:lnT>
-                    <a:lnB w="12700" cap="flat" cmpd="sng" algn="ctr">
-                      <a:noFill/>
-                      <a:prstDash val="solid"/>
-                      <a:round/>
-                      <a:headEnd type="none" w="med" len="med"/>
-                      <a:tailEnd type="none" w="med" len="med"/>
-                    </a:lnB>
-                    <a:lnTlToBr w="12700" cmpd="sng">
-                      <a:noFill/>
-                      <a:prstDash val="solid"/>
-                    </a:lnTlToBr>
-                    <a:lnBlToTr w="12700" cmpd="sng">
-                      <a:noFill/>
-                      <a:prstDash val="solid"/>
-                    </a:lnBlToTr>
-                  </a:tcPr>
-                </a:tc>
-                <a:extLst>
-                  <a:ext uri="{0D108BD9-81ED-4DB2-BD59-A6C34878D82A}">
-                    <a16:rowId xmlns:a16="http://schemas.microsoft.com/office/drawing/2014/main" val="3993862457"/>
-                  </a:ext>
-                </a:extLst>
-              </a:tr>
-            </a:tbl>
-          </a:graphicData>
-        </a:graphic>
-      </p:graphicFrame>
-      <p:sp>
-        <p:nvSpPr>
-          <p:cNvPr id="4" name="Rectangle 3"/>
-          <p:cNvSpPr/>
-          <p:nvPr/>
-        </p:nvSpPr>
-        <p:spPr>
-          <a:xfrm>
-            <a:off x="378830" y="3765033"/>
-            <a:ext cx="3304110" cy="707886"/>
-          </a:xfrm>
-          <a:prstGeom prst="rect">
-            <a:avLst/>
-          </a:prstGeom>
-        </p:spPr>
-        <p:txBody>
-          <a:bodyPr wrap="none">
-            <a:spAutoFit/>
-          </a:bodyPr>
-          <a:lstStyle/>
-          <a:p>
-            <a:pPr>
-              <a:spcBef>
-                <a:spcPts val="600"/>
-              </a:spcBef>
-              <a:defRPr sz="4000">
-                <a:latin typeface="Arial"/>
-                <a:ea typeface="Arial"/>
-                <a:cs typeface="Arial"/>
-                <a:sym typeface="Arial"/>
-              </a:defRPr>
-            </a:pPr>
-            <a:r>
-              <a:rPr lang="ru-RU" dirty="0"/>
-              <a:t>Сума: $7,500</a:t>
-            </a:r>
+            </a:lvl1pPr>
+          </a:lstStyle>
+          <a:p>
+            <a:r>
+              <a:rPr sz="4000" dirty="0"/>
+              <a:t>Сума: </a:t>
+            </a:r>
+            <a:r>
+              <a:rPr sz="4000" dirty="0" smtClean="0"/>
+              <a:t>$</a:t>
+            </a:r>
+            <a:r>
+              <a:rPr lang="uk-UA" sz="4000" dirty="0" smtClean="0"/>
+              <a:t>8</a:t>
+            </a:r>
+            <a:r>
+              <a:rPr sz="4000" dirty="0" smtClean="0"/>
+              <a:t>,</a:t>
+            </a:r>
+            <a:r>
+              <a:rPr lang="uk-UA" sz="4000" dirty="0" smtClean="0"/>
+              <a:t>0</a:t>
+            </a:r>
+            <a:r>
+              <a:rPr sz="4000" dirty="0" smtClean="0"/>
+              <a:t>00</a:t>
+            </a:r>
+            <a:endParaRPr sz="4000" dirty="0"/>
           </a:p>
         </p:txBody>
       </p:sp>
@@ -5129,6 +6327,13 @@
     <a:masterClrMapping/>
   </p:clrMapOvr>
   <p:transition spd="slow"/>
+  <p:timing>
+    <p:tnLst>
+      <p:par>
+        <p:cTn id="1" dur="indefinite" restart="never" nodeType="tmRoot"/>
+      </p:par>
+    </p:tnLst>
+  </p:timing>
 </p:sld>
 </file>
 
@@ -5169,7 +6374,7 @@
         </p:nvSpPr>
         <p:spPr>
           <a:xfrm>
-            <a:off x="406400" y="206494"/>
+            <a:off x="406400" y="194619"/>
             <a:ext cx="11176000" cy="841258"/>
           </a:xfrm>
           <a:prstGeom prst="rect">
@@ -5193,6 +6398,7 @@
           </a:lstStyle>
           <a:p>
             <a:r>
+              <a:rPr dirty="0"/>
               <a:t>ІДЕЯ</a:t>
             </a:r>
           </a:p>
@@ -5206,8 +6412,8 @@
         </p:nvSpPr>
         <p:spPr>
           <a:xfrm>
-            <a:off x="406400" y="3968640"/>
-            <a:ext cx="12120882" cy="3477871"/>
+            <a:off x="406399" y="1081135"/>
+            <a:ext cx="12228945" cy="3416316"/>
           </a:xfrm>
           <a:prstGeom prst="rect">
             <a:avLst/>
@@ -5217,17 +6423,23 @@
           </a:ln>
           <a:extLst>
             <a:ext uri="{C572A759-6A51-4108-AA02-DFA0A04FC94B}">
-              <ma14:wrappingTextBoxFlag xmlns:ma14="http://schemas.microsoft.com/office/mac/drawingml/2011/main" xmlns="" val="1"/>
+              <ma14:wrappingTextBoxFlag xmlns="" xmlns:ma14="http://schemas.microsoft.com/office/mac/drawingml/2011/main" val="1"/>
             </a:ext>
           </a:extLst>
         </p:spPr>
         <p:txBody>
-          <a:bodyPr lIns="45718" tIns="45718" rIns="45718" bIns="45718">
+          <a:bodyPr wrap="square" lIns="45718" tIns="45718" rIns="45718" bIns="45718">
             <a:spAutoFit/>
           </a:bodyPr>
           <a:lstStyle/>
           <a:p>
             <a:pPr>
+              <a:lnSpc>
+                <a:spcPct val="150000"/>
+              </a:lnSpc>
+              <a:spcBef>
+                <a:spcPts val="0"/>
+              </a:spcBef>
               <a:defRPr sz="4000">
                 <a:latin typeface="Arial"/>
                 <a:ea typeface="Arial"/>
@@ -5236,25 +6448,30 @@
               </a:defRPr>
             </a:pPr>
             <a:r>
-              <a:rPr lang="uk-UA" dirty="0" smtClean="0"/>
-              <a:t> Створення </a:t>
-            </a:r>
-            <a:r>
-              <a:rPr lang="en-US" dirty="0"/>
-              <a:t>Web-</a:t>
-            </a:r>
-            <a:r>
-              <a:rPr lang="ru-RU" dirty="0"/>
-              <a:t>біржі </a:t>
-            </a:r>
-            <a:r>
-              <a:rPr lang="ru-RU" dirty="0" smtClean="0"/>
-              <a:t>для ринку фрілансерів</a:t>
-            </a:r>
-            <a:endParaRPr lang="uk-UA" dirty="0" smtClean="0"/>
+              <a:rPr lang="uk-UA" sz="3600" dirty="0"/>
+              <a:t>Створення </a:t>
+            </a:r>
+            <a:r>
+              <a:rPr lang="en-US" sz="3600" dirty="0" smtClean="0"/>
+              <a:t>Web</a:t>
+            </a:r>
+            <a:r>
+              <a:rPr lang="uk-UA" sz="3600" dirty="0"/>
+              <a:t>-</a:t>
+            </a:r>
+            <a:r>
+              <a:rPr lang="ru-RU" sz="3600" dirty="0" smtClean="0"/>
+              <a:t>біржі для ринку фрілансу</a:t>
+            </a:r>
           </a:p>
           <a:p>
             <a:pPr>
+              <a:lnSpc>
+                <a:spcPct val="150000"/>
+              </a:lnSpc>
+              <a:spcBef>
+                <a:spcPts val="0"/>
+              </a:spcBef>
               <a:defRPr sz="4000">
                 <a:latin typeface="Arial"/>
                 <a:ea typeface="Arial"/>
@@ -5263,28 +6480,18 @@
               </a:defRPr>
             </a:pPr>
             <a:r>
-              <a:rPr lang="uk-UA" dirty="0" smtClean="0"/>
-              <a:t> </a:t>
-            </a:r>
-            <a:r>
-              <a:rPr dirty="0" err="1" smtClean="0"/>
-              <a:t>для</a:t>
-            </a:r>
-            <a:r>
-              <a:rPr dirty="0" smtClean="0"/>
-              <a:t> </a:t>
-            </a:r>
-            <a:r>
-              <a:rPr lang="uk-UA" dirty="0" smtClean="0"/>
-              <a:t>найму </a:t>
-            </a:r>
-            <a:r>
-              <a:rPr lang="uk-UA" dirty="0" smtClean="0"/>
-              <a:t>проектних команд. </a:t>
+              <a:rPr lang="ru-RU" sz="3600" dirty="0" smtClean="0"/>
+              <a:t>Сервіс орієнтований на різні галузі </a:t>
             </a:r>
           </a:p>
           <a:p>
             <a:pPr>
+              <a:lnSpc>
+                <a:spcPct val="150000"/>
+              </a:lnSpc>
+              <a:spcBef>
+                <a:spcPts val="0"/>
+              </a:spcBef>
               <a:defRPr sz="4000">
                 <a:latin typeface="Arial"/>
                 <a:ea typeface="Arial"/>
@@ -5293,25 +6500,10 @@
               </a:defRPr>
             </a:pPr>
             <a:r>
-              <a:rPr lang="uk-UA" dirty="0" smtClean="0"/>
-              <a:t> </a:t>
-            </a:r>
-            <a:r>
-              <a:rPr lang="ru-RU" dirty="0"/>
-              <a:t>різних галузей %продовжити%</a:t>
-            </a:r>
-            <a:endParaRPr lang="uk-UA" dirty="0" smtClean="0"/>
-          </a:p>
-          <a:p>
-            <a:pPr>
-              <a:defRPr sz="4000">
-                <a:latin typeface="Arial"/>
-                <a:ea typeface="Arial"/>
-                <a:cs typeface="Arial"/>
-                <a:sym typeface="Arial"/>
-              </a:defRPr>
-            </a:pPr>
-            <a:endParaRPr lang="uk-UA" dirty="0"/>
+              <a:rPr lang="ru-RU" sz="3600" dirty="0" smtClean="0"/>
+              <a:t>Він дозволить роботодавцям наймати проектні команди, а фрілансерам – організуватись в команди</a:t>
+            </a:r>
+            <a:endParaRPr lang="uk-UA" sz="3600" dirty="0"/>
           </a:p>
         </p:txBody>
       </p:sp>
@@ -5321,6 +6513,13 @@
     <a:masterClrMapping/>
   </p:clrMapOvr>
   <p:transition spd="slow"/>
+  <p:timing>
+    <p:tnLst>
+      <p:par>
+        <p:cTn id="1" dur="indefinite" restart="never" nodeType="tmRoot"/>
+      </p:par>
+    </p:tnLst>
+  </p:timing>
 </p:sld>
 </file>
 
@@ -5361,7 +6560,7 @@
         </p:nvSpPr>
         <p:spPr>
           <a:xfrm>
-            <a:off x="316085" y="253465"/>
+            <a:off x="399211" y="194088"/>
             <a:ext cx="11176007" cy="841257"/>
           </a:xfrm>
           <a:prstGeom prst="rect">
@@ -5385,6 +6584,7 @@
           </a:lstStyle>
           <a:p>
             <a:r>
+              <a:rPr dirty="0"/>
               <a:t>Проблема</a:t>
             </a:r>
           </a:p>
@@ -5402,15 +6602,15 @@
         </p:nvSpPr>
         <p:spPr>
           <a:xfrm>
-            <a:off x="316086" y="1250826"/>
-            <a:ext cx="12688714" cy="8759448"/>
+            <a:off x="399211" y="1260976"/>
+            <a:ext cx="12176755" cy="7669268"/>
           </a:xfrm>
           <a:prstGeom prst="rect">
             <a:avLst/>
           </a:prstGeom>
           <a:extLst>
             <a:ext uri="{C572A759-6A51-4108-AA02-DFA0A04FC94B}">
-              <ma14:wrappingTextBoxFlag xmlns:ma14="http://schemas.microsoft.com/office/mac/drawingml/2011/main" xmlns="" val="1"/>
+              <ma14:wrappingTextBoxFlag xmlns="" xmlns:ma14="http://schemas.microsoft.com/office/mac/drawingml/2011/main" val="1"/>
             </a:ext>
           </a:extLst>
         </p:spPr>
@@ -5421,149 +6621,6 @@
           <a:lstStyle/>
           <a:p>
             <a:pPr>
-              <a:lnSpc>
-                <a:spcPct val="100000"/>
-              </a:lnSpc>
-              <a:spcBef>
-                <a:spcPts val="2800"/>
-              </a:spcBef>
-              <a:defRPr sz="4000" cap="none">
-                <a:solidFill>
-                  <a:srgbClr val="222222"/>
-                </a:solidFill>
-                <a:latin typeface="Arial"/>
-                <a:ea typeface="Arial"/>
-                <a:cs typeface="Arial"/>
-                <a:sym typeface="Arial"/>
-              </a:defRPr>
-            </a:pPr>
-            <a:r>
-              <a:rPr lang="uk-UA" sz="3600" dirty="0" smtClean="0"/>
-              <a:t>Роботодавець</a:t>
-            </a:r>
-            <a:endParaRPr lang="uk-UA" sz="3600" dirty="0"/>
-          </a:p>
-          <a:p>
-            <a:pPr marL="571500" indent="-571500">
-              <a:lnSpc>
-                <a:spcPct val="100000"/>
-              </a:lnSpc>
-              <a:spcBef>
-                <a:spcPts val="600"/>
-              </a:spcBef>
-              <a:buFont typeface="Arial" panose="020B0604020202020204" pitchFamily="34" charset="0"/>
-              <a:buChar char="•"/>
-              <a:defRPr sz="4000" cap="none">
-                <a:solidFill>
-                  <a:srgbClr val="222222"/>
-                </a:solidFill>
-                <a:latin typeface="Arial"/>
-                <a:ea typeface="Arial"/>
-                <a:cs typeface="Arial"/>
-                <a:sym typeface="Arial"/>
-              </a:defRPr>
-            </a:pPr>
-            <a:r>
-              <a:rPr lang="uk-UA" sz="3600" dirty="0" smtClean="0"/>
-              <a:t>складність формування команди</a:t>
-            </a:r>
-          </a:p>
-          <a:p>
-            <a:pPr marL="571500" indent="-571500">
-              <a:lnSpc>
-                <a:spcPct val="100000"/>
-              </a:lnSpc>
-              <a:spcBef>
-                <a:spcPts val="600"/>
-              </a:spcBef>
-              <a:buFont typeface="Arial" panose="020B0604020202020204" pitchFamily="34" charset="0"/>
-              <a:buChar char="•"/>
-              <a:defRPr sz="4000" cap="none">
-                <a:solidFill>
-                  <a:srgbClr val="222222"/>
-                </a:solidFill>
-                <a:latin typeface="Arial"/>
-                <a:ea typeface="Arial"/>
-                <a:cs typeface="Arial"/>
-                <a:sym typeface="Arial"/>
-              </a:defRPr>
-            </a:pPr>
-            <a:r>
-              <a:rPr lang="uk-UA" sz="3600" dirty="0" smtClean="0"/>
-              <a:t>відповідальність </a:t>
-            </a:r>
-            <a:r>
-              <a:rPr lang="uk-UA" sz="3600" dirty="0"/>
-              <a:t>за управління командою </a:t>
-            </a:r>
-            <a:r>
-              <a:rPr lang="uk-UA" sz="3600" dirty="0" smtClean="0"/>
-              <a:t>фрілансерів</a:t>
-            </a:r>
-          </a:p>
-          <a:p>
-            <a:pPr marL="571500" indent="-571500">
-              <a:lnSpc>
-                <a:spcPct val="140000"/>
-              </a:lnSpc>
-              <a:spcBef>
-                <a:spcPts val="600"/>
-              </a:spcBef>
-              <a:buFont typeface="Arial" panose="020B0604020202020204" pitchFamily="34" charset="0"/>
-              <a:buChar char="•"/>
-              <a:defRPr sz="4000" cap="none">
-                <a:solidFill>
-                  <a:srgbClr val="222222"/>
-                </a:solidFill>
-                <a:latin typeface="Arial"/>
-                <a:ea typeface="Arial"/>
-                <a:cs typeface="Arial"/>
-                <a:sym typeface="Arial"/>
-              </a:defRPr>
-            </a:pPr>
-            <a:r>
-              <a:rPr lang="uk-UA" sz="3600" dirty="0"/>
-              <a:t>і</a:t>
-            </a:r>
-            <a:r>
-              <a:rPr lang="uk-UA" sz="3600" dirty="0" smtClean="0"/>
-              <a:t>ндивідуальні комунікації з кожним фрілансером</a:t>
-            </a:r>
-          </a:p>
-          <a:p>
-            <a:pPr marL="571500" indent="-571500">
-              <a:lnSpc>
-                <a:spcPct val="140000"/>
-              </a:lnSpc>
-              <a:spcBef>
-                <a:spcPts val="600"/>
-              </a:spcBef>
-              <a:spcAft>
-                <a:spcPts val="1200"/>
-              </a:spcAft>
-              <a:buFont typeface="Arial" panose="020B0604020202020204" pitchFamily="34" charset="0"/>
-              <a:buChar char="•"/>
-              <a:defRPr sz="4000" cap="none">
-                <a:solidFill>
-                  <a:srgbClr val="222222"/>
-                </a:solidFill>
-                <a:latin typeface="Arial"/>
-                <a:ea typeface="Arial"/>
-                <a:cs typeface="Arial"/>
-                <a:sym typeface="Arial"/>
-              </a:defRPr>
-            </a:pPr>
-            <a:r>
-              <a:rPr lang="uk-UA" sz="3600" dirty="0"/>
-              <a:t>п</a:t>
-            </a:r>
-            <a:r>
-              <a:rPr lang="uk-UA" sz="3600" dirty="0" smtClean="0"/>
-              <a:t>роведення інтеграції результатів роботи кожного фрілансера</a:t>
-            </a:r>
-          </a:p>
-          <a:p>
-            <a:pPr algn="just">
               <a:lnSpc>
                 <a:spcPct val="100000"/>
               </a:lnSpc>
@@ -5582,17 +6639,17 @@
             </a:pPr>
             <a:r>
               <a:rPr lang="uk-UA" sz="3600" dirty="0" smtClean="0"/>
-              <a:t>Фрілансер</a:t>
-            </a:r>
-            <a:endParaRPr lang="uk-UA" sz="3600" dirty="0" smtClean="0"/>
-          </a:p>
-          <a:p>
-            <a:pPr marL="571500" indent="-571500" algn="just">
+              <a:t>Роботодавець</a:t>
+            </a:r>
+            <a:endParaRPr lang="uk-UA" sz="3600" dirty="0"/>
+          </a:p>
+          <a:p>
+            <a:pPr marL="571500" indent="-571500">
               <a:lnSpc>
                 <a:spcPct val="100000"/>
               </a:lnSpc>
               <a:spcBef>
-                <a:spcPts val="2800"/>
+                <a:spcPts val="1200"/>
               </a:spcBef>
               <a:buFont typeface="Arial" panose="020B0604020202020204" pitchFamily="34" charset="0"/>
               <a:buChar char="•"/>
@@ -5607,25 +6664,18 @@
               </a:defRPr>
             </a:pPr>
             <a:r>
-              <a:rPr lang="uk-UA" sz="3600" dirty="0"/>
-              <a:t>р</a:t>
-            </a:r>
-            <a:r>
               <a:rPr lang="uk-UA" sz="3600" dirty="0" smtClean="0"/>
-              <a:t>обота з незнайомими фрілансерами</a:t>
-            </a:r>
-          </a:p>
-          <a:p>
-            <a:pPr marL="571500" indent="-571500" algn="just">
+              <a:t>складність формування команди</a:t>
+            </a:r>
+          </a:p>
+          <a:p>
+            <a:pPr marL="571500" indent="-571500">
               <a:lnSpc>
                 <a:spcPct val="100000"/>
               </a:lnSpc>
               <a:spcBef>
-                <a:spcPts val="2800"/>
+                <a:spcPts val="1200"/>
               </a:spcBef>
-              <a:spcAft>
-                <a:spcPts val="600"/>
-              </a:spcAft>
               <a:buFont typeface="Arial" panose="020B0604020202020204" pitchFamily="34" charset="0"/>
               <a:buChar char="•"/>
               <a:defRPr sz="4000" cap="none">
@@ -5640,28 +6690,25 @@
             </a:pPr>
             <a:r>
               <a:rPr lang="uk-UA" sz="3600" dirty="0" smtClean="0"/>
-              <a:t>складність </a:t>
+              <a:t>відповідальність </a:t>
+            </a:r>
+            <a:r>
+              <a:rPr lang="uk-UA" sz="3600" dirty="0"/>
+              <a:t>за управління командою </a:t>
             </a:r>
             <a:r>
               <a:rPr lang="uk-UA" sz="3600" dirty="0" smtClean="0"/>
-              <a:t>попасти в команд</a:t>
-            </a:r>
-            <a:r>
-              <a:rPr lang="uk-UA" sz="3600" dirty="0" smtClean="0"/>
-              <a:t>и</a:t>
-            </a:r>
-          </a:p>
-          <a:p>
-            <a:pPr marL="571500" indent="-571500" algn="just">
+              <a:t>фрілансерів</a:t>
+            </a:r>
+          </a:p>
+          <a:p>
+            <a:pPr marL="571500" indent="-571500">
               <a:lnSpc>
                 <a:spcPct val="100000"/>
               </a:lnSpc>
               <a:spcBef>
                 <a:spcPts val="1200"/>
               </a:spcBef>
-              <a:spcAft>
-                <a:spcPts val="3600"/>
-              </a:spcAft>
               <a:buFont typeface="Arial" panose="020B0604020202020204" pitchFamily="34" charset="0"/>
               <a:buChar char="•"/>
               <a:defRPr sz="4000" cap="none">
@@ -5676,6 +6723,141 @@
             </a:pPr>
             <a:r>
               <a:rPr lang="uk-UA" sz="3600" dirty="0"/>
+              <a:t>і</a:t>
+            </a:r>
+            <a:r>
+              <a:rPr lang="uk-UA" sz="3600" dirty="0" smtClean="0"/>
+              <a:t>ндивідуальні комунікації з кожним фрілансером</a:t>
+            </a:r>
+          </a:p>
+          <a:p>
+            <a:pPr marL="571500" indent="-571500">
+              <a:lnSpc>
+                <a:spcPct val="100000"/>
+              </a:lnSpc>
+              <a:spcBef>
+                <a:spcPts val="1200"/>
+              </a:spcBef>
+              <a:buFont typeface="Arial" panose="020B0604020202020204" pitchFamily="34" charset="0"/>
+              <a:buChar char="•"/>
+              <a:defRPr sz="4000" cap="none">
+                <a:solidFill>
+                  <a:srgbClr val="222222"/>
+                </a:solidFill>
+                <a:latin typeface="Arial"/>
+                <a:ea typeface="Arial"/>
+                <a:cs typeface="Arial"/>
+                <a:sym typeface="Arial"/>
+              </a:defRPr>
+            </a:pPr>
+            <a:r>
+              <a:rPr lang="uk-UA" sz="3600" dirty="0"/>
+              <a:t>п</a:t>
+            </a:r>
+            <a:r>
+              <a:rPr lang="uk-UA" sz="3600" dirty="0" smtClean="0"/>
+              <a:t>роведення інтеграції результатів роботи кожного фрілансера</a:t>
+            </a:r>
+          </a:p>
+          <a:p>
+            <a:pPr algn="just">
+              <a:lnSpc>
+                <a:spcPct val="100000"/>
+              </a:lnSpc>
+              <a:spcBef>
+                <a:spcPts val="1800"/>
+              </a:spcBef>
+              <a:defRPr sz="4000" cap="none">
+                <a:solidFill>
+                  <a:srgbClr val="222222"/>
+                </a:solidFill>
+                <a:latin typeface="Arial"/>
+                <a:ea typeface="Arial"/>
+                <a:cs typeface="Arial"/>
+                <a:sym typeface="Arial"/>
+              </a:defRPr>
+            </a:pPr>
+            <a:r>
+              <a:rPr lang="uk-UA" sz="3600" dirty="0" smtClean="0"/>
+              <a:t>Фрілансер</a:t>
+            </a:r>
+          </a:p>
+          <a:p>
+            <a:pPr marL="571500" indent="-571500" algn="just">
+              <a:lnSpc>
+                <a:spcPct val="100000"/>
+              </a:lnSpc>
+              <a:spcBef>
+                <a:spcPts val="1200"/>
+              </a:spcBef>
+              <a:buFont typeface="Arial" panose="020B0604020202020204" pitchFamily="34" charset="0"/>
+              <a:buChar char="•"/>
+              <a:defRPr sz="4000" cap="none">
+                <a:solidFill>
+                  <a:srgbClr val="222222"/>
+                </a:solidFill>
+                <a:latin typeface="Arial"/>
+                <a:ea typeface="Arial"/>
+                <a:cs typeface="Arial"/>
+                <a:sym typeface="Arial"/>
+              </a:defRPr>
+            </a:pPr>
+            <a:r>
+              <a:rPr lang="uk-UA" sz="3600" dirty="0"/>
+              <a:t>р</a:t>
+            </a:r>
+            <a:r>
+              <a:rPr lang="uk-UA" sz="3600" dirty="0" smtClean="0"/>
+              <a:t>обота з незнайомими фрілансерами</a:t>
+            </a:r>
+          </a:p>
+          <a:p>
+            <a:pPr marL="571500" indent="-571500" algn="just">
+              <a:lnSpc>
+                <a:spcPct val="100000"/>
+              </a:lnSpc>
+              <a:spcBef>
+                <a:spcPts val="1200"/>
+              </a:spcBef>
+              <a:buFont typeface="Arial" panose="020B0604020202020204" pitchFamily="34" charset="0"/>
+              <a:buChar char="•"/>
+              <a:defRPr sz="4000" cap="none">
+                <a:solidFill>
+                  <a:srgbClr val="222222"/>
+                </a:solidFill>
+                <a:latin typeface="Arial"/>
+                <a:ea typeface="Arial"/>
+                <a:cs typeface="Arial"/>
+                <a:sym typeface="Arial"/>
+              </a:defRPr>
+            </a:pPr>
+            <a:r>
+              <a:rPr lang="uk-UA" sz="3600" dirty="0" smtClean="0"/>
+              <a:t>складність попасти в команди</a:t>
+            </a:r>
+          </a:p>
+          <a:p>
+            <a:pPr marL="571500" indent="-571500" algn="just">
+              <a:lnSpc>
+                <a:spcPct val="100000"/>
+              </a:lnSpc>
+              <a:spcBef>
+                <a:spcPts val="1200"/>
+              </a:spcBef>
+              <a:buFont typeface="Arial" panose="020B0604020202020204" pitchFamily="34" charset="0"/>
+              <a:buChar char="•"/>
+              <a:defRPr sz="4000" cap="none">
+                <a:solidFill>
+                  <a:srgbClr val="222222"/>
+                </a:solidFill>
+                <a:latin typeface="Arial"/>
+                <a:ea typeface="Arial"/>
+                <a:cs typeface="Arial"/>
+                <a:sym typeface="Arial"/>
+              </a:defRPr>
+            </a:pPr>
+            <a:r>
+              <a:rPr lang="uk-UA" sz="3600" dirty="0"/>
               <a:t>в</a:t>
             </a:r>
             <a:r>
@@ -5691,6 +6873,13 @@
     <a:masterClrMapping/>
   </p:clrMapOvr>
   <p:transition spd="slow"/>
+  <p:timing>
+    <p:tnLst>
+      <p:par>
+        <p:cTn id="1" dur="indefinite" restart="never" nodeType="tmRoot"/>
+      </p:par>
+    </p:tnLst>
+  </p:timing>
 </p:sld>
 </file>
 
@@ -5731,7 +6920,7 @@
         </p:nvSpPr>
         <p:spPr>
           <a:xfrm>
-            <a:off x="406400" y="308328"/>
+            <a:off x="397150" y="201449"/>
             <a:ext cx="11176000" cy="841257"/>
           </a:xfrm>
           <a:prstGeom prst="rect">
@@ -5755,6 +6944,7 @@
           </a:lstStyle>
           <a:p>
             <a:r>
+              <a:rPr dirty="0"/>
               <a:t>РІШЕННЯ</a:t>
             </a:r>
           </a:p>
@@ -5772,7 +6962,7 @@
         </p:nvSpPr>
         <p:spPr>
           <a:xfrm>
-            <a:off x="397150" y="1480528"/>
+            <a:off x="397150" y="1254900"/>
             <a:ext cx="12393380" cy="7681760"/>
           </a:xfrm>
           <a:prstGeom prst="rect">
@@ -5780,13 +6970,13 @@
           </a:prstGeom>
           <a:extLst>
             <a:ext uri="{C572A759-6A51-4108-AA02-DFA0A04FC94B}">
-              <ma14:wrappingTextBoxFlag xmlns:ma14="http://schemas.microsoft.com/office/mac/drawingml/2011/main" xmlns="" val="1"/>
+              <ma14:wrappingTextBoxFlag xmlns="" xmlns:ma14="http://schemas.microsoft.com/office/mac/drawingml/2011/main" val="1"/>
             </a:ext>
           </a:extLst>
         </p:spPr>
         <p:txBody>
           <a:bodyPr>
-            <a:normAutofit lnSpcReduction="10000"/>
+            <a:normAutofit/>
           </a:bodyPr>
           <a:lstStyle/>
           <a:p>
@@ -5795,7 +6985,7 @@
                 <a:spcPct val="100000"/>
               </a:lnSpc>
               <a:spcBef>
-                <a:spcPts val="2800"/>
+                <a:spcPts val="1800"/>
               </a:spcBef>
               <a:defRPr sz="4000" cap="none">
                 <a:solidFill>
@@ -5808,8 +6998,8 @@
               </a:defRPr>
             </a:pPr>
             <a:r>
-              <a:rPr lang="uk-UA" sz="3600" dirty="0"/>
-              <a:t>Роботодавець </a:t>
+              <a:rPr lang="uk-UA" sz="3600" dirty="0" smtClean="0"/>
+              <a:t>Роботодавець</a:t>
             </a:r>
             <a:endParaRPr lang="uk-UA" sz="3600" dirty="0" smtClean="0"/>
           </a:p>
@@ -5819,7 +7009,7 @@
                 <a:spcPct val="100000"/>
               </a:lnSpc>
               <a:spcBef>
-                <a:spcPts val="2800"/>
+                <a:spcPts val="1800"/>
               </a:spcBef>
               <a:defRPr sz="4000" cap="none">
                 <a:solidFill>
@@ -5839,7 +7029,6 @@
               <a:rPr lang="uk-UA" sz="3600" dirty="0" smtClean="0"/>
               <a:t>ередає менеджеру команди</a:t>
             </a:r>
-            <a:endParaRPr lang="uk-UA" sz="3600" dirty="0" smtClean="0"/>
           </a:p>
           <a:p>
             <a:pPr marL="571500" indent="-571500">
@@ -5847,7 +7036,7 @@
                 <a:spcPct val="100000"/>
               </a:lnSpc>
               <a:spcBef>
-                <a:spcPts val="2800"/>
+                <a:spcPts val="1200"/>
               </a:spcBef>
               <a:buFont typeface="Arial" panose="020B0604020202020204" pitchFamily="34" charset="0"/>
               <a:buChar char="•"/>
@@ -5863,11 +7052,7 @@
             </a:pPr>
             <a:r>
               <a:rPr lang="uk-UA" sz="3600" dirty="0" smtClean="0"/>
-              <a:t>ф</a:t>
-            </a:r>
-            <a:r>
-              <a:rPr lang="uk-UA" sz="3600" dirty="0" smtClean="0"/>
-              <a:t>ункції </a:t>
+              <a:t>функції </a:t>
             </a:r>
             <a:r>
               <a:rPr lang="ru-RU" sz="3600" dirty="0" smtClean="0"/>
@@ -5884,7 +7069,7 @@
                 <a:spcPct val="100000"/>
               </a:lnSpc>
               <a:spcBef>
-                <a:spcPts val="2800"/>
+                <a:spcPts val="1200"/>
               </a:spcBef>
               <a:buFont typeface="Arial" panose="020B0604020202020204" pitchFamily="34" charset="0"/>
               <a:buChar char="•"/>
@@ -5913,7 +7098,7 @@
                 <a:spcPct val="100000"/>
               </a:lnSpc>
               <a:spcBef>
-                <a:spcPts val="2800"/>
+                <a:spcPts val="1200"/>
               </a:spcBef>
               <a:buFont typeface="Arial" panose="020B0604020202020204" pitchFamily="34" charset="0"/>
               <a:buChar char="•"/>
@@ -5943,7 +7128,7 @@
                 <a:spcPct val="100000"/>
               </a:lnSpc>
               <a:spcBef>
-                <a:spcPts val="2800"/>
+                <a:spcPts val="1800"/>
               </a:spcBef>
               <a:defRPr sz="4000" cap="none">
                 <a:solidFill>
@@ -5957,8 +7142,9 @@
             </a:pPr>
             <a:r>
               <a:rPr lang="uk-UA" sz="3600" dirty="0" smtClean="0"/>
-              <a:t>Фрілансер </a:t>
-            </a:r>
+              <a:t>Фрілансер</a:t>
+            </a:r>
+            <a:endParaRPr lang="uk-UA" sz="3600" dirty="0" smtClean="0"/>
           </a:p>
           <a:p>
             <a:pPr marL="571500" indent="-571500">
@@ -5966,7 +7152,7 @@
                 <a:spcPct val="100000"/>
               </a:lnSpc>
               <a:spcBef>
-                <a:spcPts val="2800"/>
+                <a:spcPts val="1200"/>
               </a:spcBef>
               <a:buFont typeface="Arial" panose="020B0604020202020204" pitchFamily="34" charset="0"/>
               <a:buChar char="•"/>
@@ -5995,7 +7181,7 @@
                 <a:spcPct val="100000"/>
               </a:lnSpc>
               <a:spcBef>
-                <a:spcPts val="2800"/>
+                <a:spcPts val="1200"/>
               </a:spcBef>
               <a:buFont typeface="Arial" panose="020B0604020202020204" pitchFamily="34" charset="0"/>
               <a:buChar char="•"/>
@@ -6011,11 +7197,7 @@
             </a:pPr>
             <a:r>
               <a:rPr lang="uk-UA" sz="3600" dirty="0" smtClean="0"/>
-              <a:t>п</a:t>
-            </a:r>
-            <a:r>
-              <a:rPr lang="uk-UA" sz="3600" dirty="0" smtClean="0"/>
-              <a:t>раця згідно з правилами команди</a:t>
+              <a:t>праця згідно з правилами команди</a:t>
             </a:r>
           </a:p>
           <a:p>
@@ -6024,7 +7206,7 @@
                 <a:spcPct val="100000"/>
               </a:lnSpc>
               <a:spcBef>
-                <a:spcPts val="2800"/>
+                <a:spcPts val="1200"/>
               </a:spcBef>
               <a:buFont typeface="Arial" panose="020B0604020202020204" pitchFamily="34" charset="0"/>
               <a:buChar char="•"/>
@@ -6042,7 +7224,6 @@
               <a:rPr lang="uk-UA" sz="3600" dirty="0" smtClean="0"/>
               <a:t>репутація в команді гарантує подальшу співпрацю</a:t>
             </a:r>
-            <a:endParaRPr lang="uk-UA" sz="3600" dirty="0" smtClean="0"/>
           </a:p>
           <a:p>
             <a:pPr marL="571500" indent="-571500">
@@ -6074,6 +7255,13 @@
     <a:masterClrMapping/>
   </p:clrMapOvr>
   <p:transition spd="slow"/>
+  <p:timing>
+    <p:tnLst>
+      <p:par>
+        <p:cTn id="1" dur="indefinite" restart="never" nodeType="tmRoot"/>
+      </p:par>
+    </p:tnLst>
+  </p:timing>
 </p:sld>
 </file>
 
@@ -6158,8 +7346,8 @@
         </p:nvSpPr>
         <p:spPr>
           <a:xfrm>
-            <a:off x="395423" y="196611"/>
-            <a:ext cx="11176007" cy="952973"/>
+            <a:off x="395423" y="312253"/>
+            <a:ext cx="11176007" cy="730456"/>
           </a:xfrm>
           <a:prstGeom prst="rect">
             <a:avLst/>
@@ -6169,7 +7357,7 @@
           </a:ln>
           <a:extLst>
             <a:ext uri="{C572A759-6A51-4108-AA02-DFA0A04FC94B}">
-              <ma14:wrappingTextBoxFlag xmlns:ma14="http://schemas.microsoft.com/office/mac/drawingml/2011/main" xmlns="" val="1"/>
+              <ma14:wrappingTextBoxFlag xmlns="" xmlns:ma14="http://schemas.microsoft.com/office/mac/drawingml/2011/main" val="1"/>
             </a:ext>
           </a:extLst>
         </p:spPr>
@@ -6198,7 +7386,7 @@
           </a:lstStyle>
           <a:p>
             <a:r>
-              <a:rPr dirty="0"/>
+              <a:rPr sz="5100" dirty="0"/>
               <a:t>Конкуренти</a:t>
             </a:r>
           </a:p>
@@ -6211,14 +7399,14 @@
           <p:nvPr>
             <p:extLst>
               <p:ext uri="{D42A27DB-BD31-4B8C-83A1-F6EECF244321}">
-                <p14:modId xmlns:p14="http://schemas.microsoft.com/office/powerpoint/2010/main" val="2861700511"/>
+                <p14:modId xmlns:p14="http://schemas.microsoft.com/office/powerpoint/2010/main" val="3149230588"/>
               </p:ext>
             </p:extLst>
           </p:nvPr>
         </p:nvGraphicFramePr>
         <p:xfrm>
-          <a:off x="395421" y="1438340"/>
-          <a:ext cx="12187970" cy="6851194"/>
+          <a:off x="407296" y="1343340"/>
+          <a:ext cx="12187970" cy="7958849"/>
         </p:xfrm>
         <a:graphic>
           <a:graphicData uri="http://schemas.openxmlformats.org/drawingml/2006/table">
@@ -6256,13 +7444,13 @@
                   </a:extLst>
                 </a:gridCol>
               </a:tblGrid>
-              <a:tr h="1675690">
+              <a:tr h="1387987">
                 <a:tc>
                   <a:txBody>
                     <a:bodyPr/>
                     <a:lstStyle/>
                     <a:p>
-                      <a:pPr>
+                      <a:pPr algn="r">
                         <a:defRPr>
                           <a:latin typeface="Arial"/>
                           <a:ea typeface="Arial"/>
@@ -6270,10 +7458,20 @@
                           <a:sym typeface="Arial"/>
                         </a:defRPr>
                       </a:pPr>
-                      <a:endParaRPr/>
+                      <a:endParaRPr lang="uk-UA" sz="2800" dirty="0" smtClean="0"/>
                     </a:p>
                   </a:txBody>
-                  <a:tcPr marL="45720" marR="45720" horzOverflow="overflow"/>
+                  <a:tcPr marL="45720" marR="45720" horzOverflow="overflow">
+                    <a:lnTlToBr w="12700" cap="flat" cmpd="sng" algn="ctr">
+                      <a:solidFill>
+                        <a:schemeClr val="tx1"/>
+                      </a:solidFill>
+                      <a:prstDash val="solid"/>
+                      <a:round/>
+                      <a:headEnd type="none" w="med" len="med"/>
+                      <a:tailEnd type="none" w="med" len="med"/>
+                    </a:lnTlToBr>
+                  </a:tcPr>
                 </a:tc>
                 <a:tc>
                   <a:txBody>
@@ -6288,7 +7486,7 @@
                         </a:defRPr>
                       </a:pPr>
                       <a:r>
-                        <a:rPr sz="3600" dirty="0">
+                        <a:rPr sz="2800" dirty="0">
                           <a:solidFill>
                             <a:srgbClr val="222222"/>
                           </a:solidFill>
@@ -6316,7 +7514,7 @@
                         </a:defRPr>
                       </a:pPr>
                       <a:r>
-                        <a:rPr sz="3600" dirty="0">
+                        <a:rPr sz="2800" dirty="0">
                           <a:solidFill>
                             <a:srgbClr val="222222"/>
                           </a:solidFill>
@@ -6344,7 +7542,7 @@
                         </a:defRPr>
                       </a:pPr>
                       <a:r>
-                        <a:rPr sz="3600" dirty="0">
+                        <a:rPr sz="2800" dirty="0">
                           <a:solidFill>
                             <a:srgbClr val="222222"/>
                           </a:solidFill>
@@ -6365,34 +7563,37 @@
                   </a:ext>
                 </a:extLst>
               </a:tr>
-              <a:tr h="1675690">
+              <a:tr h="1543792">
                 <a:tc>
                   <a:txBody>
                     <a:bodyPr/>
                     <a:lstStyle/>
                     <a:p>
-                      <a:pPr algn="ctr">
+                      <a:pPr algn="l">
+                        <a:lnSpc>
+                          <a:spcPct val="100000"/>
+                        </a:lnSpc>
+                        <a:spcBef>
+                          <a:spcPts val="600"/>
+                        </a:spcBef>
                         <a:defRPr sz="1800">
                           <a:solidFill>
                             <a:srgbClr val="000000"/>
                           </a:solidFill>
                         </a:defRPr>
                       </a:pPr>
-                      <a:r>
-                        <a:rPr sz="3600" dirty="0">
-                          <a:solidFill>
-                            <a:srgbClr val="222222"/>
-                          </a:solidFill>
-                          <a:latin typeface="Arial"/>
-                          <a:ea typeface="Arial"/>
-                          <a:cs typeface="Arial"/>
-                          <a:sym typeface="Arial"/>
-                        </a:rPr>
-                        <a:t>Об’єднання в команди</a:t>
-                      </a:r>
+                      <a:endParaRPr sz="2800" dirty="0">
+                        <a:solidFill>
+                          <a:srgbClr val="222222"/>
+                        </a:solidFill>
+                        <a:latin typeface="Arial"/>
+                        <a:ea typeface="Arial"/>
+                        <a:cs typeface="Arial"/>
+                        <a:sym typeface="Arial"/>
+                      </a:endParaRPr>
                     </a:p>
                   </a:txBody>
-                  <a:tcPr marL="45720" marR="45720" anchor="ctr" horzOverflow="overflow"/>
+                  <a:tcPr marL="137160" marR="137160" marT="137160" marB="137160" anchor="ctr" horzOverflow="overflow"/>
                 </a:tc>
                 <a:tc>
                   <a:txBody>
@@ -6406,21 +7607,18 @@
                           </a:solidFill>
                         </a:defRPr>
                       </a:pPr>
-                      <a:r>
-                        <a:rPr sz="13400" dirty="0">
-                          <a:solidFill>
-                            <a:srgbClr val="00B050"/>
-                          </a:solidFill>
-                          <a:latin typeface="Arial"/>
-                          <a:ea typeface="Arial"/>
-                          <a:cs typeface="Arial"/>
-                          <a:sym typeface="Arial"/>
-                        </a:rPr>
-                        <a:t>+</a:t>
-                      </a:r>
+                      <a:endParaRPr sz="2800" dirty="0">
+                        <a:solidFill>
+                          <a:srgbClr val="00B050"/>
+                        </a:solidFill>
+                        <a:latin typeface="Arial"/>
+                        <a:ea typeface="Arial"/>
+                        <a:cs typeface="Arial"/>
+                        <a:sym typeface="Arial"/>
+                      </a:endParaRPr>
                     </a:p>
                   </a:txBody>
-                  <a:tcPr marL="45720" marR="45720" anchor="ctr" horzOverflow="overflow"/>
+                  <a:tcPr marL="137160" marR="137160" marT="137160" marB="137160" anchor="ctr" horzOverflow="overflow"/>
                 </a:tc>
                 <a:tc>
                   <a:txBody>
@@ -6434,21 +7632,18 @@
                           </a:solidFill>
                         </a:defRPr>
                       </a:pPr>
-                      <a:r>
-                        <a:rPr sz="13400" dirty="0">
-                          <a:solidFill>
-                            <a:srgbClr val="770F14"/>
-                          </a:solidFill>
-                          <a:latin typeface="Arial"/>
-                          <a:ea typeface="Arial"/>
-                          <a:cs typeface="Arial"/>
-                          <a:sym typeface="Arial"/>
-                        </a:rPr>
-                        <a:t>-</a:t>
-                      </a:r>
+                      <a:endParaRPr sz="2800" dirty="0">
+                        <a:solidFill>
+                          <a:srgbClr val="770F14"/>
+                        </a:solidFill>
+                        <a:latin typeface="Arial"/>
+                        <a:ea typeface="Arial"/>
+                        <a:cs typeface="Arial"/>
+                        <a:sym typeface="Arial"/>
+                      </a:endParaRPr>
                     </a:p>
                   </a:txBody>
-                  <a:tcPr marL="45720" marR="45720" anchor="ctr" horzOverflow="overflow"/>
+                  <a:tcPr marL="137160" marR="137160" marT="137160" marB="137160" anchor="ctr" horzOverflow="overflow"/>
                 </a:tc>
                 <a:tc>
                   <a:txBody>
@@ -6462,21 +7657,134 @@
                           </a:solidFill>
                         </a:defRPr>
                       </a:pPr>
+                      <a:endParaRPr sz="2800" dirty="0">
+                        <a:solidFill>
+                          <a:srgbClr val="00B050"/>
+                        </a:solidFill>
+                        <a:latin typeface="Arial"/>
+                        <a:ea typeface="Arial"/>
+                        <a:cs typeface="Arial"/>
+                        <a:sym typeface="Arial"/>
+                      </a:endParaRPr>
+                    </a:p>
+                  </a:txBody>
+                  <a:tcPr marL="137160" marR="137160" marT="137160" marB="137160" anchor="ctr" horzOverflow="overflow"/>
+                </a:tc>
+                <a:extLst>
+                  <a:ext uri="{0D108BD9-81ED-4DB2-BD59-A6C34878D82A}">
+                    <a16:rowId xmlns:a16="http://schemas.microsoft.com/office/drawing/2014/main" val="2684082299"/>
+                  </a:ext>
+                </a:extLst>
+              </a:tr>
+              <a:tr h="1675690">
+                <a:tc>
+                  <a:txBody>
+                    <a:bodyPr/>
+                    <a:lstStyle/>
+                    <a:p>
+                      <a:pPr algn="l">
+                        <a:lnSpc>
+                          <a:spcPct val="100000"/>
+                        </a:lnSpc>
+                        <a:spcBef>
+                          <a:spcPts val="600"/>
+                        </a:spcBef>
+                        <a:defRPr sz="1800">
+                          <a:solidFill>
+                            <a:srgbClr val="000000"/>
+                          </a:solidFill>
+                        </a:defRPr>
+                      </a:pPr>
                       <a:r>
-                        <a:rPr sz="13400" dirty="0">
+                        <a:rPr sz="2800" dirty="0">
                           <a:solidFill>
-                            <a:srgbClr val="00B050"/>
+                            <a:srgbClr val="222222"/>
                           </a:solidFill>
                           <a:latin typeface="Arial"/>
                           <a:ea typeface="Arial"/>
                           <a:cs typeface="Arial"/>
                           <a:sym typeface="Arial"/>
                         </a:rPr>
-                        <a:t>+</a:t>
+                        <a:t>Об’єднання в команди</a:t>
                       </a:r>
                     </a:p>
                   </a:txBody>
-                  <a:tcPr marL="45720" marR="45720" anchor="ctr" horzOverflow="overflow"/>
+                  <a:tcPr marL="137160" marR="137160" marT="137160" marB="137160" anchor="ctr" horzOverflow="overflow"/>
+                </a:tc>
+                <a:tc>
+                  <a:txBody>
+                    <a:bodyPr/>
+                    <a:lstStyle/>
+                    <a:p>
+                      <a:pPr algn="ctr">
+                        <a:defRPr sz="1800">
+                          <a:solidFill>
+                            <a:srgbClr val="000000"/>
+                          </a:solidFill>
+                        </a:defRPr>
+                      </a:pPr>
+                      <a:endParaRPr sz="2800" dirty="0">
+                        <a:solidFill>
+                          <a:srgbClr val="00B050"/>
+                        </a:solidFill>
+                        <a:latin typeface="Arial"/>
+                        <a:ea typeface="Arial"/>
+                        <a:cs typeface="Arial"/>
+                        <a:sym typeface="Arial"/>
+                      </a:endParaRPr>
+                    </a:p>
+                  </a:txBody>
+                  <a:tcPr marL="137160" marR="137160" marT="137160" marB="137160" anchor="ctr" horzOverflow="overflow"/>
+                </a:tc>
+                <a:tc>
+                  <a:txBody>
+                    <a:bodyPr/>
+                    <a:lstStyle/>
+                    <a:p>
+                      <a:pPr algn="ctr">
+                        <a:defRPr sz="1800">
+                          <a:solidFill>
+                            <a:srgbClr val="000000"/>
+                          </a:solidFill>
+                        </a:defRPr>
+                      </a:pPr>
+                      <a:endParaRPr sz="2800" dirty="0">
+                        <a:solidFill>
+                          <a:srgbClr val="770F14"/>
+                        </a:solidFill>
+                        <a:latin typeface="Arial"/>
+                        <a:ea typeface="Arial"/>
+                        <a:cs typeface="Arial"/>
+                        <a:sym typeface="Arial"/>
+                      </a:endParaRPr>
+                    </a:p>
+                  </a:txBody>
+                  <a:tcPr marL="137160" marR="137160" marT="137160" marB="137160" anchor="ctr" horzOverflow="overflow"/>
+                </a:tc>
+                <a:tc>
+                  <a:txBody>
+                    <a:bodyPr/>
+                    <a:lstStyle/>
+                    <a:p>
+                      <a:pPr algn="ctr">
+                        <a:defRPr sz="1800">
+                          <a:solidFill>
+                            <a:srgbClr val="000000"/>
+                          </a:solidFill>
+                        </a:defRPr>
+                      </a:pPr>
+                      <a:endParaRPr sz="2800" dirty="0">
+                        <a:solidFill>
+                          <a:srgbClr val="00B050"/>
+                        </a:solidFill>
+                        <a:latin typeface="Arial"/>
+                        <a:ea typeface="Arial"/>
+                        <a:cs typeface="Arial"/>
+                        <a:sym typeface="Arial"/>
+                      </a:endParaRPr>
+                    </a:p>
+                  </a:txBody>
+                  <a:tcPr marL="137160" marR="137160" marT="137160" marB="137160" anchor="ctr" horzOverflow="overflow"/>
                 </a:tc>
                 <a:extLst>
                   <a:ext uri="{0D108BD9-81ED-4DB2-BD59-A6C34878D82A}">
@@ -6490,7 +7798,13 @@
                     <a:bodyPr/>
                     <a:lstStyle/>
                     <a:p>
-                      <a:pPr algn="ctr">
+                      <a:pPr algn="l">
+                        <a:lnSpc>
+                          <a:spcPct val="100000"/>
+                        </a:lnSpc>
+                        <a:spcBef>
+                          <a:spcPts val="600"/>
+                        </a:spcBef>
                         <a:defRPr sz="1800">
                           <a:solidFill>
                             <a:srgbClr val="000000"/>
@@ -6498,7 +7812,7 @@
                         </a:defRPr>
                       </a:pPr>
                       <a:r>
-                        <a:rPr sz="3600" dirty="0">
+                        <a:rPr sz="2800" dirty="0">
                           <a:solidFill>
                             <a:srgbClr val="222222"/>
                           </a:solidFill>
@@ -6511,7 +7825,7 @@
                       </a:r>
                     </a:p>
                   </a:txBody>
-                  <a:tcPr marL="45720" marR="45720" anchor="ctr" horzOverflow="overflow"/>
+                  <a:tcPr marL="137160" marR="137160" marT="137160" marB="137160" anchor="ctr" horzOverflow="overflow"/>
                 </a:tc>
                 <a:tc>
                   <a:txBody>
@@ -6525,21 +7839,18 @@
                           </a:solidFill>
                         </a:defRPr>
                       </a:pPr>
-                      <a:r>
-                        <a:rPr sz="13400" dirty="0">
-                          <a:solidFill>
-                            <a:srgbClr val="770F14"/>
-                          </a:solidFill>
-                          <a:latin typeface="Arial"/>
-                          <a:ea typeface="Arial"/>
-                          <a:cs typeface="Arial"/>
-                          <a:sym typeface="Arial"/>
-                        </a:rPr>
-                        <a:t>-</a:t>
-                      </a:r>
+                      <a:endParaRPr sz="2800" dirty="0">
+                        <a:solidFill>
+                          <a:srgbClr val="770F14"/>
+                        </a:solidFill>
+                        <a:latin typeface="Arial"/>
+                        <a:ea typeface="Arial"/>
+                        <a:cs typeface="Arial"/>
+                        <a:sym typeface="Arial"/>
+                      </a:endParaRPr>
                     </a:p>
                   </a:txBody>
-                  <a:tcPr marL="45720" marR="45720" anchor="ctr" horzOverflow="overflow"/>
+                  <a:tcPr marL="137160" marR="137160" marT="137160" marB="137160" anchor="ctr" horzOverflow="overflow"/>
                 </a:tc>
                 <a:tc>
                   <a:txBody>
@@ -6553,21 +7864,18 @@
                           </a:solidFill>
                         </a:defRPr>
                       </a:pPr>
-                      <a:r>
-                        <a:rPr sz="13400" dirty="0">
-                          <a:solidFill>
-                            <a:srgbClr val="770F14"/>
-                          </a:solidFill>
-                          <a:latin typeface="Arial"/>
-                          <a:ea typeface="Arial"/>
-                          <a:cs typeface="Arial"/>
-                          <a:sym typeface="Arial"/>
-                        </a:rPr>
-                        <a:t>-</a:t>
-                      </a:r>
+                      <a:endParaRPr sz="2800" dirty="0">
+                        <a:solidFill>
+                          <a:srgbClr val="770F14"/>
+                        </a:solidFill>
+                        <a:latin typeface="Arial"/>
+                        <a:ea typeface="Arial"/>
+                        <a:cs typeface="Arial"/>
+                        <a:sym typeface="Arial"/>
+                      </a:endParaRPr>
                     </a:p>
                   </a:txBody>
-                  <a:tcPr marL="45720" marR="45720" anchor="ctr" horzOverflow="overflow"/>
+                  <a:tcPr marL="137160" marR="137160" marT="137160" marB="137160" anchor="ctr" horzOverflow="overflow"/>
                 </a:tc>
                 <a:tc>
                   <a:txBody>
@@ -6581,21 +7889,18 @@
                           </a:solidFill>
                         </a:defRPr>
                       </a:pPr>
-                      <a:r>
-                        <a:rPr sz="13400" dirty="0">
-                          <a:solidFill>
-                            <a:srgbClr val="00B050"/>
-                          </a:solidFill>
-                          <a:latin typeface="Arial"/>
-                          <a:ea typeface="Arial"/>
-                          <a:cs typeface="Arial"/>
-                          <a:sym typeface="Arial"/>
-                        </a:rPr>
-                        <a:t>+</a:t>
-                      </a:r>
+                      <a:endParaRPr sz="2800" dirty="0">
+                        <a:solidFill>
+                          <a:srgbClr val="00B050"/>
+                        </a:solidFill>
+                        <a:latin typeface="Arial"/>
+                        <a:ea typeface="Arial"/>
+                        <a:cs typeface="Arial"/>
+                        <a:sym typeface="Arial"/>
+                      </a:endParaRPr>
                     </a:p>
                   </a:txBody>
-                  <a:tcPr marL="45720" marR="45720" anchor="ctr" horzOverflow="overflow"/>
+                  <a:tcPr marL="137160" marR="137160" marT="137160" marB="137160" anchor="ctr" horzOverflow="overflow"/>
                 </a:tc>
                 <a:extLst>
                   <a:ext uri="{0D108BD9-81ED-4DB2-BD59-A6C34878D82A}">
@@ -6609,7 +7914,13 @@
                     <a:bodyPr/>
                     <a:lstStyle/>
                     <a:p>
-                      <a:pPr algn="ctr">
+                      <a:pPr algn="l">
+                        <a:lnSpc>
+                          <a:spcPct val="100000"/>
+                        </a:lnSpc>
+                        <a:spcBef>
+                          <a:spcPts val="600"/>
+                        </a:spcBef>
                         <a:defRPr sz="1800">
                           <a:solidFill>
                             <a:srgbClr val="000000"/>
@@ -6617,7 +7928,7 @@
                         </a:defRPr>
                       </a:pPr>
                       <a:r>
-                        <a:rPr lang="uk-UA" sz="3600" dirty="0" smtClean="0">
+                        <a:rPr lang="uk-UA" sz="2800" dirty="0" smtClean="0">
                           <a:solidFill>
                             <a:srgbClr val="222222"/>
                           </a:solidFill>
@@ -6626,10 +7937,10 @@
                           <a:cs typeface="Arial"/>
                           <a:sym typeface="Arial"/>
                         </a:rPr>
-                        <a:t>Комфортні умови</a:t>
+                        <a:t>Індивідуальні</a:t>
                       </a:r>
                       <a:r>
-                        <a:rPr lang="uk-UA" sz="3600" baseline="0" dirty="0" smtClean="0">
+                        <a:rPr lang="uk-UA" sz="2800" baseline="0" dirty="0" smtClean="0">
                           <a:solidFill>
                             <a:srgbClr val="222222"/>
                           </a:solidFill>
@@ -6638,9 +7949,9 @@
                           <a:cs typeface="Arial"/>
                           <a:sym typeface="Arial"/>
                         </a:rPr>
-                        <a:t> для початківців</a:t>
+                        <a:t> замовлення для фрілансера</a:t>
                       </a:r>
-                      <a:endParaRPr sz="3600" dirty="0">
+                      <a:endParaRPr sz="2800" dirty="0">
                         <a:solidFill>
                           <a:srgbClr val="222222"/>
                         </a:solidFill>
@@ -6651,7 +7962,7 @@
                       </a:endParaRPr>
                     </a:p>
                   </a:txBody>
-                  <a:tcPr marL="45720" marR="45720" anchor="ctr" horzOverflow="overflow"/>
+                  <a:tcPr marL="137160" marR="137160" marT="137160" marB="137160" anchor="ctr" horzOverflow="overflow"/>
                 </a:tc>
                 <a:tc>
                   <a:txBody>
@@ -6679,21 +7990,18 @@
                           </a:solidFill>
                         </a:defRPr>
                       </a:pPr>
-                      <a:r>
-                        <a:rPr lang="en-US" sz="13400" dirty="0" smtClean="0">
-                          <a:solidFill>
-                            <a:srgbClr val="770F14"/>
-                          </a:solidFill>
-                          <a:latin typeface="Arial"/>
-                          <a:ea typeface="Arial"/>
-                          <a:cs typeface="Arial"/>
-                          <a:sym typeface="Arial"/>
-                        </a:rPr>
-                        <a:t>-</a:t>
-                      </a:r>
+                      <a:endParaRPr lang="en-US" sz="2800" dirty="0" smtClean="0">
+                        <a:solidFill>
+                          <a:srgbClr val="770F14"/>
+                        </a:solidFill>
+                        <a:latin typeface="Arial"/>
+                        <a:ea typeface="Arial"/>
+                        <a:cs typeface="Arial"/>
+                        <a:sym typeface="Arial"/>
+                      </a:endParaRPr>
                     </a:p>
                   </a:txBody>
-                  <a:tcPr marL="45720" marR="45720" anchor="ctr" horzOverflow="overflow"/>
+                  <a:tcPr marL="137160" marR="137160" marT="137160" marB="137160" anchor="ctr" horzOverflow="overflow"/>
                 </a:tc>
                 <a:tc>
                   <a:txBody>
@@ -6721,21 +8029,18 @@
                           </a:solidFill>
                         </a:defRPr>
                       </a:pPr>
-                      <a:r>
-                        <a:rPr lang="en-US" sz="13400" dirty="0" smtClean="0">
-                          <a:solidFill>
-                            <a:srgbClr val="00B050"/>
-                          </a:solidFill>
-                          <a:latin typeface="Arial"/>
-                          <a:ea typeface="Arial"/>
-                          <a:cs typeface="Arial"/>
-                          <a:sym typeface="Arial"/>
-                        </a:rPr>
-                        <a:t>+</a:t>
-                      </a:r>
+                      <a:endParaRPr lang="en-US" sz="2800" dirty="0" smtClean="0">
+                        <a:solidFill>
+                          <a:srgbClr val="00B050"/>
+                        </a:solidFill>
+                        <a:latin typeface="Arial"/>
+                        <a:ea typeface="Arial"/>
+                        <a:cs typeface="Arial"/>
+                        <a:sym typeface="Arial"/>
+                      </a:endParaRPr>
                     </a:p>
                   </a:txBody>
-                  <a:tcPr marL="45720" marR="45720" anchor="ctr" horzOverflow="overflow"/>
+                  <a:tcPr marL="137160" marR="137160" marT="137160" marB="137160" anchor="ctr" horzOverflow="overflow"/>
                 </a:tc>
                 <a:tc>
                   <a:txBody>
@@ -6763,21 +8068,18 @@
                           </a:solidFill>
                         </a:defRPr>
                       </a:pPr>
-                      <a:r>
-                        <a:rPr lang="en-US" sz="13400" dirty="0" smtClean="0">
-                          <a:solidFill>
-                            <a:srgbClr val="00B050"/>
-                          </a:solidFill>
-                          <a:latin typeface="Arial"/>
-                          <a:ea typeface="Arial"/>
-                          <a:cs typeface="Arial"/>
-                          <a:sym typeface="Arial"/>
-                        </a:rPr>
-                        <a:t>+</a:t>
-                      </a:r>
+                      <a:endParaRPr lang="en-US" sz="2800" dirty="0" smtClean="0">
+                        <a:solidFill>
+                          <a:srgbClr val="00B050"/>
+                        </a:solidFill>
+                        <a:latin typeface="Arial"/>
+                        <a:ea typeface="Arial"/>
+                        <a:cs typeface="Arial"/>
+                        <a:sym typeface="Arial"/>
+                      </a:endParaRPr>
                     </a:p>
                   </a:txBody>
-                  <a:tcPr marL="45720" marR="45720" anchor="ctr" horzOverflow="overflow"/>
+                  <a:tcPr marL="137160" marR="137160" marT="137160" marB="137160" anchor="ctr" horzOverflow="overflow"/>
                 </a:tc>
                 <a:extLst>
                   <a:ext uri="{0D108BD9-81ED-4DB2-BD59-A6C34878D82A}">
@@ -6791,42 +8093,14 @@
       </p:graphicFrame>
       <p:sp>
         <p:nvSpPr>
-          <p:cNvPr id="157" name="Shape 157"/>
-          <p:cNvSpPr/>
-          <p:nvPr/>
-        </p:nvSpPr>
-        <p:spPr>
-          <a:xfrm>
-            <a:off x="395421" y="1414278"/>
-            <a:ext cx="3116706" cy="1655960"/>
-          </a:xfrm>
-          <a:prstGeom prst="line">
-            <a:avLst/>
-          </a:prstGeom>
-          <a:ln w="25400">
-            <a:solidFill>
-              <a:srgbClr val="222222"/>
-            </a:solidFill>
-          </a:ln>
-        </p:spPr>
-        <p:txBody>
-          <a:bodyPr lIns="45718" tIns="45718" rIns="45718" bIns="45718"/>
-          <a:lstStyle/>
-          <a:p>
-            <a:endParaRPr/>
-          </a:p>
-        </p:txBody>
-      </p:sp>
-      <p:sp>
-        <p:nvSpPr>
           <p:cNvPr id="158" name="Shape 158"/>
           <p:cNvSpPr/>
           <p:nvPr/>
         </p:nvSpPr>
         <p:spPr>
           <a:xfrm>
-            <a:off x="572069" y="2343564"/>
-            <a:ext cx="2129567" cy="646327"/>
+            <a:off x="595819" y="2070433"/>
+            <a:ext cx="2129567" cy="523216"/>
           </a:xfrm>
           <a:prstGeom prst="rect">
             <a:avLst/>
@@ -6836,7 +8110,7 @@
           </a:ln>
           <a:extLst>
             <a:ext uri="{C572A759-6A51-4108-AA02-DFA0A04FC94B}">
-              <ma14:wrappingTextBoxFlag xmlns:ma14="http://schemas.microsoft.com/office/mac/drawingml/2011/main" xmlns="" val="1"/>
+              <ma14:wrappingTextBoxFlag xmlns="" xmlns:ma14="http://schemas.microsoft.com/office/mac/drawingml/2011/main" val="1"/>
             </a:ext>
           </a:extLst>
         </p:spPr>
@@ -6856,7 +8130,7 @@
           </a:lstStyle>
           <a:p>
             <a:r>
-              <a:rPr sz="3600" dirty="0"/>
+              <a:rPr sz="2800" dirty="0"/>
               <a:t>Послуга</a:t>
             </a:r>
           </a:p>
@@ -6870,8 +8144,8 @@
         </p:nvSpPr>
         <p:spPr>
           <a:xfrm>
-            <a:off x="1953774" y="1595931"/>
-            <a:ext cx="1771591" cy="646327"/>
+            <a:off x="2191281" y="1477181"/>
+            <a:ext cx="1771591" cy="523216"/>
           </a:xfrm>
           <a:prstGeom prst="rect">
             <a:avLst/>
@@ -6881,7 +8155,7 @@
           </a:ln>
           <a:extLst>
             <a:ext uri="{C572A759-6A51-4108-AA02-DFA0A04FC94B}">
-              <ma14:wrappingTextBoxFlag xmlns:ma14="http://schemas.microsoft.com/office/mac/drawingml/2011/main" xmlns="" val="1"/>
+              <ma14:wrappingTextBoxFlag xmlns="" xmlns:ma14="http://schemas.microsoft.com/office/mac/drawingml/2011/main" val="1"/>
             </a:ext>
           </a:extLst>
         </p:spPr>
@@ -6901,18 +8175,205 @@
           </a:lstStyle>
           <a:p>
             <a:r>
-              <a:rPr sz="3600" dirty="0"/>
+              <a:rPr sz="2800" dirty="0"/>
               <a:t>Сервіс</a:t>
             </a:r>
           </a:p>
         </p:txBody>
       </p:sp>
+      <p:pic>
+        <p:nvPicPr>
+          <p:cNvPr id="2" name="Picture 1"/>
+          <p:cNvPicPr>
+            <a:picLocks noChangeAspect="1"/>
+          </p:cNvPicPr>
+          <p:nvPr/>
+        </p:nvPicPr>
+        <p:blipFill>
+          <a:blip r:embed="rId3" cstate="print">
+            <a:extLst>
+              <a:ext uri="{28A0092B-C50C-407E-A947-70E740481C1C}">
+                <a14:useLocalDpi xmlns:a14="http://schemas.microsoft.com/office/drawing/2010/main" val="0"/>
+              </a:ext>
+            </a:extLst>
+          </a:blip>
+          <a:stretch>
+            <a:fillRect/>
+          </a:stretch>
+        </p:blipFill>
+        <p:spPr>
+          <a:xfrm>
+            <a:off x="4715054" y="4680760"/>
+            <a:ext cx="795864" cy="795864"/>
+          </a:xfrm>
+          <a:prstGeom prst="rect">
+            <a:avLst/>
+          </a:prstGeom>
+        </p:spPr>
+      </p:pic>
+      <p:pic>
+        <p:nvPicPr>
+          <p:cNvPr id="14" name="Picture 13"/>
+          <p:cNvPicPr>
+            <a:picLocks noChangeAspect="1"/>
+          </p:cNvPicPr>
+          <p:nvPr/>
+        </p:nvPicPr>
+        <p:blipFill>
+          <a:blip r:embed="rId3" cstate="print">
+            <a:extLst>
+              <a:ext uri="{28A0092B-C50C-407E-A947-70E740481C1C}">
+                <a14:useLocalDpi xmlns:a14="http://schemas.microsoft.com/office/drawing/2010/main" val="0"/>
+              </a:ext>
+            </a:extLst>
+          </a:blip>
+          <a:stretch>
+            <a:fillRect/>
+          </a:stretch>
+        </p:blipFill>
+        <p:spPr>
+          <a:xfrm>
+            <a:off x="10724107" y="4650962"/>
+            <a:ext cx="795864" cy="795864"/>
+          </a:xfrm>
+          <a:prstGeom prst="rect">
+            <a:avLst/>
+          </a:prstGeom>
+        </p:spPr>
+      </p:pic>
+      <p:pic>
+        <p:nvPicPr>
+          <p:cNvPr id="15" name="Picture 14"/>
+          <p:cNvPicPr>
+            <a:picLocks noChangeAspect="1"/>
+          </p:cNvPicPr>
+          <p:nvPr/>
+        </p:nvPicPr>
+        <p:blipFill>
+          <a:blip r:embed="rId3" cstate="print">
+            <a:extLst>
+              <a:ext uri="{28A0092B-C50C-407E-A947-70E740481C1C}">
+                <a14:useLocalDpi xmlns:a14="http://schemas.microsoft.com/office/drawing/2010/main" val="0"/>
+              </a:ext>
+            </a:extLst>
+          </a:blip>
+          <a:stretch>
+            <a:fillRect/>
+          </a:stretch>
+        </p:blipFill>
+        <p:spPr>
+          <a:xfrm>
+            <a:off x="10724106" y="6384757"/>
+            <a:ext cx="795864" cy="795864"/>
+          </a:xfrm>
+          <a:prstGeom prst="rect">
+            <a:avLst/>
+          </a:prstGeom>
+        </p:spPr>
+      </p:pic>
+      <p:pic>
+        <p:nvPicPr>
+          <p:cNvPr id="16" name="Picture 15"/>
+          <p:cNvPicPr>
+            <a:picLocks noChangeAspect="1"/>
+          </p:cNvPicPr>
+          <p:nvPr/>
+        </p:nvPicPr>
+        <p:blipFill>
+          <a:blip r:embed="rId3" cstate="print">
+            <a:extLst>
+              <a:ext uri="{28A0092B-C50C-407E-A947-70E740481C1C}">
+                <a14:useLocalDpi xmlns:a14="http://schemas.microsoft.com/office/drawing/2010/main" val="0"/>
+              </a:ext>
+            </a:extLst>
+          </a:blip>
+          <a:stretch>
+            <a:fillRect/>
+          </a:stretch>
+        </p:blipFill>
+        <p:spPr>
+          <a:xfrm>
+            <a:off x="7719658" y="7999801"/>
+            <a:ext cx="795864" cy="795864"/>
+          </a:xfrm>
+          <a:prstGeom prst="rect">
+            <a:avLst/>
+          </a:prstGeom>
+        </p:spPr>
+      </p:pic>
+      <p:pic>
+        <p:nvPicPr>
+          <p:cNvPr id="17" name="Picture 16"/>
+          <p:cNvPicPr>
+            <a:picLocks noChangeAspect="1"/>
+          </p:cNvPicPr>
+          <p:nvPr/>
+        </p:nvPicPr>
+        <p:blipFill>
+          <a:blip r:embed="rId3" cstate="print">
+            <a:extLst>
+              <a:ext uri="{28A0092B-C50C-407E-A947-70E740481C1C}">
+                <a14:useLocalDpi xmlns:a14="http://schemas.microsoft.com/office/drawing/2010/main" val="0"/>
+              </a:ext>
+            </a:extLst>
+          </a:blip>
+          <a:stretch>
+            <a:fillRect/>
+          </a:stretch>
+        </p:blipFill>
+        <p:spPr>
+          <a:xfrm>
+            <a:off x="4715193" y="8035430"/>
+            <a:ext cx="795864" cy="795864"/>
+          </a:xfrm>
+          <a:prstGeom prst="rect">
+            <a:avLst/>
+          </a:prstGeom>
+        </p:spPr>
+      </p:pic>
+      <p:pic>
+        <p:nvPicPr>
+          <p:cNvPr id="19" name="Picture 18"/>
+          <p:cNvPicPr>
+            <a:picLocks noChangeAspect="1"/>
+          </p:cNvPicPr>
+          <p:nvPr/>
+        </p:nvPicPr>
+        <p:blipFill>
+          <a:blip r:embed="rId3" cstate="print">
+            <a:extLst>
+              <a:ext uri="{28A0092B-C50C-407E-A947-70E740481C1C}">
+                <a14:useLocalDpi xmlns:a14="http://schemas.microsoft.com/office/drawing/2010/main" val="0"/>
+              </a:ext>
+            </a:extLst>
+          </a:blip>
+          <a:stretch>
+            <a:fillRect/>
+          </a:stretch>
+        </p:blipFill>
+        <p:spPr>
+          <a:xfrm>
+            <a:off x="4713079" y="3028118"/>
+            <a:ext cx="795864" cy="795864"/>
+          </a:xfrm>
+          <a:prstGeom prst="rect">
+            <a:avLst/>
+          </a:prstGeom>
+        </p:spPr>
+      </p:pic>
     </p:spTree>
   </p:cSld>
   <p:clrMapOvr>
     <a:masterClrMapping/>
   </p:clrMapOvr>
   <p:transition spd="slow"/>
+  <p:timing>
+    <p:tnLst>
+      <p:par>
+        <p:cTn id="1" dur="indefinite" restart="never" nodeType="tmRoot"/>
+      </p:par>
+    </p:tnLst>
+  </p:timing>
 </p:sld>
 </file>
 
@@ -6960,7 +8421,7 @@
           </a:ln>
           <a:extLst>
             <a:ext uri="{C572A759-6A51-4108-AA02-DFA0A04FC94B}">
-              <ma14:wrappingTextBoxFlag xmlns:ma14="http://schemas.microsoft.com/office/mac/drawingml/2011/main" xmlns="" val="1"/>
+              <ma14:wrappingTextBoxFlag xmlns="" xmlns:ma14="http://schemas.microsoft.com/office/mac/drawingml/2011/main" val="1"/>
             </a:ext>
           </a:extLst>
         </p:spPr>
@@ -7002,8 +8463,8 @@
         </p:nvSpPr>
         <p:spPr>
           <a:xfrm>
-            <a:off x="395424" y="1852807"/>
-            <a:ext cx="12168431" cy="1200325"/>
+            <a:off x="864651" y="4861434"/>
+            <a:ext cx="11046299" cy="1951492"/>
           </a:xfrm>
           <a:prstGeom prst="rect">
             <a:avLst/>
@@ -7013,17 +8474,23 @@
           </a:ln>
           <a:extLst>
             <a:ext uri="{C572A759-6A51-4108-AA02-DFA0A04FC94B}">
-              <ma14:wrappingTextBoxFlag xmlns:ma14="http://schemas.microsoft.com/office/mac/drawingml/2011/main" xmlns="" val="1"/>
+              <ma14:wrappingTextBoxFlag xmlns="" xmlns:ma14="http://schemas.microsoft.com/office/mac/drawingml/2011/main" val="1"/>
             </a:ext>
           </a:extLst>
         </p:spPr>
         <p:txBody>
-          <a:bodyPr lIns="45718" tIns="45718" rIns="45718" bIns="45718">
+          <a:bodyPr wrap="square" lIns="45718" tIns="45718" rIns="45718" bIns="45718">
             <a:spAutoFit/>
           </a:bodyPr>
           <a:lstStyle/>
           <a:p>
             <a:pPr>
+              <a:lnSpc>
+                <a:spcPct val="150000"/>
+              </a:lnSpc>
+              <a:spcBef>
+                <a:spcPts val="0"/>
+              </a:spcBef>
               <a:defRPr sz="4000">
                 <a:latin typeface="Arial"/>
                 <a:ea typeface="Arial"/>
@@ -7032,39 +8499,140 @@
               </a:defRPr>
             </a:pPr>
             <a:r>
-              <a:rPr lang="uk-UA" sz="3600" dirty="0" smtClean="0"/>
-              <a:t>5% наша доля ринка. Наш заробіток – 10% від нашой долі ринка. Це складе </a:t>
-            </a:r>
-            <a:r>
-              <a:rPr lang="en-US" sz="3600" dirty="0" smtClean="0"/>
+              <a:rPr lang="uk-UA" sz="2800" dirty="0" smtClean="0"/>
+              <a:t>5% наша доля </a:t>
+            </a:r>
+            <a:r>
+              <a:rPr lang="uk-UA" sz="2800" dirty="0" smtClean="0"/>
+              <a:t>ринка</a:t>
+            </a:r>
+          </a:p>
+          <a:p>
+            <a:pPr>
+              <a:lnSpc>
+                <a:spcPct val="150000"/>
+              </a:lnSpc>
+              <a:spcBef>
+                <a:spcPts val="0"/>
+              </a:spcBef>
+              <a:defRPr sz="4000">
+                <a:latin typeface="Arial"/>
+                <a:ea typeface="Arial"/>
+                <a:cs typeface="Arial"/>
+                <a:sym typeface="Arial"/>
+              </a:defRPr>
+            </a:pPr>
+            <a:r>
+              <a:rPr lang="uk-UA" sz="2800" dirty="0" smtClean="0"/>
+              <a:t>Наш </a:t>
+            </a:r>
+            <a:r>
+              <a:rPr lang="uk-UA" sz="2800" dirty="0" smtClean="0"/>
+              <a:t>заробіток – 10% від </a:t>
+            </a:r>
+            <a:r>
+              <a:rPr lang="uk-UA" sz="2800" dirty="0" smtClean="0"/>
+              <a:t>нашо</a:t>
+            </a:r>
+            <a:r>
+              <a:rPr lang="en-US" sz="2800" dirty="0" smtClean="0"/>
+              <a:t>ї</a:t>
+            </a:r>
+            <a:r>
+              <a:rPr lang="uk-UA" sz="2800" dirty="0" smtClean="0"/>
+              <a:t> </a:t>
+            </a:r>
+            <a:r>
+              <a:rPr lang="uk-UA" sz="2800" dirty="0" smtClean="0"/>
+              <a:t>долі </a:t>
+            </a:r>
+            <a:r>
+              <a:rPr lang="uk-UA" sz="2800" dirty="0" smtClean="0"/>
+              <a:t>ринка</a:t>
+            </a:r>
+          </a:p>
+          <a:p>
+            <a:pPr>
+              <a:lnSpc>
+                <a:spcPct val="150000"/>
+              </a:lnSpc>
+              <a:spcBef>
+                <a:spcPts val="0"/>
+              </a:spcBef>
+              <a:defRPr sz="4000">
+                <a:latin typeface="Arial"/>
+                <a:ea typeface="Arial"/>
+                <a:cs typeface="Arial"/>
+                <a:sym typeface="Arial"/>
+              </a:defRPr>
+            </a:pPr>
+            <a:r>
+              <a:rPr lang="uk-UA" sz="2800" dirty="0" smtClean="0"/>
+              <a:t>Це </a:t>
+            </a:r>
+            <a:r>
+              <a:rPr lang="uk-UA" sz="2800" dirty="0" smtClean="0"/>
+              <a:t>складе </a:t>
+            </a:r>
+            <a:r>
+              <a:rPr lang="en-US" sz="2800" dirty="0" smtClean="0"/>
               <a:t>$</a:t>
             </a:r>
             <a:r>
-              <a:rPr lang="uk-UA" sz="3600" dirty="0" smtClean="0"/>
+              <a:rPr lang="uk-UA" sz="2800" dirty="0" smtClean="0"/>
               <a:t>350,000</a:t>
             </a:r>
             <a:r>
-              <a:rPr lang="ru-RU" sz="3600" dirty="0"/>
+              <a:rPr lang="ru-RU" sz="2800" dirty="0"/>
               <a:t> </a:t>
             </a:r>
             <a:r>
-              <a:rPr lang="ru-RU" sz="3600" dirty="0" smtClean="0"/>
+              <a:rPr lang="ru-RU" sz="2800" dirty="0" smtClean="0"/>
               <a:t>в р</a:t>
             </a:r>
             <a:r>
-              <a:rPr lang="uk-UA" sz="3600" dirty="0" smtClean="0"/>
+              <a:rPr lang="uk-UA" sz="2800" dirty="0" smtClean="0"/>
               <a:t>ік</a:t>
             </a:r>
-            <a:endParaRPr sz="3600" dirty="0"/>
+            <a:endParaRPr sz="2800" dirty="0"/>
           </a:p>
         </p:txBody>
       </p:sp>
+      <p:graphicFrame>
+        <p:nvGraphicFramePr>
+          <p:cNvPr id="7" name="Chart 6"/>
+          <p:cNvGraphicFramePr/>
+          <p:nvPr>
+            <p:extLst>
+              <p:ext uri="{D42A27DB-BD31-4B8C-83A1-F6EECF244321}">
+                <p14:modId xmlns:p14="http://schemas.microsoft.com/office/powerpoint/2010/main" val="2437985718"/>
+              </p:ext>
+            </p:extLst>
+          </p:nvPr>
+        </p:nvGraphicFramePr>
+        <p:xfrm>
+          <a:off x="926276" y="1294410"/>
+          <a:ext cx="10806546" cy="3123503"/>
+        </p:xfrm>
+        <a:graphic>
+          <a:graphicData uri="http://schemas.openxmlformats.org/drawingml/2006/chart">
+            <c:chart xmlns:c="http://schemas.openxmlformats.org/drawingml/2006/chart" xmlns:r="http://schemas.openxmlformats.org/officeDocument/2006/relationships" r:id="rId2"/>
+          </a:graphicData>
+        </a:graphic>
+      </p:graphicFrame>
     </p:spTree>
   </p:cSld>
   <p:clrMapOvr>
     <a:masterClrMapping/>
   </p:clrMapOvr>
   <p:transition spd="slow"/>
+  <p:timing>
+    <p:tnLst>
+      <p:par>
+        <p:cTn id="1" dur="indefinite" restart="never" nodeType="tmRoot"/>
+      </p:par>
+    </p:tnLst>
+  </p:timing>
 </p:sld>
 </file>
 
@@ -7112,7 +8680,7 @@
           </a:ln>
           <a:extLst>
             <a:ext uri="{C572A759-6A51-4108-AA02-DFA0A04FC94B}">
-              <ma14:wrappingTextBoxFlag xmlns:ma14="http://schemas.microsoft.com/office/mac/drawingml/2011/main" xmlns="" val="1"/>
+              <ma14:wrappingTextBoxFlag xmlns="" xmlns:ma14="http://schemas.microsoft.com/office/mac/drawingml/2011/main" val="1"/>
             </a:ext>
           </a:extLst>
         </p:spPr>
@@ -7293,11 +8861,7 @@
             </a:pPr>
             <a:r>
               <a:rPr lang="uk-UA" dirty="0" smtClean="0"/>
-              <a:t>Реклама в сервісах для </a:t>
-            </a:r>
-            <a:r>
-              <a:rPr lang="uk-UA" dirty="0" smtClean="0"/>
-              <a:t>роботодавців</a:t>
+              <a:t>Реклама в сервісах для роботодавців</a:t>
             </a:r>
           </a:p>
           <a:p>
@@ -7324,7 +8888,6 @@
               <a:rPr lang="uk-UA" dirty="0" smtClean="0"/>
               <a:t>Створювати партнерську мережі замовників</a:t>
             </a:r>
-            <a:endParaRPr lang="uk-UA" dirty="0" smtClean="0"/>
           </a:p>
           <a:p>
             <a:pPr marL="571500" indent="-571500" defTabSz="584200">
@@ -7395,7 +8958,6 @@
               <a:rPr lang="uk-UA" dirty="0" smtClean="0"/>
               <a:t>Нумерований список</a:t>
             </a:r>
-            <a:endParaRPr lang="uk-UA" dirty="0" smtClean="0"/>
           </a:p>
           <a:p>
             <a:pPr marL="571500" indent="-571500" defTabSz="584200">
@@ -7449,6 +9011,13 @@
     <a:masterClrMapping/>
   </p:clrMapOvr>
   <p:transition spd="slow"/>
+  <p:timing>
+    <p:tnLst>
+      <p:par>
+        <p:cTn id="1" dur="indefinite" restart="never" nodeType="tmRoot"/>
+      </p:par>
+    </p:tnLst>
+  </p:timing>
 </p:sld>
 </file>
 
@@ -7545,11 +9114,6 @@
               </a:rPr>
               <a:t> </a:t>
             </a:r>
-            <a:endParaRPr lang="ru-RU" sz="3600" dirty="0" smtClean="0">
-              <a:solidFill>
-                <a:schemeClr val="bg1"/>
-              </a:solidFill>
-            </a:endParaRPr>
           </a:p>
           <a:p>
             <a:pPr marL="444500" indent="-444500" defTabSz="584200">
@@ -7643,15 +9207,7 @@
             </a:pPr>
             <a:r>
               <a:rPr lang="uk-UA" sz="3600" dirty="0" smtClean="0"/>
-              <a:t>Роз</a:t>
-            </a:r>
-            <a:r>
-              <a:rPr lang="uk-UA" sz="3600" dirty="0" smtClean="0"/>
-              <a:t>роблено</a:t>
-            </a:r>
-            <a:r>
-              <a:rPr lang="uk-UA" sz="3600" dirty="0" smtClean="0"/>
-              <a:t>: </a:t>
+              <a:t>Розроблено: </a:t>
             </a:r>
             <a:r>
               <a:rPr lang="uk-UA" sz="3600" dirty="0"/>
@@ -7667,11 +9223,7 @@
             </a:r>
             <a:r>
               <a:rPr lang="uk-UA" sz="3600" dirty="0" smtClean="0"/>
-              <a:t>єстрації, авторизації, управління командами</a:t>
-            </a:r>
-            <a:r>
-              <a:rPr lang="uk-UA" sz="3600" dirty="0" smtClean="0"/>
-              <a:t>, </a:t>
+              <a:t>єстрації, авторизації, управління командами, </a:t>
             </a:r>
             <a:r>
               <a:rPr lang="uk-UA" sz="3600" dirty="0"/>
@@ -7681,7 +9233,6 @@
               <a:rPr lang="uk-UA" sz="3600" dirty="0" smtClean="0"/>
               <a:t>проекту </a:t>
             </a:r>
-            <a:endParaRPr lang="uk-UA" sz="3600" dirty="0" smtClean="0"/>
           </a:p>
         </p:txBody>
       </p:sp>
@@ -7704,7 +9255,7 @@
           </a:ln>
           <a:extLst>
             <a:ext uri="{C572A759-6A51-4108-AA02-DFA0A04FC94B}">
-              <ma14:wrappingTextBoxFlag xmlns:ma14="http://schemas.microsoft.com/office/mac/drawingml/2011/main" xmlns="" val="1"/>
+              <ma14:wrappingTextBoxFlag xmlns="" xmlns:ma14="http://schemas.microsoft.com/office/mac/drawingml/2011/main" val="1"/>
             </a:ext>
           </a:extLst>
         </p:spPr>
@@ -7744,6 +9295,13 @@
     <a:masterClrMapping/>
   </p:clrMapOvr>
   <p:transition spd="slow"/>
+  <p:timing>
+    <p:tnLst>
+      <p:par>
+        <p:cTn id="1" dur="indefinite" restart="never" nodeType="tmRoot"/>
+      </p:par>
+    </p:tnLst>
+  </p:timing>
 </p:sld>
 </file>
 
@@ -7791,7 +9349,7 @@
           </a:ln>
           <a:extLst>
             <a:ext uri="{C572A759-6A51-4108-AA02-DFA0A04FC94B}">
-              <ma14:wrappingTextBoxFlag xmlns:ma14="http://schemas.microsoft.com/office/mac/drawingml/2011/main" xmlns="" val="1"/>
+              <ma14:wrappingTextBoxFlag xmlns="" xmlns:ma14="http://schemas.microsoft.com/office/mac/drawingml/2011/main" val="1"/>
             </a:ext>
           </a:extLst>
         </p:spPr>
@@ -7827,14 +9385,14 @@
       </p:sp>
       <p:sp>
         <p:nvSpPr>
-          <p:cNvPr id="175" name="Shape 175"/>
+          <p:cNvPr id="179" name="Shape 179"/>
           <p:cNvSpPr/>
           <p:nvPr/>
         </p:nvSpPr>
         <p:spPr>
           <a:xfrm>
-            <a:off x="1517450" y="5468358"/>
-            <a:ext cx="102657" cy="533479"/>
+            <a:off x="510636" y="7532296"/>
+            <a:ext cx="12005954" cy="1164421"/>
           </a:xfrm>
           <a:prstGeom prst="rect">
             <a:avLst/>
@@ -7844,201 +9402,20 @@
           </a:ln>
           <a:extLst>
             <a:ext uri="{C572A759-6A51-4108-AA02-DFA0A04FC94B}">
-              <ma14:wrappingTextBoxFlag xmlns:ma14="http://schemas.microsoft.com/office/mac/drawingml/2011/main" xmlns="" val="1"/>
+              <ma14:wrappingTextBoxFlag xmlns="" xmlns:ma14="http://schemas.microsoft.com/office/mac/drawingml/2011/main" val="1"/>
             </a:ext>
           </a:extLst>
         </p:spPr>
         <p:txBody>
-          <a:bodyPr wrap="none" lIns="50800" tIns="50800" rIns="50800" bIns="50800" anchor="ctr">
-            <a:spAutoFit/>
-          </a:bodyPr>
-          <a:lstStyle>
-            <a:lvl1pPr algn="ctr">
-              <a:spcBef>
-                <a:spcPts val="0"/>
-              </a:spcBef>
-              <a:defRPr sz="2800">
-                <a:solidFill>
-                  <a:srgbClr val="155472"/>
-                </a:solidFill>
-                <a:latin typeface="Arial"/>
-                <a:ea typeface="Arial"/>
-                <a:cs typeface="Arial"/>
-                <a:sym typeface="Arial"/>
-              </a:defRPr>
-            </a:lvl1pPr>
-          </a:lstStyle>
-          <a:p>
-            <a:endParaRPr dirty="0"/>
-          </a:p>
-        </p:txBody>
-      </p:sp>
-      <p:sp>
-        <p:nvSpPr>
-          <p:cNvPr id="176" name="Shape 176"/>
-          <p:cNvSpPr/>
-          <p:nvPr/>
-        </p:nvSpPr>
-        <p:spPr>
-          <a:xfrm>
-            <a:off x="4639769" y="5468356"/>
-            <a:ext cx="102657" cy="533479"/>
-          </a:xfrm>
-          <a:prstGeom prst="rect">
-            <a:avLst/>
-          </a:prstGeom>
-          <a:ln w="12700">
-            <a:miter lim="400000"/>
-          </a:ln>
-          <a:extLst>
-            <a:ext uri="{C572A759-6A51-4108-AA02-DFA0A04FC94B}">
-              <ma14:wrappingTextBoxFlag xmlns:ma14="http://schemas.microsoft.com/office/mac/drawingml/2011/main" xmlns="" val="1"/>
-            </a:ext>
-          </a:extLst>
-        </p:spPr>
-        <p:txBody>
-          <a:bodyPr wrap="none" lIns="50800" tIns="50800" rIns="50800" bIns="50800" anchor="ctr">
-            <a:spAutoFit/>
-          </a:bodyPr>
-          <a:lstStyle>
-            <a:lvl1pPr algn="ctr">
-              <a:spcBef>
-                <a:spcPts val="0"/>
-              </a:spcBef>
-              <a:defRPr sz="2800">
-                <a:solidFill>
-                  <a:srgbClr val="155472"/>
-                </a:solidFill>
-                <a:latin typeface="Arial"/>
-                <a:ea typeface="Arial"/>
-                <a:cs typeface="Arial"/>
-                <a:sym typeface="Arial"/>
-              </a:defRPr>
-            </a:lvl1pPr>
-          </a:lstStyle>
-          <a:p>
-            <a:endParaRPr dirty="0"/>
-          </a:p>
-        </p:txBody>
-      </p:sp>
-      <p:sp>
-        <p:nvSpPr>
-          <p:cNvPr id="177" name="Shape 177"/>
-          <p:cNvSpPr/>
-          <p:nvPr/>
-        </p:nvSpPr>
-        <p:spPr>
-          <a:xfrm>
-            <a:off x="7819101" y="5641255"/>
-            <a:ext cx="102657" cy="410369"/>
-          </a:xfrm>
-          <a:prstGeom prst="rect">
-            <a:avLst/>
-          </a:prstGeom>
-          <a:ln w="12700">
-            <a:miter lim="400000"/>
-          </a:ln>
-          <a:extLst>
-            <a:ext uri="{C572A759-6A51-4108-AA02-DFA0A04FC94B}">
-              <ma14:wrappingTextBoxFlag xmlns:ma14="http://schemas.microsoft.com/office/mac/drawingml/2011/main" xmlns="" val="1"/>
-            </a:ext>
-          </a:extLst>
-        </p:spPr>
-        <p:txBody>
-          <a:bodyPr wrap="none" lIns="50800" tIns="50800" rIns="50800" bIns="50800" anchor="ctr">
+          <a:bodyPr wrap="square" lIns="50800" tIns="50800" rIns="50800" bIns="50800" anchor="ctr">
             <a:spAutoFit/>
           </a:bodyPr>
           <a:lstStyle/>
           <a:p>
-            <a:pPr algn="ctr">
-              <a:defRPr b="1">
-                <a:solidFill>
-                  <a:srgbClr val="FFFFFF"/>
-                </a:solidFill>
-                <a:latin typeface="Arial"/>
-                <a:ea typeface="Arial"/>
-                <a:cs typeface="Arial"/>
-                <a:sym typeface="Arial"/>
-              </a:defRPr>
-            </a:pPr>
-            <a:endParaRPr dirty="0"/>
-          </a:p>
-        </p:txBody>
-      </p:sp>
-      <p:sp>
-        <p:nvSpPr>
-          <p:cNvPr id="178" name="Shape 178"/>
-          <p:cNvSpPr/>
-          <p:nvPr/>
-        </p:nvSpPr>
-        <p:spPr>
-          <a:xfrm>
-            <a:off x="10965000" y="5636968"/>
-            <a:ext cx="102656" cy="410369"/>
-          </a:xfrm>
-          <a:prstGeom prst="rect">
-            <a:avLst/>
-          </a:prstGeom>
-          <a:ln w="12700">
-            <a:miter lim="400000"/>
-          </a:ln>
-          <a:extLst>
-            <a:ext uri="{C572A759-6A51-4108-AA02-DFA0A04FC94B}">
-              <ma14:wrappingTextBoxFlag xmlns:ma14="http://schemas.microsoft.com/office/mac/drawingml/2011/main" xmlns="" val="1"/>
-            </a:ext>
-          </a:extLst>
-        </p:spPr>
-        <p:txBody>
-          <a:bodyPr wrap="none" lIns="50800" tIns="50800" rIns="50800" bIns="50800" anchor="ctr">
-            <a:spAutoFit/>
-          </a:bodyPr>
-          <a:lstStyle/>
-          <a:p>
-            <a:pPr algn="ctr">
-              <a:defRPr>
-                <a:solidFill>
-                  <a:srgbClr val="FFFFFF"/>
-                </a:solidFill>
-                <a:latin typeface="Arial"/>
-                <a:ea typeface="Arial"/>
-                <a:cs typeface="Arial"/>
-                <a:sym typeface="Arial"/>
-              </a:defRPr>
-            </a:pPr>
-            <a:endParaRPr dirty="0"/>
-          </a:p>
-        </p:txBody>
-      </p:sp>
-      <p:sp>
-        <p:nvSpPr>
-          <p:cNvPr id="179" name="Shape 179"/>
-          <p:cNvSpPr/>
-          <p:nvPr/>
-        </p:nvSpPr>
-        <p:spPr>
-          <a:xfrm>
-            <a:off x="-39775" y="7656876"/>
-            <a:ext cx="13084352" cy="1532781"/>
-          </a:xfrm>
-          <a:prstGeom prst="rect">
-            <a:avLst/>
-          </a:prstGeom>
-          <a:ln w="12700">
-            <a:miter lim="400000"/>
-          </a:ln>
-          <a:extLst>
-            <a:ext uri="{C572A759-6A51-4108-AA02-DFA0A04FC94B}">
-              <ma14:wrappingTextBoxFlag xmlns:ma14="http://schemas.microsoft.com/office/mac/drawingml/2011/main" xmlns="" val="1"/>
-            </a:ext>
-          </a:extLst>
-        </p:spPr>
-        <p:txBody>
-          <a:bodyPr lIns="50800" tIns="50800" rIns="50800" bIns="50800" anchor="ctr">
-            <a:spAutoFit/>
-          </a:bodyPr>
-          <a:lstStyle/>
-          <a:p>
-            <a:pPr algn="ctr">
+            <a:pPr>
+              <a:spcBef>
+                <a:spcPts val="600"/>
+              </a:spcBef>
               <a:defRPr sz="4000">
                 <a:latin typeface="Arial"/>
                 <a:ea typeface="Arial"/>
@@ -8047,45 +9424,48 @@
               </a:defRPr>
             </a:pPr>
             <a:r>
-              <a:rPr dirty="0" err="1"/>
+              <a:rPr sz="3200" dirty="0" err="1"/>
               <a:t>Досвід</a:t>
             </a:r>
             <a:r>
-              <a:rPr dirty="0"/>
+              <a:rPr sz="3200" dirty="0"/>
               <a:t> </a:t>
             </a:r>
             <a:r>
-              <a:rPr dirty="0" err="1"/>
+              <a:rPr sz="3200" dirty="0" err="1"/>
               <a:t>роботи</a:t>
             </a:r>
             <a:r>
-              <a:rPr dirty="0"/>
+              <a:rPr sz="3200" dirty="0"/>
               <a:t> в </a:t>
             </a:r>
             <a:r>
-              <a:rPr dirty="0" err="1"/>
+              <a:rPr sz="3200" dirty="0" err="1"/>
               <a:t>команді</a:t>
             </a:r>
             <a:r>
-              <a:rPr dirty="0"/>
+              <a:rPr sz="3200" dirty="0"/>
               <a:t> — </a:t>
             </a:r>
             <a:r>
-              <a:rPr dirty="0" err="1"/>
+              <a:rPr sz="3200" dirty="0" err="1"/>
               <a:t>понад</a:t>
             </a:r>
             <a:r>
-              <a:rPr dirty="0"/>
+              <a:rPr sz="3200" dirty="0"/>
               <a:t> 3 </a:t>
             </a:r>
             <a:r>
-              <a:rPr dirty="0" err="1"/>
+              <a:rPr sz="3200" dirty="0" err="1"/>
               <a:t>роки</a:t>
             </a:r>
-            <a:endParaRPr b="1" dirty="0"/>
-          </a:p>
-          <a:p>
-            <a:pPr algn="ctr">
+            <a:endParaRPr sz="3200" b="1" dirty="0"/>
+          </a:p>
+          <a:p>
+            <a:pPr>
+              <a:spcBef>
+                <a:spcPts val="600"/>
+              </a:spcBef>
               <a:defRPr sz="4000">
                 <a:latin typeface="Arial"/>
                 <a:ea typeface="Arial"/>
@@ -8094,42 +9474,42 @@
               </a:defRPr>
             </a:pPr>
             <a:r>
-              <a:rPr dirty="0" err="1"/>
+              <a:rPr sz="3200" dirty="0" err="1"/>
               <a:t>Досвід</a:t>
             </a:r>
             <a:r>
-              <a:rPr dirty="0"/>
+              <a:rPr sz="3200" dirty="0"/>
               <a:t> </a:t>
             </a:r>
             <a:r>
-              <a:rPr dirty="0" err="1"/>
+              <a:rPr sz="3200" dirty="0" err="1"/>
               <a:t>роботи</a:t>
             </a:r>
             <a:r>
-              <a:rPr dirty="0"/>
+              <a:rPr sz="3200" dirty="0"/>
               <a:t> </a:t>
             </a:r>
             <a:r>
-              <a:rPr dirty="0" err="1"/>
+              <a:rPr sz="3200" dirty="0" err="1"/>
               <a:t>фрілансерами</a:t>
             </a:r>
             <a:r>
-              <a:rPr dirty="0"/>
+              <a:rPr sz="3200" dirty="0"/>
               <a:t> – </a:t>
             </a:r>
             <a:r>
-              <a:rPr dirty="0" err="1"/>
+              <a:rPr sz="3200" dirty="0" err="1"/>
               <a:t>понад</a:t>
             </a:r>
             <a:r>
-              <a:rPr dirty="0"/>
+              <a:rPr sz="3200" dirty="0"/>
               <a:t> 2 </a:t>
             </a:r>
             <a:r>
-              <a:rPr dirty="0" err="1"/>
+              <a:rPr sz="3200" dirty="0" err="1"/>
               <a:t>роки</a:t>
             </a:r>
-            <a:endParaRPr dirty="0"/>
+            <a:endParaRPr sz="3200" dirty="0"/>
           </a:p>
         </p:txBody>
       </p:sp>
@@ -8141,8 +9521,8 @@
         </p:nvSpPr>
         <p:spPr>
           <a:xfrm>
-            <a:off x="600158" y="4995002"/>
-            <a:ext cx="2365387" cy="1261880"/>
+            <a:off x="6779580" y="5476512"/>
+            <a:ext cx="2524085" cy="1246491"/>
           </a:xfrm>
           <a:prstGeom prst="rect">
             <a:avLst/>
@@ -8152,7 +9532,7 @@
           </a:ln>
           <a:extLst>
             <a:ext uri="{C572A759-6A51-4108-AA02-DFA0A04FC94B}">
-              <ma14:wrappingTextBoxFlag xmlns:ma14="http://schemas.microsoft.com/office/mac/drawingml/2011/main" xmlns="" val="1"/>
+              <ma14:wrappingTextBoxFlag xmlns="" xmlns:ma14="http://schemas.microsoft.com/office/mac/drawingml/2011/main" val="1"/>
             </a:ext>
           </a:extLst>
         </p:spPr>
@@ -8173,26 +9553,30 @@
           <a:p>
             <a:pPr algn="l"/>
             <a:r>
-              <a:rPr dirty="0" err="1"/>
+              <a:rPr sz="3000" dirty="0" err="1"/>
               <a:t>Олег</a:t>
             </a:r>
             <a:r>
-              <a:rPr dirty="0"/>
+              <a:rPr sz="3000" dirty="0"/>
               <a:t> </a:t>
             </a:r>
             <a:r>
-              <a:rPr dirty="0" err="1" smtClean="0"/>
+              <a:rPr sz="3000" dirty="0" err="1" smtClean="0"/>
               <a:t>Головко</a:t>
             </a:r>
-            <a:endParaRPr lang="uk-UA" dirty="0" smtClean="0"/>
-          </a:p>
-          <a:p>
-            <a:pPr algn="l"/>
-            <a:r>
-              <a:rPr lang="ru-RU" dirty="0"/>
+            <a:endParaRPr lang="uk-UA" sz="3000" dirty="0" smtClean="0"/>
+          </a:p>
+          <a:p>
+            <a:pPr algn="l">
+              <a:spcBef>
+                <a:spcPts val="1800"/>
+              </a:spcBef>
+            </a:pPr>
+            <a:r>
+              <a:rPr lang="ru-RU" sz="3000" dirty="0"/>
               <a:t>Розробник</a:t>
             </a:r>
-            <a:endParaRPr dirty="0"/>
+            <a:endParaRPr sz="3000" dirty="0"/>
           </a:p>
         </p:txBody>
       </p:sp>
@@ -8204,8 +9588,8 @@
         </p:nvSpPr>
         <p:spPr>
           <a:xfrm>
-            <a:off x="3547036" y="4995002"/>
-            <a:ext cx="2721254" cy="1261880"/>
+            <a:off x="518828" y="5470023"/>
+            <a:ext cx="2905600" cy="1272139"/>
           </a:xfrm>
           <a:prstGeom prst="rect">
             <a:avLst/>
@@ -8215,7 +9599,7 @@
           </a:ln>
           <a:extLst>
             <a:ext uri="{C572A759-6A51-4108-AA02-DFA0A04FC94B}">
-              <ma14:wrappingTextBoxFlag xmlns:ma14="http://schemas.microsoft.com/office/mac/drawingml/2011/main" xmlns="" val="1"/>
+              <ma14:wrappingTextBoxFlag xmlns="" xmlns:ma14="http://schemas.microsoft.com/office/mac/drawingml/2011/main" val="1"/>
             </a:ext>
           </a:extLst>
         </p:spPr>
@@ -8236,26 +9620,30 @@
           <a:p>
             <a:pPr algn="l"/>
             <a:r>
-              <a:rPr dirty="0" err="1"/>
+              <a:rPr sz="3000" dirty="0" err="1"/>
               <a:t>Максим</a:t>
             </a:r>
             <a:r>
-              <a:rPr dirty="0"/>
+              <a:rPr sz="3000" dirty="0"/>
               <a:t> </a:t>
             </a:r>
             <a:r>
-              <a:rPr dirty="0" err="1" smtClean="0"/>
+              <a:rPr sz="3000" dirty="0" err="1" smtClean="0"/>
               <a:t>Гілляка</a:t>
             </a:r>
-            <a:endParaRPr lang="uk-UA" dirty="0" smtClean="0"/>
-          </a:p>
-          <a:p>
-            <a:pPr algn="l"/>
-            <a:r>
-              <a:rPr lang="ru-RU" dirty="0" smtClean="0"/>
+            <a:endParaRPr lang="uk-UA" sz="3000" dirty="0" smtClean="0"/>
+          </a:p>
+          <a:p>
+            <a:pPr algn="l">
+              <a:spcBef>
+                <a:spcPts val="1800"/>
+              </a:spcBef>
+            </a:pPr>
+            <a:r>
+              <a:rPr lang="ru-RU" sz="3000" dirty="0" smtClean="0"/>
               <a:t>Розробник</a:t>
             </a:r>
-            <a:endParaRPr lang="ru-RU" dirty="0"/>
+            <a:endParaRPr lang="ru-RU" sz="3000" dirty="0"/>
           </a:p>
         </p:txBody>
       </p:sp>
@@ -8267,8 +9655,8 @@
         </p:nvSpPr>
         <p:spPr>
           <a:xfrm>
-            <a:off x="6567564" y="4995002"/>
-            <a:ext cx="2924836" cy="1513231"/>
+            <a:off x="3717484" y="5470014"/>
+            <a:ext cx="2907202" cy="1772276"/>
           </a:xfrm>
           <a:prstGeom prst="rect">
             <a:avLst/>
@@ -8278,7 +9666,7 @@
           </a:ln>
           <a:extLst>
             <a:ext uri="{C572A759-6A51-4108-AA02-DFA0A04FC94B}">
-              <ma14:wrappingTextBoxFlag xmlns:ma14="http://schemas.microsoft.com/office/mac/drawingml/2011/main" xmlns="" val="1"/>
+              <ma14:wrappingTextBoxFlag xmlns="" xmlns:ma14="http://schemas.microsoft.com/office/mac/drawingml/2011/main" val="1"/>
             </a:ext>
           </a:extLst>
         </p:spPr>
@@ -8299,18 +9687,63 @@
           <a:p>
             <a:pPr algn="l"/>
             <a:r>
-              <a:rPr dirty="0" err="1"/>
+              <a:rPr sz="3000" dirty="0" err="1">
+                <a:solidFill>
+                  <a:schemeClr val="bg1"/>
+                </a:solidFill>
+              </a:rPr>
               <a:t>Ярослав</a:t>
             </a:r>
             <a:r>
-              <a:rPr dirty="0"/>
+              <a:rPr sz="3000" dirty="0">
+                <a:solidFill>
+                  <a:schemeClr val="bg1"/>
+                </a:solidFill>
+              </a:rPr>
               <a:t> </a:t>
             </a:r>
             <a:r>
-              <a:rPr dirty="0" err="1" smtClean="0"/>
+              <a:rPr sz="3000" dirty="0" err="1" smtClean="0">
+                <a:solidFill>
+                  <a:schemeClr val="bg1"/>
+                </a:solidFill>
+              </a:rPr>
               <a:t>Мицьо</a:t>
             </a:r>
-            <a:endParaRPr lang="ru-RU" dirty="0" smtClean="0"/>
+            <a:endParaRPr lang="ru-RU" sz="3000" dirty="0" smtClean="0">
+              <a:solidFill>
+                <a:schemeClr val="bg1"/>
+              </a:solidFill>
+            </a:endParaRPr>
+          </a:p>
+          <a:p>
+            <a:pPr algn="l">
+              <a:spcBef>
+                <a:spcPts val="1800"/>
+              </a:spcBef>
+              <a:defRPr sz="2800">
+                <a:solidFill>
+                  <a:srgbClr val="155472"/>
+                </a:solidFill>
+                <a:latin typeface="Arial"/>
+                <a:ea typeface="Arial"/>
+                <a:cs typeface="Arial"/>
+                <a:sym typeface="Arial"/>
+              </a:defRPr>
+            </a:pPr>
+            <a:r>
+              <a:rPr lang="ru-RU" sz="3000" dirty="0" smtClean="0">
+                <a:solidFill>
+                  <a:schemeClr val="bg1"/>
+                </a:solidFill>
+              </a:rPr>
+              <a:t>Керівник</a:t>
+            </a:r>
+            <a:endParaRPr lang="ru-RU" sz="3000" dirty="0">
+              <a:solidFill>
+                <a:schemeClr val="bg1"/>
+              </a:solidFill>
+            </a:endParaRPr>
           </a:p>
           <a:p>
             <a:pPr algn="l">
@@ -8328,38 +9761,18 @@
               </a:defRPr>
             </a:pPr>
             <a:r>
-              <a:rPr lang="ru-RU" dirty="0" smtClean="0"/>
-              <a:t>Керівник</a:t>
-            </a:r>
-            <a:r>
-              <a:rPr lang="ru-RU" b="1" dirty="0" smtClean="0"/>
-              <a:t> </a:t>
-            </a:r>
-            <a:r>
-              <a:rPr lang="ru-RU" dirty="0"/>
-              <a:t>проекту</a:t>
-            </a:r>
-          </a:p>
-          <a:p>
-            <a:pPr algn="l">
-              <a:spcBef>
-                <a:spcPts val="500"/>
-              </a:spcBef>
-              <a:defRPr sz="2800">
+              <a:rPr lang="ru-RU" sz="3000" dirty="0" smtClean="0">
                 <a:solidFill>
-                  <a:srgbClr val="155472"/>
+                  <a:schemeClr val="bg1"/>
                 </a:solidFill>
-                <a:latin typeface="Arial"/>
-                <a:ea typeface="Arial"/>
-                <a:cs typeface="Arial"/>
-                <a:sym typeface="Arial"/>
-              </a:defRPr>
-            </a:pPr>
-            <a:r>
-              <a:rPr lang="ru-RU" dirty="0" smtClean="0"/>
+              </a:rPr>
               <a:t>Розробник</a:t>
             </a:r>
-            <a:endParaRPr lang="ru-RU" dirty="0"/>
+            <a:endParaRPr lang="ru-RU" sz="3000" dirty="0">
+              <a:solidFill>
+                <a:schemeClr val="bg1"/>
+              </a:solidFill>
+            </a:endParaRPr>
           </a:p>
         </p:txBody>
       </p:sp>
@@ -8371,8 +9784,8 @@
         </p:nvSpPr>
         <p:spPr>
           <a:xfrm>
-            <a:off x="9806902" y="4995002"/>
-            <a:ext cx="2690797" cy="1513231"/>
+            <a:off x="9466551" y="5481890"/>
+            <a:ext cx="2871936" cy="1772276"/>
           </a:xfrm>
           <a:prstGeom prst="rect">
             <a:avLst/>
@@ -8382,7 +9795,7 @@
           </a:ln>
           <a:extLst>
             <a:ext uri="{C572A759-6A51-4108-AA02-DFA0A04FC94B}">
-              <ma14:wrappingTextBoxFlag xmlns:ma14="http://schemas.microsoft.com/office/mac/drawingml/2011/main" xmlns="" val="1"/>
+              <ma14:wrappingTextBoxFlag xmlns="" xmlns:ma14="http://schemas.microsoft.com/office/mac/drawingml/2011/main" val="1"/>
             </a:ext>
           </a:extLst>
         </p:spPr>
@@ -8403,18 +9816,66 @@
           <a:p>
             <a:pPr algn="l"/>
             <a:r>
-              <a:rPr dirty="0" err="1"/>
+              <a:rPr sz="3000" dirty="0" err="1">
+                <a:solidFill>
+                  <a:schemeClr val="bg1"/>
+                </a:solidFill>
+              </a:rPr>
               <a:t>Михайло</a:t>
             </a:r>
             <a:r>
-              <a:rPr dirty="0"/>
+              <a:rPr sz="3000" dirty="0">
+                <a:solidFill>
+                  <a:schemeClr val="bg1"/>
+                </a:solidFill>
+              </a:rPr>
               <a:t> </a:t>
             </a:r>
             <a:r>
-              <a:rPr dirty="0" err="1" smtClean="0"/>
+              <a:rPr sz="3000" dirty="0" err="1" smtClean="0">
+                <a:solidFill>
+                  <a:schemeClr val="bg1"/>
+                </a:solidFill>
+              </a:rPr>
               <a:t>Дубас</a:t>
             </a:r>
-            <a:endParaRPr lang="en-US" dirty="0"/>
+            <a:endParaRPr lang="en-US" sz="3000" dirty="0">
+              <a:solidFill>
+                <a:schemeClr val="bg1"/>
+              </a:solidFill>
+            </a:endParaRPr>
+          </a:p>
+          <a:p>
+            <a:pPr algn="l">
+              <a:spcBef>
+                <a:spcPts val="1800"/>
+              </a:spcBef>
+              <a:defRPr sz="2800">
+                <a:solidFill>
+                  <a:srgbClr val="155472"/>
+                </a:solidFill>
+                <a:latin typeface="Arial"/>
+                <a:ea typeface="Arial"/>
+                <a:cs typeface="Arial"/>
+                <a:sym typeface="Arial"/>
+              </a:defRPr>
+            </a:pPr>
+            <a:r>
+              <a:rPr lang="en-US" sz="3000" dirty="0">
+                <a:solidFill>
+                  <a:schemeClr val="bg1"/>
+                </a:solidFill>
+              </a:rPr>
+              <a:t>PR-</a:t>
+            </a:r>
+            <a:r>
+              <a:rPr lang="ru-RU" sz="3000" dirty="0">
+                <a:solidFill>
+                  <a:schemeClr val="bg1"/>
+                </a:solidFill>
+              </a:rPr>
+              <a:t>менеджер</a:t>
+            </a:r>
           </a:p>
           <a:p>
             <a:pPr algn="l">
@@ -8432,43 +9893,73 @@
               </a:defRPr>
             </a:pPr>
             <a:r>
-              <a:rPr lang="en-US" dirty="0"/>
-              <a:t>PR-</a:t>
-            </a:r>
-            <a:r>
-              <a:rPr lang="ru-RU" dirty="0"/>
-              <a:t>менеджер</a:t>
-            </a:r>
-          </a:p>
-          <a:p>
-            <a:pPr algn="l">
-              <a:spcBef>
-                <a:spcPts val="500"/>
-              </a:spcBef>
-              <a:defRPr sz="2800">
+              <a:rPr lang="ru-RU" sz="3000" dirty="0" smtClean="0">
                 <a:solidFill>
-                  <a:srgbClr val="155472"/>
+                  <a:schemeClr val="bg1"/>
                 </a:solidFill>
-                <a:latin typeface="Arial"/>
-                <a:ea typeface="Arial"/>
-                <a:cs typeface="Arial"/>
-                <a:sym typeface="Arial"/>
-              </a:defRPr>
-            </a:pPr>
-            <a:r>
-              <a:rPr lang="ru-RU" dirty="0" smtClean="0"/>
+              </a:rPr>
               <a:t>Маркетолог</a:t>
             </a:r>
-            <a:endParaRPr lang="ru-RU" dirty="0"/>
+            <a:endParaRPr lang="ru-RU" sz="3000" dirty="0">
+              <a:solidFill>
+                <a:schemeClr val="bg1"/>
+              </a:solidFill>
+            </a:endParaRPr>
           </a:p>
         </p:txBody>
       </p:sp>
+      <p:pic>
+        <p:nvPicPr>
+          <p:cNvPr id="2" name="Picture 1"/>
+          <p:cNvPicPr>
+            <a:picLocks noChangeAspect="1"/>
+          </p:cNvPicPr>
+          <p:nvPr/>
+        </p:nvPicPr>
+        <p:blipFill>
+          <a:blip r:embed="rId2">
+            <a:extLst>
+              <a:ext uri="{BEBA8EAE-BF5A-486C-A8C5-ECC9F3942E4B}">
+                <a14:imgProps xmlns:a14="http://schemas.microsoft.com/office/drawing/2010/main">
+                  <a14:imgLayer r:embed="rId3">
+                    <a14:imgEffect>
+                      <a14:brightnessContrast bright="25000" contrast="31000"/>
+                    </a14:imgEffect>
+                  </a14:imgLayer>
+                </a14:imgProps>
+              </a:ext>
+              <a:ext uri="{28A0092B-C50C-407E-A947-70E740481C1C}">
+                <a14:useLocalDpi xmlns:a14="http://schemas.microsoft.com/office/drawing/2010/main" val="0"/>
+              </a:ext>
+            </a:extLst>
+          </a:blip>
+          <a:stretch>
+            <a:fillRect/>
+          </a:stretch>
+        </p:blipFill>
+        <p:spPr>
+          <a:xfrm>
+            <a:off x="814118" y="1154383"/>
+            <a:ext cx="11298714" cy="4237018"/>
+          </a:xfrm>
+          <a:prstGeom prst="rect">
+            <a:avLst/>
+          </a:prstGeom>
+        </p:spPr>
+      </p:pic>
     </p:spTree>
   </p:cSld>
   <p:clrMapOvr>
     <a:masterClrMapping/>
   </p:clrMapOvr>
   <p:transition spd="slow"/>
+  <p:timing>
+    <p:tnLst>
+      <p:par>
+        <p:cTn id="1" dur="indefinite" restart="never" nodeType="tmRoot"/>
+      </p:par>
+    </p:tnLst>
+  </p:timing>
 </p:sld>
 </file>
 

--- a/presentation/Presentation_edited.pptx
+++ b/presentation/Presentation_edited.pptx
@@ -348,7 +348,7 @@
           <a:lstStyle/>
           <a:p>
             <a:pPr>
-              <a:defRPr sz="2800" b="0" i="0" u="none" strike="noStrike" kern="1200" spc="0" baseline="0">
+              <a:defRPr sz="2900" b="0" i="0" u="none" strike="noStrike" kern="1200" spc="0" baseline="0">
                 <a:solidFill>
                   <a:schemeClr val="tx1">
                     <a:lumMod val="65000"/>
@@ -361,7 +361,7 @@
               </a:defRPr>
             </a:pPr>
             <a:r>
-              <a:rPr lang="ru-RU" sz="2800" dirty="0">
+              <a:rPr lang="ru-RU" sz="2900" dirty="0">
                 <a:solidFill>
                   <a:schemeClr val="bg1"/>
                 </a:solidFill>
@@ -369,7 +369,7 @@
               <a:t>Заробiтня плата </a:t>
             </a:r>
             <a:r>
-              <a:rPr lang="en-US" sz="2800" dirty="0" smtClean="0">
+              <a:rPr lang="en-US" sz="2900" dirty="0" smtClean="0">
                 <a:solidFill>
                   <a:schemeClr val="bg1"/>
                 </a:solidFill>
@@ -377,7 +377,7 @@
               <a:t>у</a:t>
             </a:r>
             <a:r>
-              <a:rPr lang="ru-RU" sz="2800" dirty="0" smtClean="0">
+              <a:rPr lang="ru-RU" sz="2900" dirty="0" smtClean="0">
                 <a:solidFill>
                   <a:schemeClr val="bg1"/>
                 </a:solidFill>
@@ -385,7 +385,7 @@
               <a:t>краïнцiв </a:t>
             </a:r>
             <a:r>
-              <a:rPr lang="ru-RU" sz="2800" dirty="0">
+              <a:rPr lang="ru-RU" sz="2900" dirty="0">
                 <a:solidFill>
                   <a:schemeClr val="bg1"/>
                 </a:solidFill>
@@ -393,7 +393,7 @@
               <a:t>на фрiланс </a:t>
             </a:r>
             <a:r>
-              <a:rPr lang="ru-RU" sz="2800" dirty="0" smtClean="0">
+              <a:rPr lang="ru-RU" sz="2900" dirty="0" smtClean="0">
                 <a:solidFill>
                   <a:schemeClr val="bg1"/>
                 </a:solidFill>
@@ -401,7 +401,7 @@
               <a:t>бiржах</a:t>
             </a:r>
             <a:r>
-              <a:rPr lang="en-US" sz="2800" dirty="0" smtClean="0">
+              <a:rPr lang="en-US" sz="2900" dirty="0" smtClean="0">
                 <a:solidFill>
                   <a:schemeClr val="bg1"/>
                 </a:solidFill>
@@ -409,7 +409,7 @@
               <a:t>, </a:t>
             </a:r>
             <a:r>
-              <a:rPr lang="uk-UA" sz="2800" dirty="0" smtClean="0">
+              <a:rPr lang="uk-UA" sz="2900" dirty="0" smtClean="0">
                 <a:solidFill>
                   <a:schemeClr val="bg1"/>
                 </a:solidFill>
@@ -417,7 +417,7 @@
               <a:t>млн</a:t>
             </a:r>
             <a:r>
-              <a:rPr lang="uk-UA" sz="2800" baseline="0" dirty="0" smtClean="0">
+              <a:rPr lang="uk-UA" sz="2900" baseline="0" dirty="0" smtClean="0">
                 <a:solidFill>
                   <a:schemeClr val="bg1"/>
                 </a:solidFill>
@@ -425,14 +425,14 @@
               <a:t> </a:t>
             </a:r>
             <a:r>
-              <a:rPr lang="en-US" sz="2800" baseline="0" dirty="0" smtClean="0">
+              <a:rPr lang="en-US" sz="2900" baseline="0" dirty="0" smtClean="0">
                 <a:solidFill>
                   <a:schemeClr val="bg1"/>
                 </a:solidFill>
               </a:rPr>
               <a:t>$</a:t>
             </a:r>
-            <a:endParaRPr lang="en-US" sz="2800" dirty="0">
+            <a:endParaRPr lang="en-US" sz="2900" dirty="0">
               <a:solidFill>
                 <a:schemeClr val="bg1"/>
               </a:solidFill>
@@ -454,7 +454,7 @@
         <a:lstStyle/>
         <a:p>
           <a:pPr>
-            <a:defRPr sz="2800" b="0" i="0" u="none" strike="noStrike" kern="1200" spc="0" baseline="0">
+            <a:defRPr sz="2900" b="0" i="0" u="none" strike="noStrike" kern="1200" spc="0" baseline="0">
               <a:solidFill>
                 <a:schemeClr val="tx1">
                   <a:lumMod val="65000"/>
@@ -1522,6 +1522,67 @@
     </p:spTree>
     <p:extLst>
       <p:ext uri="{BB962C8B-B14F-4D97-AF65-F5344CB8AC3E}">
+        <p14:creationId xmlns:p14="http://schemas.microsoft.com/office/powerpoint/2010/main" val="743798055"/>
+      </p:ext>
+    </p:extLst>
+  </p:cSld>
+  <p:clrMapOvr>
+    <a:masterClrMapping/>
+  </p:clrMapOvr>
+</p:notes>
+</file>
+
+<file path=ppt/notesSlides/notesSlide3.xml><?xml version="1.0" encoding="utf-8"?>
+<p:notes xmlns:a="http://schemas.openxmlformats.org/drawingml/2006/main" xmlns:r="http://schemas.openxmlformats.org/officeDocument/2006/relationships" xmlns:p="http://schemas.openxmlformats.org/presentationml/2006/main">
+  <p:cSld>
+    <p:spTree>
+      <p:nvGrpSpPr>
+        <p:cNvPr id="1" name=""/>
+        <p:cNvGrpSpPr/>
+        <p:nvPr/>
+      </p:nvGrpSpPr>
+      <p:grpSpPr>
+        <a:xfrm>
+          <a:off x="0" y="0"/>
+          <a:ext cx="0" cy="0"/>
+          <a:chOff x="0" y="0"/>
+          <a:chExt cx="0" cy="0"/>
+        </a:xfrm>
+      </p:grpSpPr>
+      <p:sp>
+        <p:nvSpPr>
+          <p:cNvPr id="2" name="Slide Image Placeholder 1"/>
+          <p:cNvSpPr>
+            <a:spLocks noGrp="1" noRot="1" noChangeAspect="1"/>
+          </p:cNvSpPr>
+          <p:nvPr>
+            <p:ph type="sldImg"/>
+          </p:nvPr>
+        </p:nvSpPr>
+        <p:spPr/>
+      </p:sp>
+      <p:sp>
+        <p:nvSpPr>
+          <p:cNvPr id="3" name="Notes Placeholder 2"/>
+          <p:cNvSpPr>
+            <a:spLocks noGrp="1"/>
+          </p:cNvSpPr>
+          <p:nvPr>
+            <p:ph type="body" idx="1"/>
+          </p:nvPr>
+        </p:nvSpPr>
+        <p:spPr/>
+        <p:txBody>
+          <a:bodyPr/>
+          <a:lstStyle/>
+          <a:p>
+            <a:endParaRPr lang="en-US" dirty="0"/>
+          </a:p>
+        </p:txBody>
+      </p:sp>
+    </p:spTree>
+    <p:extLst>
+      <p:ext uri="{BB962C8B-B14F-4D97-AF65-F5344CB8AC3E}">
         <p14:creationId xmlns:p14="http://schemas.microsoft.com/office/powerpoint/2010/main" val="2406959805"/>
       </p:ext>
     </p:extLst>
@@ -4105,7 +4166,7 @@
           </a:ln>
           <a:extLst>
             <a:ext uri="{C572A759-6A51-4108-AA02-DFA0A04FC94B}">
-              <ma14:wrappingTextBoxFlag xmlns="" xmlns:ma14="http://schemas.microsoft.com/office/mac/drawingml/2011/main" val="1"/>
+              <ma14:wrappingTextBoxFlag xmlns:ma14="http://schemas.microsoft.com/office/mac/drawingml/2011/main" xmlns="" val="1"/>
             </a:ext>
           </a:extLst>
         </p:spPr>
@@ -4144,7 +4205,7 @@
           </a:ln>
           <a:extLst>
             <a:ext uri="{C572A759-6A51-4108-AA02-DFA0A04FC94B}">
-              <ma14:wrappingTextBoxFlag xmlns="" xmlns:ma14="http://schemas.microsoft.com/office/mac/drawingml/2011/main" val="1"/>
+              <ma14:wrappingTextBoxFlag xmlns:ma14="http://schemas.microsoft.com/office/mac/drawingml/2011/main" xmlns="" val="1"/>
             </a:ext>
           </a:extLst>
         </p:spPr>
@@ -5145,7 +5206,7 @@
           </a:ln>
           <a:extLst>
             <a:ext uri="{C572A759-6A51-4108-AA02-DFA0A04FC94B}">
-              <ma14:wrappingTextBoxFlag xmlns="" xmlns:ma14="http://schemas.microsoft.com/office/mac/drawingml/2011/main" val="1"/>
+              <ma14:wrappingTextBoxFlag xmlns:ma14="http://schemas.microsoft.com/office/mac/drawingml/2011/main" xmlns="" val="1"/>
             </a:ext>
           </a:extLst>
         </p:spPr>
@@ -5214,7 +5275,6 @@
               <a:rPr lang="uk-UA" dirty="0"/>
               <a:t>Дубас Михайло</a:t>
             </a:r>
-            <a:endParaRPr lang="uk-UA" dirty="0"/>
           </a:p>
         </p:txBody>
       </p:sp>
@@ -5267,8 +5327,8 @@
         </p:nvSpPr>
         <p:spPr>
           <a:xfrm>
-            <a:off x="406400" y="253999"/>
-            <a:ext cx="11176009" cy="829712"/>
+            <a:off x="406400" y="201168"/>
+            <a:ext cx="11176009" cy="841248"/>
           </a:xfrm>
           <a:prstGeom prst="rect">
             <a:avLst/>
@@ -5278,7 +5338,7 @@
           </a:ln>
           <a:extLst>
             <a:ext uri="{C572A759-6A51-4108-AA02-DFA0A04FC94B}">
-              <ma14:wrappingTextBoxFlag xmlns:ma14="http://schemas.microsoft.com/office/mac/drawingml/2011/main" xmlns="" val="1"/>
+              <ma14:wrappingTextBoxFlag xmlns="" xmlns:ma14="http://schemas.microsoft.com/office/mac/drawingml/2011/main" val="1"/>
             </a:ext>
           </a:extLst>
         </p:spPr>
@@ -5307,6 +5367,7 @@
           </a:lstStyle>
           <a:p>
             <a:r>
+              <a:rPr dirty="0"/>
               <a:t>пропозиція інвестору</a:t>
             </a:r>
           </a:p>
@@ -5320,7 +5381,7 @@
         </p:nvSpPr>
         <p:spPr>
           <a:xfrm>
-            <a:off x="416930" y="1375586"/>
+            <a:off x="548640" y="1375586"/>
             <a:ext cx="8845278" cy="718145"/>
           </a:xfrm>
           <a:prstGeom prst="rect">
@@ -5331,7 +5392,7 @@
           </a:ln>
           <a:extLst>
             <a:ext uri="{C572A759-6A51-4108-AA02-DFA0A04FC94B}">
-              <ma14:wrappingTextBoxFlag xmlns:ma14="http://schemas.microsoft.com/office/mac/drawingml/2011/main" xmlns="" val="1"/>
+              <ma14:wrappingTextBoxFlag xmlns="" xmlns:ma14="http://schemas.microsoft.com/office/mac/drawingml/2011/main" val="1"/>
             </a:ext>
           </a:extLst>
         </p:spPr>
@@ -5368,7 +5429,7 @@
         </p:nvSpPr>
         <p:spPr>
           <a:xfrm>
-            <a:off x="416930" y="4517727"/>
+            <a:off x="548640" y="4517727"/>
             <a:ext cx="10613902" cy="718145"/>
           </a:xfrm>
           <a:prstGeom prst="rect">
@@ -5379,7 +5440,7 @@
           </a:ln>
           <a:extLst>
             <a:ext uri="{C572A759-6A51-4108-AA02-DFA0A04FC94B}">
-              <ma14:wrappingTextBoxFlag xmlns:ma14="http://schemas.microsoft.com/office/mac/drawingml/2011/main" xmlns="" val="1"/>
+              <ma14:wrappingTextBoxFlag xmlns="" xmlns:ma14="http://schemas.microsoft.com/office/mac/drawingml/2011/main" val="1"/>
             </a:ext>
           </a:extLst>
         </p:spPr>
@@ -5414,14 +5475,14 @@
           <p:nvPr>
             <p:extLst>
               <p:ext uri="{D42A27DB-BD31-4B8C-83A1-F6EECF244321}">
-                <p14:modId xmlns:p14="http://schemas.microsoft.com/office/powerpoint/2010/main" val="3971620760"/>
+                <p14:modId xmlns:p14="http://schemas.microsoft.com/office/powerpoint/2010/main" val="797853299"/>
               </p:ext>
             </p:extLst>
           </p:nvPr>
         </p:nvGraphicFramePr>
         <p:xfrm>
-          <a:off x="442330" y="5411130"/>
-          <a:ext cx="11729824" cy="2817687"/>
+          <a:off x="548640" y="5411130"/>
+          <a:ext cx="11729824" cy="2999232"/>
         </p:xfrm>
         <a:graphic>
           <a:graphicData uri="http://schemas.openxmlformats.org/drawingml/2006/table">
@@ -5988,7 +6049,7 @@
           </a:ln>
           <a:extLst>
             <a:ext uri="{C572A759-6A51-4108-AA02-DFA0A04FC94B}">
-              <ma14:wrappingTextBoxFlag xmlns:ma14="http://schemas.microsoft.com/office/mac/drawingml/2011/main" xmlns="" val="1"/>
+              <ma14:wrappingTextBoxFlag xmlns="" xmlns:ma14="http://schemas.microsoft.com/office/mac/drawingml/2011/main" val="1"/>
             </a:ext>
           </a:extLst>
         </p:spPr>
@@ -6037,14 +6098,14 @@
           <p:nvPr>
             <p:extLst>
               <p:ext uri="{D42A27DB-BD31-4B8C-83A1-F6EECF244321}">
-                <p14:modId xmlns:p14="http://schemas.microsoft.com/office/powerpoint/2010/main" val="372890459"/>
+                <p14:modId xmlns:p14="http://schemas.microsoft.com/office/powerpoint/2010/main" val="175251426"/>
               </p:ext>
             </p:extLst>
           </p:nvPr>
         </p:nvGraphicFramePr>
         <p:xfrm>
-          <a:off x="442330" y="2317535"/>
-          <a:ext cx="11729824" cy="1378586"/>
+          <a:off x="548640" y="2317535"/>
+          <a:ext cx="11729824" cy="1499616"/>
         </p:xfrm>
         <a:graphic>
           <a:graphicData uri="http://schemas.openxmlformats.org/drawingml/2006/table">
@@ -6271,7 +6332,7 @@
           </a:ln>
           <a:extLst>
             <a:ext uri="{C572A759-6A51-4108-AA02-DFA0A04FC94B}">
-              <ma14:wrappingTextBoxFlag xmlns:ma14="http://schemas.microsoft.com/office/mac/drawingml/2011/main" xmlns="" val="1"/>
+              <ma14:wrappingTextBoxFlag xmlns="" xmlns:ma14="http://schemas.microsoft.com/office/mac/drawingml/2011/main" val="1"/>
             </a:ext>
           </a:extLst>
         </p:spPr>
@@ -6374,7 +6435,7 @@
         </p:nvSpPr>
         <p:spPr>
           <a:xfrm>
-            <a:off x="406400" y="194619"/>
+            <a:off x="406400" y="201168"/>
             <a:ext cx="11176000" cy="841258"/>
           </a:xfrm>
           <a:prstGeom prst="rect">
@@ -6412,8 +6473,8 @@
         </p:nvSpPr>
         <p:spPr>
           <a:xfrm>
-            <a:off x="406399" y="1081135"/>
-            <a:ext cx="12228945" cy="3416316"/>
+            <a:off x="548640" y="1371600"/>
+            <a:ext cx="11845518" cy="3216261"/>
           </a:xfrm>
           <a:prstGeom prst="rect">
             <a:avLst/>
@@ -6423,7 +6484,7 @@
           </a:ln>
           <a:extLst>
             <a:ext uri="{C572A759-6A51-4108-AA02-DFA0A04FC94B}">
-              <ma14:wrappingTextBoxFlag xmlns="" xmlns:ma14="http://schemas.microsoft.com/office/mac/drawingml/2011/main" val="1"/>
+              <ma14:wrappingTextBoxFlag xmlns:ma14="http://schemas.microsoft.com/office/mac/drawingml/2011/main" xmlns="" val="1"/>
             </a:ext>
           </a:extLst>
         </p:spPr>
@@ -6434,9 +6495,6 @@
           <a:lstStyle/>
           <a:p>
             <a:pPr>
-              <a:lnSpc>
-                <a:spcPct val="150000"/>
-              </a:lnSpc>
               <a:spcBef>
                 <a:spcPts val="0"/>
               </a:spcBef>
@@ -6470,7 +6528,7 @@
                 <a:spcPct val="150000"/>
               </a:lnSpc>
               <a:spcBef>
-                <a:spcPts val="0"/>
+                <a:spcPts val="600"/>
               </a:spcBef>
               <a:defRPr sz="4000">
                 <a:latin typeface="Arial"/>
@@ -6560,7 +6618,7 @@
         </p:nvSpPr>
         <p:spPr>
           <a:xfrm>
-            <a:off x="399211" y="194088"/>
+            <a:off x="399211" y="201168"/>
             <a:ext cx="11176007" cy="841257"/>
           </a:xfrm>
           <a:prstGeom prst="rect">
@@ -6602,15 +6660,15 @@
         </p:nvSpPr>
         <p:spPr>
           <a:xfrm>
-            <a:off x="399211" y="1260976"/>
-            <a:ext cx="12176755" cy="7669268"/>
+            <a:off x="548640" y="1371600"/>
+            <a:ext cx="12176755" cy="8095053"/>
           </a:xfrm>
           <a:prstGeom prst="rect">
             <a:avLst/>
           </a:prstGeom>
           <a:extLst>
             <a:ext uri="{C572A759-6A51-4108-AA02-DFA0A04FC94B}">
-              <ma14:wrappingTextBoxFlag xmlns="" xmlns:ma14="http://schemas.microsoft.com/office/mac/drawingml/2011/main" val="1"/>
+              <ma14:wrappingTextBoxFlag xmlns:ma14="http://schemas.microsoft.com/office/mac/drawingml/2011/main" xmlns="" val="1"/>
             </a:ext>
           </a:extLst>
         </p:spPr>
@@ -6920,7 +6978,7 @@
         </p:nvSpPr>
         <p:spPr>
           <a:xfrm>
-            <a:off x="397150" y="201449"/>
+            <a:off x="402336" y="201449"/>
             <a:ext cx="11176000" cy="841257"/>
           </a:xfrm>
           <a:prstGeom prst="rect">
@@ -6962,7 +7020,7 @@
         </p:nvSpPr>
         <p:spPr>
           <a:xfrm>
-            <a:off x="397150" y="1254900"/>
+            <a:off x="548640" y="1371600"/>
             <a:ext cx="12393380" cy="7681760"/>
           </a:xfrm>
           <a:prstGeom prst="rect">
@@ -6970,7 +7028,7 @@
           </a:prstGeom>
           <a:extLst>
             <a:ext uri="{C572A759-6A51-4108-AA02-DFA0A04FC94B}">
-              <ma14:wrappingTextBoxFlag xmlns="" xmlns:ma14="http://schemas.microsoft.com/office/mac/drawingml/2011/main" val="1"/>
+              <ma14:wrappingTextBoxFlag xmlns:ma14="http://schemas.microsoft.com/office/mac/drawingml/2011/main" xmlns="" val="1"/>
             </a:ext>
           </a:extLst>
         </p:spPr>
@@ -7001,7 +7059,6 @@
               <a:rPr lang="uk-UA" sz="3600" dirty="0" smtClean="0"/>
               <a:t>Роботодавець</a:t>
             </a:r>
-            <a:endParaRPr lang="uk-UA" sz="3600" dirty="0" smtClean="0"/>
           </a:p>
           <a:p>
             <a:pPr>
@@ -7144,7 +7201,6 @@
               <a:rPr lang="uk-UA" sz="3600" dirty="0" smtClean="0"/>
               <a:t>Фрілансер</a:t>
             </a:r>
-            <a:endParaRPr lang="uk-UA" sz="3600" dirty="0" smtClean="0"/>
           </a:p>
           <a:p>
             <a:pPr marL="571500" indent="-571500">
@@ -7346,8 +7402,8 @@
         </p:nvSpPr>
         <p:spPr>
           <a:xfrm>
-            <a:off x="395423" y="312253"/>
-            <a:ext cx="11176007" cy="730456"/>
+            <a:off x="402336" y="201168"/>
+            <a:ext cx="11176007" cy="841248"/>
           </a:xfrm>
           <a:prstGeom prst="rect">
             <a:avLst/>
@@ -7357,7 +7413,7 @@
           </a:ln>
           <a:extLst>
             <a:ext uri="{C572A759-6A51-4108-AA02-DFA0A04FC94B}">
-              <ma14:wrappingTextBoxFlag xmlns="" xmlns:ma14="http://schemas.microsoft.com/office/mac/drawingml/2011/main" val="1"/>
+              <ma14:wrappingTextBoxFlag xmlns:ma14="http://schemas.microsoft.com/office/mac/drawingml/2011/main" xmlns="" val="1"/>
             </a:ext>
           </a:extLst>
         </p:spPr>
@@ -7399,7 +7455,7 @@
           <p:nvPr>
             <p:extLst>
               <p:ext uri="{D42A27DB-BD31-4B8C-83A1-F6EECF244321}">
-                <p14:modId xmlns:p14="http://schemas.microsoft.com/office/powerpoint/2010/main" val="3149230588"/>
+                <p14:modId xmlns:p14="http://schemas.microsoft.com/office/powerpoint/2010/main" val="2716260947"/>
               </p:ext>
             </p:extLst>
           </p:nvPr>
@@ -7471,6 +7527,12 @@
                       <a:headEnd type="none" w="med" len="med"/>
                       <a:tailEnd type="none" w="med" len="med"/>
                     </a:lnTlToBr>
+                    <a:solidFill>
+                      <a:schemeClr val="tx2">
+                        <a:lumMod val="20000"/>
+                        <a:lumOff val="80000"/>
+                      </a:schemeClr>
+                    </a:solidFill>
                   </a:tcPr>
                 </a:tc>
                 <a:tc>
@@ -7499,7 +7561,14 @@
                       </a:r>
                     </a:p>
                   </a:txBody>
-                  <a:tcPr marL="45720" marR="45720" anchor="ctr" horzOverflow="overflow"/>
+                  <a:tcPr marL="45720" marR="45720" anchor="ctr" horzOverflow="overflow">
+                    <a:solidFill>
+                      <a:schemeClr val="tx2">
+                        <a:lumMod val="20000"/>
+                        <a:lumOff val="80000"/>
+                      </a:schemeClr>
+                    </a:solidFill>
+                  </a:tcPr>
                 </a:tc>
                 <a:tc>
                   <a:txBody>
@@ -7527,7 +7596,14 @@
                       </a:r>
                     </a:p>
                   </a:txBody>
-                  <a:tcPr marL="45720" marR="45720" anchor="ctr" horzOverflow="overflow"/>
+                  <a:tcPr marL="45720" marR="45720" anchor="ctr" horzOverflow="overflow">
+                    <a:solidFill>
+                      <a:schemeClr val="tx2">
+                        <a:lumMod val="20000"/>
+                        <a:lumOff val="80000"/>
+                      </a:schemeClr>
+                    </a:solidFill>
+                  </a:tcPr>
                 </a:tc>
                 <a:tc>
                   <a:txBody>
@@ -7555,7 +7631,14 @@
                       </a:r>
                     </a:p>
                   </a:txBody>
-                  <a:tcPr marL="45720" marR="45720" anchor="ctr" horzOverflow="overflow"/>
+                  <a:tcPr marL="45720" marR="45720" anchor="ctr" horzOverflow="overflow">
+                    <a:solidFill>
+                      <a:schemeClr val="tx2">
+                        <a:lumMod val="20000"/>
+                        <a:lumOff val="80000"/>
+                      </a:schemeClr>
+                    </a:solidFill>
+                  </a:tcPr>
                 </a:tc>
                 <a:extLst>
                   <a:ext uri="{0D108BD9-81ED-4DB2-BD59-A6C34878D82A}">
@@ -7582,6 +7665,18 @@
                           </a:solidFill>
                         </a:defRPr>
                       </a:pPr>
+                      <a:r>
+                        <a:rPr lang="en-US" sz="2800" dirty="0" smtClean="0">
+                          <a:solidFill>
+                            <a:srgbClr val="222222"/>
+                          </a:solidFill>
+                          <a:latin typeface="Arial"/>
+                          <a:ea typeface="Arial"/>
+                          <a:cs typeface="Arial"/>
+                          <a:sym typeface="Arial"/>
+                        </a:rPr>
+                        <a:t>???</a:t>
+                      </a:r>
                       <a:endParaRPr sz="2800" dirty="0">
                         <a:solidFill>
                           <a:srgbClr val="222222"/>
@@ -7593,7 +7688,14 @@
                       </a:endParaRPr>
                     </a:p>
                   </a:txBody>
-                  <a:tcPr marL="137160" marR="137160" marT="137160" marB="137160" anchor="ctr" horzOverflow="overflow"/>
+                  <a:tcPr marL="137160" marR="137160" marT="137160" marB="137160" anchor="ctr" horzOverflow="overflow">
+                    <a:solidFill>
+                      <a:schemeClr val="tx2">
+                        <a:lumMod val="20000"/>
+                        <a:lumOff val="80000"/>
+                      </a:schemeClr>
+                    </a:solidFill>
+                  </a:tcPr>
                 </a:tc>
                 <a:tc>
                   <a:txBody>
@@ -7709,7 +7811,14 @@
                       </a:r>
                     </a:p>
                   </a:txBody>
-                  <a:tcPr marL="137160" marR="137160" marT="137160" marB="137160" anchor="ctr" horzOverflow="overflow"/>
+                  <a:tcPr marL="137160" marR="137160" marT="137160" marB="137160" anchor="ctr" horzOverflow="overflow">
+                    <a:solidFill>
+                      <a:schemeClr val="tx2">
+                        <a:lumMod val="20000"/>
+                        <a:lumOff val="80000"/>
+                      </a:schemeClr>
+                    </a:solidFill>
+                  </a:tcPr>
                 </a:tc>
                 <a:tc>
                   <a:txBody>
@@ -7825,7 +7934,14 @@
                       </a:r>
                     </a:p>
                   </a:txBody>
-                  <a:tcPr marL="137160" marR="137160" marT="137160" marB="137160" anchor="ctr" horzOverflow="overflow"/>
+                  <a:tcPr marL="137160" marR="137160" marT="137160" marB="137160" anchor="ctr" horzOverflow="overflow">
+                    <a:solidFill>
+                      <a:schemeClr val="tx2">
+                        <a:lumMod val="20000"/>
+                        <a:lumOff val="80000"/>
+                      </a:schemeClr>
+                    </a:solidFill>
+                  </a:tcPr>
                 </a:tc>
                 <a:tc>
                   <a:txBody>
@@ -7962,7 +8078,14 @@
                       </a:endParaRPr>
                     </a:p>
                   </a:txBody>
-                  <a:tcPr marL="137160" marR="137160" marT="137160" marB="137160" anchor="ctr" horzOverflow="overflow"/>
+                  <a:tcPr marL="137160" marR="137160" marT="137160" marB="137160" anchor="ctr" horzOverflow="overflow">
+                    <a:solidFill>
+                      <a:schemeClr val="tx2">
+                        <a:lumMod val="20000"/>
+                        <a:lumOff val="80000"/>
+                      </a:schemeClr>
+                    </a:solidFill>
+                  </a:tcPr>
                 </a:tc>
                 <a:tc>
                   <a:txBody>
@@ -8110,7 +8233,7 @@
           </a:ln>
           <a:extLst>
             <a:ext uri="{C572A759-6A51-4108-AA02-DFA0A04FC94B}">
-              <ma14:wrappingTextBoxFlag xmlns="" xmlns:ma14="http://schemas.microsoft.com/office/mac/drawingml/2011/main" val="1"/>
+              <ma14:wrappingTextBoxFlag xmlns:ma14="http://schemas.microsoft.com/office/mac/drawingml/2011/main" xmlns="" val="1"/>
             </a:ext>
           </a:extLst>
         </p:spPr>
@@ -8155,7 +8278,7 @@
           </a:ln>
           <a:extLst>
             <a:ext uri="{C572A759-6A51-4108-AA02-DFA0A04FC94B}">
-              <ma14:wrappingTextBoxFlag xmlns="" xmlns:ma14="http://schemas.microsoft.com/office/mac/drawingml/2011/main" val="1"/>
+              <ma14:wrappingTextBoxFlag xmlns:ma14="http://schemas.microsoft.com/office/mac/drawingml/2011/main" xmlns="" val="1"/>
             </a:ext>
           </a:extLst>
         </p:spPr>
@@ -8181,36 +8304,6 @@
           </a:p>
         </p:txBody>
       </p:sp>
-      <p:pic>
-        <p:nvPicPr>
-          <p:cNvPr id="2" name="Picture 1"/>
-          <p:cNvPicPr>
-            <a:picLocks noChangeAspect="1"/>
-          </p:cNvPicPr>
-          <p:nvPr/>
-        </p:nvPicPr>
-        <p:blipFill>
-          <a:blip r:embed="rId3" cstate="print">
-            <a:extLst>
-              <a:ext uri="{28A0092B-C50C-407E-A947-70E740481C1C}">
-                <a14:useLocalDpi xmlns:a14="http://schemas.microsoft.com/office/drawing/2010/main" val="0"/>
-              </a:ext>
-            </a:extLst>
-          </a:blip>
-          <a:stretch>
-            <a:fillRect/>
-          </a:stretch>
-        </p:blipFill>
-        <p:spPr>
-          <a:xfrm>
-            <a:off x="4715054" y="4680760"/>
-            <a:ext cx="795864" cy="795864"/>
-          </a:xfrm>
-          <a:prstGeom prst="rect">
-            <a:avLst/>
-          </a:prstGeom>
-        </p:spPr>
-      </p:pic>
       <p:pic>
         <p:nvPicPr>
           <p:cNvPr id="14" name="Picture 13"/>
@@ -8353,7 +8446,37 @@
         </p:blipFill>
         <p:spPr>
           <a:xfrm>
-            <a:off x="4713079" y="3028118"/>
+            <a:off x="4713079" y="3039993"/>
+            <a:ext cx="795864" cy="795864"/>
+          </a:xfrm>
+          <a:prstGeom prst="rect">
+            <a:avLst/>
+          </a:prstGeom>
+        </p:spPr>
+      </p:pic>
+      <p:pic>
+        <p:nvPicPr>
+          <p:cNvPr id="13" name="Picture 12"/>
+          <p:cNvPicPr>
+            <a:picLocks noChangeAspect="1"/>
+          </p:cNvPicPr>
+          <p:nvPr/>
+        </p:nvPicPr>
+        <p:blipFill>
+          <a:blip r:embed="rId3" cstate="print">
+            <a:extLst>
+              <a:ext uri="{28A0092B-C50C-407E-A947-70E740481C1C}">
+                <a14:useLocalDpi xmlns:a14="http://schemas.microsoft.com/office/drawing/2010/main" val="0"/>
+              </a:ext>
+            </a:extLst>
+          </a:blip>
+          <a:stretch>
+            <a:fillRect/>
+          </a:stretch>
+        </p:blipFill>
+        <p:spPr>
+          <a:xfrm>
+            <a:off x="10720007" y="3073648"/>
             <a:ext cx="795864" cy="795864"/>
           </a:xfrm>
           <a:prstGeom prst="rect">
@@ -8410,8 +8533,8 @@
         </p:nvSpPr>
         <p:spPr>
           <a:xfrm>
-            <a:off x="395423" y="196611"/>
-            <a:ext cx="11176007" cy="952973"/>
+            <a:off x="402336" y="201168"/>
+            <a:ext cx="11176007" cy="841248"/>
           </a:xfrm>
           <a:prstGeom prst="rect">
             <a:avLst/>
@@ -8421,7 +8544,7 @@
           </a:ln>
           <a:extLst>
             <a:ext uri="{C572A759-6A51-4108-AA02-DFA0A04FC94B}">
-              <ma14:wrappingTextBoxFlag xmlns="" xmlns:ma14="http://schemas.microsoft.com/office/mac/drawingml/2011/main" val="1"/>
+              <ma14:wrappingTextBoxFlag xmlns:ma14="http://schemas.microsoft.com/office/mac/drawingml/2011/main" xmlns="" val="1"/>
             </a:ext>
           </a:extLst>
         </p:spPr>
@@ -8450,6 +8573,7 @@
           </a:lstStyle>
           <a:p>
             <a:r>
+              <a:rPr sz="5100" dirty="0"/>
               <a:t>Ринок</a:t>
             </a:r>
           </a:p>
@@ -8463,8 +8587,8 @@
         </p:nvSpPr>
         <p:spPr>
           <a:xfrm>
-            <a:off x="864651" y="4861434"/>
-            <a:ext cx="11046299" cy="1951492"/>
+            <a:off x="548640" y="5229564"/>
+            <a:ext cx="11211732" cy="2769985"/>
           </a:xfrm>
           <a:prstGeom prst="rect">
             <a:avLst/>
@@ -8474,7 +8598,7 @@
           </a:ln>
           <a:extLst>
             <a:ext uri="{C572A759-6A51-4108-AA02-DFA0A04FC94B}">
-              <ma14:wrappingTextBoxFlag xmlns="" xmlns:ma14="http://schemas.microsoft.com/office/mac/drawingml/2011/main" val="1"/>
+              <ma14:wrappingTextBoxFlag xmlns:ma14="http://schemas.microsoft.com/office/mac/drawingml/2011/main" xmlns="" val="1"/>
             </a:ext>
           </a:extLst>
         </p:spPr>
@@ -8499,12 +8623,12 @@
               </a:defRPr>
             </a:pPr>
             <a:r>
-              <a:rPr lang="uk-UA" sz="2800" dirty="0" smtClean="0"/>
-              <a:t>5% наша доля </a:t>
-            </a:r>
-            <a:r>
-              <a:rPr lang="uk-UA" sz="2800" dirty="0" smtClean="0"/>
-              <a:t>ринка</a:t>
+              <a:rPr lang="uk-UA" sz="2900" dirty="0" smtClean="0"/>
+              <a:t>Н</a:t>
+            </a:r>
+            <a:r>
+              <a:rPr lang="uk-UA" sz="2900" dirty="0" smtClean="0"/>
+              <a:t>аша доля ринку складе 5% від ринку заробітньої платні, </a:t>
             </a:r>
           </a:p>
           <a:p>
@@ -8523,32 +8647,20 @@
               </a:defRPr>
             </a:pPr>
             <a:r>
-              <a:rPr lang="uk-UA" sz="2800" dirty="0" smtClean="0"/>
-              <a:t>Наш </a:t>
-            </a:r>
-            <a:r>
-              <a:rPr lang="uk-UA" sz="2800" dirty="0" smtClean="0"/>
-              <a:t>заробіток – 10% від </a:t>
-            </a:r>
-            <a:r>
-              <a:rPr lang="uk-UA" sz="2800" dirty="0" smtClean="0"/>
-              <a:t>нашо</a:t>
-            </a:r>
-            <a:r>
-              <a:rPr lang="en-US" sz="2800" dirty="0" smtClean="0"/>
-              <a:t>ї</a:t>
-            </a:r>
-            <a:r>
-              <a:rPr lang="uk-UA" sz="2800" dirty="0" smtClean="0"/>
-              <a:t> </a:t>
-            </a:r>
-            <a:r>
-              <a:rPr lang="uk-UA" sz="2800" dirty="0" smtClean="0"/>
-              <a:t>долі </a:t>
-            </a:r>
-            <a:r>
-              <a:rPr lang="uk-UA" sz="2800" dirty="0" smtClean="0"/>
-              <a:t>ринка</a:t>
+              <a:rPr lang="uk-UA" sz="2900" dirty="0" smtClean="0"/>
+              <a:t>тобто </a:t>
+            </a:r>
+            <a:r>
+              <a:rPr lang="en-US" sz="2900" dirty="0"/>
+              <a:t>$</a:t>
+            </a:r>
+            <a:r>
+              <a:rPr lang="en-US" sz="2900" dirty="0" smtClean="0"/>
+              <a:t>3,500,000 </a:t>
+            </a:r>
+            <a:r>
+              <a:rPr lang="uk-UA" sz="2900" dirty="0" smtClean="0"/>
+              <a:t>в рік</a:t>
             </a:r>
           </a:p>
           <a:p>
@@ -8567,34 +8679,18 @@
               </a:defRPr>
             </a:pPr>
             <a:r>
-              <a:rPr lang="uk-UA" sz="2800" dirty="0" smtClean="0"/>
-              <a:t>Це </a:t>
-            </a:r>
-            <a:r>
-              <a:rPr lang="uk-UA" sz="2800" dirty="0" smtClean="0"/>
-              <a:t>складе </a:t>
-            </a:r>
-            <a:r>
-              <a:rPr lang="en-US" sz="2800" dirty="0" smtClean="0"/>
-              <a:t>$</a:t>
-            </a:r>
-            <a:r>
-              <a:rPr lang="uk-UA" sz="2800" dirty="0" smtClean="0"/>
-              <a:t>350,000</a:t>
-            </a:r>
-            <a:r>
-              <a:rPr lang="ru-RU" sz="2800" dirty="0"/>
-              <a:t> </a:t>
-            </a:r>
-            <a:r>
-              <a:rPr lang="ru-RU" sz="2800" dirty="0" smtClean="0"/>
-              <a:t>в р</a:t>
-            </a:r>
-            <a:r>
-              <a:rPr lang="uk-UA" sz="2800" dirty="0" smtClean="0"/>
-              <a:t>ік</a:t>
-            </a:r>
-            <a:endParaRPr sz="2800" dirty="0"/>
+              <a:rPr lang="uk-UA" sz="2900" dirty="0" smtClean="0"/>
+              <a:t>Дохід сервісу складе 10% від заробітньої платні фрілансерів сервісу, тобто $350,000 </a:t>
+            </a:r>
+            <a:r>
+              <a:rPr lang="uk-UA" sz="2900" dirty="0"/>
+              <a:t>в </a:t>
+            </a:r>
+            <a:r>
+              <a:rPr lang="uk-UA" sz="2900" dirty="0" smtClean="0"/>
+              <a:t>рік</a:t>
+            </a:r>
+            <a:endParaRPr lang="uk-UA" sz="2900" dirty="0"/>
           </a:p>
         </p:txBody>
       </p:sp>
@@ -8605,14 +8701,14 @@
           <p:nvPr>
             <p:extLst>
               <p:ext uri="{D42A27DB-BD31-4B8C-83A1-F6EECF244321}">
-                <p14:modId xmlns:p14="http://schemas.microsoft.com/office/powerpoint/2010/main" val="2437985718"/>
+                <p14:modId xmlns:p14="http://schemas.microsoft.com/office/powerpoint/2010/main" val="29903055"/>
               </p:ext>
             </p:extLst>
           </p:nvPr>
         </p:nvGraphicFramePr>
         <p:xfrm>
-          <a:off x="926276" y="1294410"/>
-          <a:ext cx="10806546" cy="3123503"/>
+          <a:off x="831273" y="1246908"/>
+          <a:ext cx="11234057" cy="3978235"/>
         </p:xfrm>
         <a:graphic>
           <a:graphicData uri="http://schemas.openxmlformats.org/drawingml/2006/chart">
@@ -8669,8 +8765,8 @@
         </p:nvSpPr>
         <p:spPr>
           <a:xfrm>
-            <a:off x="395424" y="196613"/>
-            <a:ext cx="11985553" cy="952973"/>
+            <a:off x="402336" y="201168"/>
+            <a:ext cx="11173968" cy="841248"/>
           </a:xfrm>
           <a:prstGeom prst="rect">
             <a:avLst/>
@@ -8680,7 +8776,7 @@
           </a:ln>
           <a:extLst>
             <a:ext uri="{C572A759-6A51-4108-AA02-DFA0A04FC94B}">
-              <ma14:wrappingTextBoxFlag xmlns="" xmlns:ma14="http://schemas.microsoft.com/office/mac/drawingml/2011/main" val="1"/>
+              <ma14:wrappingTextBoxFlag xmlns:ma14="http://schemas.microsoft.com/office/mac/drawingml/2011/main" xmlns="" val="1"/>
             </a:ext>
           </a:extLst>
         </p:spPr>
@@ -8709,6 +8805,7 @@
           </a:lstStyle>
           <a:p>
             <a:r>
+              <a:rPr sz="5100" dirty="0"/>
               <a:t>маркетинГОВА СТРАТЕГІЯ</a:t>
             </a:r>
           </a:p>
@@ -8726,8 +8823,8 @@
         </p:nvSpPr>
         <p:spPr>
           <a:xfrm>
-            <a:off x="395422" y="1747867"/>
-            <a:ext cx="12156796" cy="7739034"/>
+            <a:off x="548640" y="1371600"/>
+            <a:ext cx="12156796" cy="5807034"/>
           </a:xfrm>
           <a:prstGeom prst="rect">
             <a:avLst/>
@@ -8744,7 +8841,7 @@
                 <a:spcPct val="120000"/>
               </a:lnSpc>
               <a:spcBef>
-                <a:spcPts val="1800"/>
+                <a:spcPts val="1200"/>
               </a:spcBef>
               <a:defRPr sz="3600" cap="none" spc="0">
                 <a:solidFill>
@@ -8773,10 +8870,10 @@
           <a:p>
             <a:pPr defTabSz="584200">
               <a:lnSpc>
-                <a:spcPct val="120000"/>
+                <a:spcPct val="100000"/>
               </a:lnSpc>
               <a:spcBef>
-                <a:spcPts val="1800"/>
+                <a:spcPts val="1200"/>
               </a:spcBef>
               <a:defRPr sz="3600" cap="none" spc="0">
                 <a:solidFill>
@@ -8789,12 +8886,8 @@
               </a:defRPr>
             </a:pPr>
             <a:r>
-              <a:rPr b="0" dirty="0" err="1" smtClean="0"/>
-              <a:t>Для</a:t>
-            </a:r>
-            <a:r>
               <a:rPr b="0" dirty="0" smtClean="0"/>
-              <a:t> </a:t>
+              <a:t>Для </a:t>
             </a:r>
             <a:r>
               <a:rPr b="0" dirty="0"/>
@@ -8815,15 +8908,15 @@
             <a:endParaRPr lang="uk-UA" dirty="0" smtClean="0"/>
           </a:p>
           <a:p>
-            <a:pPr marL="571500" indent="-571500" defTabSz="584200">
+            <a:pPr marL="576072" indent="-576072" defTabSz="584200">
               <a:lnSpc>
-                <a:spcPct val="120000"/>
+                <a:spcPct val="100000"/>
               </a:lnSpc>
               <a:spcBef>
-                <a:spcPts val="1800"/>
+                <a:spcPts val="1200"/>
               </a:spcBef>
-              <a:buFont typeface="Arial" panose="020B0604020202020204" pitchFamily="34" charset="0"/>
-              <a:buChar char="•"/>
+              <a:buFont typeface="+mj-lt"/>
+              <a:buAutoNum type="arabicPeriod"/>
               <a:defRPr sz="3600" cap="none" spc="0">
                 <a:solidFill>
                   <a:srgbClr val="222222"/>
@@ -8836,19 +8929,20 @@
             </a:pPr>
             <a:r>
               <a:rPr lang="uk-UA" dirty="0" smtClean="0"/>
-              <a:t>Реклама в сервісах кооперативної праці</a:t>
-            </a:r>
-          </a:p>
-          <a:p>
-            <a:pPr marL="571500" indent="-571500" defTabSz="584200">
+              <a:t>Попередній збір аудиторії</a:t>
+            </a:r>
+            <a:endParaRPr lang="en-US" dirty="0" smtClean="0"/>
+          </a:p>
+          <a:p>
+            <a:pPr marL="576072" indent="-576072" defTabSz="584200">
               <a:lnSpc>
-                <a:spcPct val="120000"/>
+                <a:spcPct val="100000"/>
               </a:lnSpc>
               <a:spcBef>
-                <a:spcPts val="1800"/>
+                <a:spcPts val="1200"/>
               </a:spcBef>
-              <a:buFont typeface="Arial" panose="020B0604020202020204" pitchFamily="34" charset="0"/>
-              <a:buChar char="•"/>
+              <a:buFont typeface="+mj-lt"/>
+              <a:buAutoNum type="arabicPeriod"/>
               <a:defRPr sz="3600" cap="none" spc="0">
                 <a:solidFill>
                   <a:srgbClr val="222222"/>
@@ -8861,19 +8955,36 @@
             </a:pPr>
             <a:r>
               <a:rPr lang="uk-UA" dirty="0" smtClean="0"/>
-              <a:t>Реклама в сервісах для роботодавців</a:t>
-            </a:r>
-          </a:p>
-          <a:p>
-            <a:pPr marL="571500" indent="-571500" defTabSz="584200">
+              <a:t>Реклам</a:t>
+            </a:r>
+            <a:r>
+              <a:rPr lang="uk-UA" dirty="0"/>
+              <a:t>у</a:t>
+            </a:r>
+            <a:r>
+              <a:rPr lang="uk-UA" dirty="0" smtClean="0"/>
+              <a:t> в сервісах </a:t>
+            </a:r>
+            <a:r>
+              <a:rPr lang="uk-UA" dirty="0"/>
+              <a:t>для </a:t>
+            </a:r>
+            <a:r>
+              <a:rPr lang="uk-UA" dirty="0" smtClean="0"/>
+              <a:t>роботодавців</a:t>
+            </a:r>
+            <a:endParaRPr lang="uk-UA" dirty="0" smtClean="0"/>
+          </a:p>
+          <a:p>
+            <a:pPr marL="576072" indent="-576072" defTabSz="584200">
               <a:lnSpc>
-                <a:spcPct val="120000"/>
+                <a:spcPct val="100000"/>
               </a:lnSpc>
               <a:spcBef>
-                <a:spcPts val="1800"/>
+                <a:spcPts val="1200"/>
               </a:spcBef>
-              <a:buFont typeface="Arial" panose="020B0604020202020204" pitchFamily="34" charset="0"/>
-              <a:buChar char="•"/>
+              <a:buFont typeface="+mj-lt"/>
+              <a:buAutoNum type="arabicPeriod"/>
               <a:defRPr sz="3600" cap="none" spc="0">
                 <a:solidFill>
                   <a:srgbClr val="222222"/>
@@ -8886,19 +8997,27 @@
             </a:pPr>
             <a:r>
               <a:rPr lang="uk-UA" dirty="0" smtClean="0"/>
-              <a:t>Створювати партнерську мережі замовників</a:t>
-            </a:r>
-          </a:p>
-          <a:p>
-            <a:pPr marL="571500" indent="-571500" defTabSz="584200">
+              <a:t>Рекламу </a:t>
+            </a:r>
+            <a:r>
+              <a:rPr lang="uk-UA" dirty="0" smtClean="0"/>
+              <a:t>в сервісах кооперативної </a:t>
+            </a:r>
+            <a:r>
+              <a:rPr lang="uk-UA" dirty="0" smtClean="0"/>
+              <a:t>праці</a:t>
+            </a:r>
+          </a:p>
+          <a:p>
+            <a:pPr marL="576072" indent="-576072" defTabSz="584200">
               <a:lnSpc>
-                <a:spcPct val="120000"/>
+                <a:spcPct val="100000"/>
               </a:lnSpc>
               <a:spcBef>
-                <a:spcPts val="1800"/>
+                <a:spcPts val="1200"/>
               </a:spcBef>
-              <a:buFont typeface="Arial" panose="020B0604020202020204" pitchFamily="34" charset="0"/>
-              <a:buChar char="•"/>
+              <a:buFont typeface="+mj-lt"/>
+              <a:buAutoNum type="arabicPeriod"/>
               <a:defRPr sz="3600" cap="none" spc="0">
                 <a:solidFill>
                   <a:srgbClr val="222222"/>
@@ -8911,19 +9030,32 @@
             </a:pPr>
             <a:r>
               <a:rPr lang="uk-UA" dirty="0" smtClean="0"/>
-              <a:t>Асоциація роботодавців</a:t>
-            </a:r>
-          </a:p>
-          <a:p>
-            <a:pPr marL="571500" indent="-571500" defTabSz="584200">
+              <a:t>Статті в спільнотах </a:t>
+            </a:r>
+            <a:r>
+              <a:rPr lang="en-US" dirty="0" smtClean="0"/>
+              <a:t>habrahabr </a:t>
+            </a:r>
+            <a:r>
+              <a:rPr lang="uk-UA" dirty="0" smtClean="0"/>
+              <a:t>та</a:t>
+            </a:r>
+            <a:r>
+              <a:rPr lang="en-US" dirty="0" smtClean="0"/>
+              <a:t> dou</a:t>
+            </a:r>
+            <a:endParaRPr lang="uk-UA" dirty="0" smtClean="0"/>
+          </a:p>
+          <a:p>
+            <a:pPr marL="576072" indent="-576072" defTabSz="584200">
               <a:lnSpc>
-                <a:spcPct val="120000"/>
+                <a:spcPct val="100000"/>
               </a:lnSpc>
               <a:spcBef>
-                <a:spcPts val="1800"/>
+                <a:spcPts val="1200"/>
               </a:spcBef>
-              <a:buFont typeface="Arial" panose="020B0604020202020204" pitchFamily="34" charset="0"/>
-              <a:buChar char="•"/>
+              <a:buFont typeface="+mj-lt"/>
+              <a:buAutoNum type="arabicPeriod"/>
               <a:defRPr sz="3600" cap="none" spc="0">
                 <a:solidFill>
                   <a:srgbClr val="222222"/>
@@ -8934,16 +9066,29 @@
                 <a:sym typeface="Arial"/>
               </a:defRPr>
             </a:pPr>
-            <a:endParaRPr lang="uk-UA" dirty="0"/>
-          </a:p>
-          <a:p>
-            <a:pPr defTabSz="584200">
+            <a:r>
+              <a:rPr lang="uk-UA" dirty="0"/>
+              <a:t>П</a:t>
+            </a:r>
+            <a:r>
+              <a:rPr lang="uk-UA" dirty="0" smtClean="0"/>
+              <a:t>артнерську програму для </a:t>
+            </a:r>
+            <a:r>
+              <a:rPr lang="uk-UA" dirty="0" smtClean="0"/>
+              <a:t>замовників</a:t>
+            </a:r>
+          </a:p>
+          <a:p>
+            <a:pPr marL="576072" indent="-576072" defTabSz="584200">
               <a:lnSpc>
-                <a:spcPct val="120000"/>
+                <a:spcPct val="100000"/>
               </a:lnSpc>
               <a:spcBef>
-                <a:spcPts val="1800"/>
+                <a:spcPts val="1200"/>
               </a:spcBef>
+              <a:buFont typeface="+mj-lt"/>
+              <a:buAutoNum type="arabicPeriod"/>
               <a:defRPr sz="3600" cap="none" spc="0">
                 <a:solidFill>
                   <a:srgbClr val="222222"/>
@@ -8956,52 +9101,9 @@
             </a:pPr>
             <a:r>
               <a:rPr lang="uk-UA" dirty="0" smtClean="0"/>
-              <a:t>Нумерований список</a:t>
-            </a:r>
-          </a:p>
-          <a:p>
-            <a:pPr marL="571500" indent="-571500" defTabSz="584200">
-              <a:lnSpc>
-                <a:spcPct val="120000"/>
-              </a:lnSpc>
-              <a:spcBef>
-                <a:spcPts val="1800"/>
-              </a:spcBef>
-              <a:buFont typeface="Arial" panose="020B0604020202020204" pitchFamily="34" charset="0"/>
-              <a:buChar char="•"/>
-              <a:defRPr sz="3600" cap="none" spc="0">
-                <a:solidFill>
-                  <a:srgbClr val="222222"/>
-                </a:solidFill>
-                <a:latin typeface="Arial"/>
-                <a:ea typeface="Arial"/>
-                <a:cs typeface="Arial"/>
-                <a:sym typeface="Arial"/>
-              </a:defRPr>
-            </a:pPr>
+              <a:t>Асоціація роботодавців???</a:t>
+            </a:r>
             <a:endParaRPr lang="uk-UA" dirty="0" smtClean="0"/>
-          </a:p>
-          <a:p>
-            <a:pPr marL="571500" indent="-571500" defTabSz="584200">
-              <a:lnSpc>
-                <a:spcPct val="120000"/>
-              </a:lnSpc>
-              <a:spcBef>
-                <a:spcPts val="1800"/>
-              </a:spcBef>
-              <a:buFont typeface="Arial" panose="020B0604020202020204" pitchFamily="34" charset="0"/>
-              <a:buChar char="•"/>
-              <a:defRPr sz="3600" cap="none" spc="0">
-                <a:solidFill>
-                  <a:srgbClr val="222222"/>
-                </a:solidFill>
-                <a:latin typeface="Arial"/>
-                <a:ea typeface="Arial"/>
-                <a:cs typeface="Arial"/>
-                <a:sym typeface="Arial"/>
-              </a:defRPr>
-            </a:pPr>
-            <a:endParaRPr lang="en-US" dirty="0" smtClean="0"/>
           </a:p>
         </p:txBody>
       </p:sp>
@@ -9058,8 +9160,8 @@
         </p:nvSpPr>
         <p:spPr>
           <a:xfrm>
-            <a:off x="346189" y="1876045"/>
-            <a:ext cx="12341112" cy="5968543"/>
+            <a:off x="548640" y="1371600"/>
+            <a:ext cx="11896700" cy="5968543"/>
           </a:xfrm>
           <a:prstGeom prst="rect">
             <a:avLst/>
@@ -9071,19 +9173,13 @@
           </a:bodyPr>
           <a:lstStyle/>
           <a:p>
-            <a:pPr marL="444500" indent="-444500" defTabSz="584200">
+            <a:pPr marL="571500" indent="-571500" defTabSz="584200">
               <a:lnSpc>
-                <a:spcPct val="110000"/>
+                <a:spcPct val="150000"/>
               </a:lnSpc>
-              <a:spcBef>
-                <a:spcPts val="2800"/>
-              </a:spcBef>
-              <a:buClr>
-                <a:schemeClr val="accent1"/>
-              </a:buClr>
-              <a:buSzPct val="60000"/>
-              <a:buFont typeface="Arial"/>
-              <a:buChar char="►"/>
+              <a:buSzPct val="100000"/>
+              <a:buFont typeface="Arial" panose="020B0604020202020204" pitchFamily="34" charset="0"/>
+              <a:buChar char="•"/>
               <a:defRPr sz="3900" cap="none" spc="0">
                 <a:solidFill>
                   <a:srgbClr val="222222"/>
@@ -9106,29 +9202,20 @@
               <a:rPr lang="ru-RU" sz="3600" dirty="0" smtClean="0"/>
               <a:t>аудиторії</a:t>
             </a:r>
-            <a:r>
-              <a:rPr lang="ru-RU" sz="3600" dirty="0" smtClean="0">
-                <a:solidFill>
-                  <a:schemeClr val="bg1"/>
-                </a:solidFill>
-              </a:rPr>
-              <a:t> </a:t>
-            </a:r>
-          </a:p>
-          <a:p>
-            <a:pPr marL="444500" indent="-444500" defTabSz="584200">
+            <a:endParaRPr lang="ru-RU" sz="3600" dirty="0" smtClean="0">
+              <a:solidFill>
+                <a:schemeClr val="bg1"/>
+              </a:solidFill>
+            </a:endParaRPr>
+          </a:p>
+          <a:p>
+            <a:pPr marL="571500" indent="-571500" defTabSz="584200">
               <a:lnSpc>
-                <a:spcPct val="110000"/>
+                <a:spcPct val="150000"/>
               </a:lnSpc>
-              <a:spcBef>
-                <a:spcPts val="2800"/>
-              </a:spcBef>
-              <a:buClr>
-                <a:schemeClr val="accent1"/>
-              </a:buClr>
-              <a:buSzPct val="60000"/>
-              <a:buFont typeface="Arial"/>
-              <a:buChar char="►"/>
+              <a:buSzPct val="100000"/>
+              <a:buFont typeface="Arial" panose="020B0604020202020204" pitchFamily="34" charset="0"/>
+              <a:buChar char="•"/>
               <a:defRPr sz="3900" cap="none" spc="0">
                 <a:solidFill>
                   <a:srgbClr val="222222"/>
@@ -9182,19 +9269,13 @@
             <a:endParaRPr lang="uk-UA" sz="3600" b="1" dirty="0" smtClean="0"/>
           </a:p>
           <a:p>
-            <a:pPr marL="444500" indent="-444500" defTabSz="584200">
+            <a:pPr marL="571500" indent="-571500" defTabSz="584200">
               <a:lnSpc>
-                <a:spcPct val="110000"/>
+                <a:spcPct val="150000"/>
               </a:lnSpc>
-              <a:spcBef>
-                <a:spcPts val="2800"/>
-              </a:spcBef>
-              <a:buClr>
-                <a:schemeClr val="accent1"/>
-              </a:buClr>
-              <a:buSzPct val="60000"/>
-              <a:buFont typeface="Arial"/>
-              <a:buChar char="►"/>
+              <a:buSzPct val="100000"/>
+              <a:buFont typeface="Arial" panose="020B0604020202020204" pitchFamily="34" charset="0"/>
+              <a:buChar char="•"/>
               <a:defRPr sz="3900" cap="none" spc="0">
                 <a:solidFill>
                   <a:srgbClr val="222222"/>
@@ -9244,8 +9325,8 @@
         </p:nvSpPr>
         <p:spPr>
           <a:xfrm>
-            <a:off x="346189" y="196613"/>
-            <a:ext cx="11176007" cy="952973"/>
+            <a:off x="402336" y="201168"/>
+            <a:ext cx="11176007" cy="841248"/>
           </a:xfrm>
           <a:prstGeom prst="rect">
             <a:avLst/>
@@ -9255,7 +9336,7 @@
           </a:ln>
           <a:extLst>
             <a:ext uri="{C572A759-6A51-4108-AA02-DFA0A04FC94B}">
-              <ma14:wrappingTextBoxFlag xmlns="" xmlns:ma14="http://schemas.microsoft.com/office/mac/drawingml/2011/main" val="1"/>
+              <ma14:wrappingTextBoxFlag xmlns:ma14="http://schemas.microsoft.com/office/mac/drawingml/2011/main" xmlns="" val="1"/>
             </a:ext>
           </a:extLst>
         </p:spPr>
@@ -9284,6 +9365,7 @@
           </a:lstStyle>
           <a:p>
             <a:r>
+              <a:rPr sz="5100" dirty="0"/>
               <a:t>ПоточнА СИТУАЦІЯ</a:t>
             </a:r>
           </a:p>
@@ -9338,8 +9420,8 @@
         </p:nvSpPr>
         <p:spPr>
           <a:xfrm>
-            <a:off x="395423" y="76197"/>
-            <a:ext cx="11176007" cy="952973"/>
+            <a:off x="402336" y="201168"/>
+            <a:ext cx="11176007" cy="841248"/>
           </a:xfrm>
           <a:prstGeom prst="rect">
             <a:avLst/>
@@ -9349,7 +9431,7 @@
           </a:ln>
           <a:extLst>
             <a:ext uri="{C572A759-6A51-4108-AA02-DFA0A04FC94B}">
-              <ma14:wrappingTextBoxFlag xmlns="" xmlns:ma14="http://schemas.microsoft.com/office/mac/drawingml/2011/main" val="1"/>
+              <ma14:wrappingTextBoxFlag xmlns:ma14="http://schemas.microsoft.com/office/mac/drawingml/2011/main" xmlns="" val="1"/>
             </a:ext>
           </a:extLst>
         </p:spPr>
@@ -9378,6 +9460,7 @@
           </a:lstStyle>
           <a:p>
             <a:r>
+              <a:rPr sz="5100" dirty="0"/>
               <a:t>Команда ПРОЕКТУ</a:t>
             </a:r>
           </a:p>
@@ -9391,8 +9474,8 @@
         </p:nvSpPr>
         <p:spPr>
           <a:xfrm>
-            <a:off x="510636" y="7532296"/>
-            <a:ext cx="12005954" cy="1164421"/>
+            <a:off x="548640" y="7405793"/>
+            <a:ext cx="12005954" cy="1488677"/>
           </a:xfrm>
           <a:prstGeom prst="rect">
             <a:avLst/>
@@ -9402,7 +9485,7 @@
           </a:ln>
           <a:extLst>
             <a:ext uri="{C572A759-6A51-4108-AA02-DFA0A04FC94B}">
-              <ma14:wrappingTextBoxFlag xmlns="" xmlns:ma14="http://schemas.microsoft.com/office/mac/drawingml/2011/main" val="1"/>
+              <ma14:wrappingTextBoxFlag xmlns:ma14="http://schemas.microsoft.com/office/mac/drawingml/2011/main" xmlns="" val="1"/>
             </a:ext>
           </a:extLst>
         </p:spPr>
@@ -9413,8 +9496,11 @@
           <a:lstStyle/>
           <a:p>
             <a:pPr>
+              <a:lnSpc>
+                <a:spcPct val="150000"/>
+              </a:lnSpc>
               <a:spcBef>
-                <a:spcPts val="600"/>
+                <a:spcPts val="0"/>
               </a:spcBef>
               <a:defRPr sz="4000">
                 <a:latin typeface="Arial"/>
@@ -9463,8 +9549,11 @@
           </a:p>
           <a:p>
             <a:pPr>
+              <a:lnSpc>
+                <a:spcPct val="150000"/>
+              </a:lnSpc>
               <a:spcBef>
-                <a:spcPts val="600"/>
+                <a:spcPts val="0"/>
               </a:spcBef>
               <a:defRPr sz="4000">
                 <a:latin typeface="Arial"/>
@@ -9532,7 +9621,7 @@
           </a:ln>
           <a:extLst>
             <a:ext uri="{C572A759-6A51-4108-AA02-DFA0A04FC94B}">
-              <ma14:wrappingTextBoxFlag xmlns="" xmlns:ma14="http://schemas.microsoft.com/office/mac/drawingml/2011/main" val="1"/>
+              <ma14:wrappingTextBoxFlag xmlns:ma14="http://schemas.microsoft.com/office/mac/drawingml/2011/main" xmlns="" val="1"/>
             </a:ext>
           </a:extLst>
         </p:spPr>
@@ -9551,7 +9640,6 @@
             </a:lvl1pPr>
           </a:lstStyle>
           <a:p>
-            <a:pPr algn="l"/>
             <a:r>
               <a:rPr sz="3000" dirty="0" err="1"/>
               <a:t>Олег</a:t>
@@ -9567,7 +9655,7 @@
             <a:endParaRPr lang="uk-UA" sz="3000" dirty="0" smtClean="0"/>
           </a:p>
           <a:p>
-            <a:pPr algn="l">
+            <a:pPr>
               <a:spcBef>
                 <a:spcPts val="1800"/>
               </a:spcBef>
@@ -9599,7 +9687,7 @@
           </a:ln>
           <a:extLst>
             <a:ext uri="{C572A759-6A51-4108-AA02-DFA0A04FC94B}">
-              <ma14:wrappingTextBoxFlag xmlns="" xmlns:ma14="http://schemas.microsoft.com/office/mac/drawingml/2011/main" val="1"/>
+              <ma14:wrappingTextBoxFlag xmlns:ma14="http://schemas.microsoft.com/office/mac/drawingml/2011/main" xmlns="" val="1"/>
             </a:ext>
           </a:extLst>
         </p:spPr>
@@ -9618,7 +9706,6 @@
             </a:lvl1pPr>
           </a:lstStyle>
           <a:p>
-            <a:pPr algn="l"/>
             <a:r>
               <a:rPr sz="3000" dirty="0" err="1"/>
               <a:t>Максим</a:t>
@@ -9634,7 +9721,7 @@
             <a:endParaRPr lang="uk-UA" sz="3000" dirty="0" smtClean="0"/>
           </a:p>
           <a:p>
-            <a:pPr algn="l">
+            <a:pPr>
               <a:spcBef>
                 <a:spcPts val="1800"/>
               </a:spcBef>
@@ -9666,7 +9753,7 @@
           </a:ln>
           <a:extLst>
             <a:ext uri="{C572A759-6A51-4108-AA02-DFA0A04FC94B}">
-              <ma14:wrappingTextBoxFlag xmlns="" xmlns:ma14="http://schemas.microsoft.com/office/mac/drawingml/2011/main" val="1"/>
+              <ma14:wrappingTextBoxFlag xmlns:ma14="http://schemas.microsoft.com/office/mac/drawingml/2011/main" xmlns="" val="1"/>
             </a:ext>
           </a:extLst>
         </p:spPr>
@@ -9685,7 +9772,6 @@
             </a:lvl1pPr>
           </a:lstStyle>
           <a:p>
-            <a:pPr algn="l"/>
             <a:r>
               <a:rPr sz="3000" dirty="0" err="1">
                 <a:solidFill>
@@ -9717,7 +9803,7 @@
             </a:endParaRPr>
           </a:p>
           <a:p>
-            <a:pPr algn="l">
+            <a:pPr>
               <a:spcBef>
                 <a:spcPts val="1800"/>
               </a:spcBef>
@@ -9746,7 +9832,7 @@
             </a:endParaRPr>
           </a:p>
           <a:p>
-            <a:pPr algn="l">
+            <a:pPr>
               <a:spcBef>
                 <a:spcPts val="500"/>
               </a:spcBef>
@@ -9795,7 +9881,7 @@
           </a:ln>
           <a:extLst>
             <a:ext uri="{C572A759-6A51-4108-AA02-DFA0A04FC94B}">
-              <ma14:wrappingTextBoxFlag xmlns="" xmlns:ma14="http://schemas.microsoft.com/office/mac/drawingml/2011/main" val="1"/>
+              <ma14:wrappingTextBoxFlag xmlns:ma14="http://schemas.microsoft.com/office/mac/drawingml/2011/main" xmlns="" val="1"/>
             </a:ext>
           </a:extLst>
         </p:spPr>
@@ -9814,7 +9900,6 @@
             </a:lvl1pPr>
           </a:lstStyle>
           <a:p>
-            <a:pPr algn="l"/>
             <a:r>
               <a:rPr sz="3000" dirty="0" err="1">
                 <a:solidFill>
@@ -9846,7 +9931,7 @@
             </a:endParaRPr>
           </a:p>
           <a:p>
-            <a:pPr algn="l">
+            <a:pPr>
               <a:spcBef>
                 <a:spcPts val="1800"/>
               </a:spcBef>
@@ -9878,7 +9963,7 @@
             </a:r>
           </a:p>
           <a:p>
-            <a:pPr algn="l">
+            <a:pPr>
               <a:spcBef>
                 <a:spcPts val="500"/>
               </a:spcBef>
@@ -9910,7 +9995,7 @@
       </p:sp>
       <p:pic>
         <p:nvPicPr>
-          <p:cNvPr id="2" name="Picture 1"/>
+          <p:cNvPr id="4" name="Picture 3"/>
           <p:cNvPicPr>
             <a:picLocks noChangeAspect="1"/>
           </p:cNvPicPr>
@@ -9919,15 +10004,6 @@
         <p:blipFill>
           <a:blip r:embed="rId2">
             <a:extLst>
-              <a:ext uri="{BEBA8EAE-BF5A-486C-A8C5-ECC9F3942E4B}">
-                <a14:imgProps xmlns:a14="http://schemas.microsoft.com/office/drawing/2010/main">
-                  <a14:imgLayer r:embed="rId3">
-                    <a14:imgEffect>
-                      <a14:brightnessContrast bright="25000" contrast="31000"/>
-                    </a14:imgEffect>
-                  </a14:imgLayer>
-                </a14:imgProps>
-              </a:ext>
               <a:ext uri="{28A0092B-C50C-407E-A947-70E740481C1C}">
                 <a14:useLocalDpi xmlns:a14="http://schemas.microsoft.com/office/drawing/2010/main" val="0"/>
               </a:ext>
@@ -9939,8 +10015,8 @@
         </p:blipFill>
         <p:spPr>
           <a:xfrm>
-            <a:off x="814118" y="1154383"/>
-            <a:ext cx="11298714" cy="4237018"/>
+            <a:off x="748146" y="1108364"/>
+            <a:ext cx="11484758" cy="4306784"/>
           </a:xfrm>
           <a:prstGeom prst="rect">
             <a:avLst/>
